--- a/se/slides/08_CleanCode.pptx
+++ b/se/slides/08_CleanCode.pptx
@@ -5,7 +5,7 @@
     <p:sldMasterId id="2147483648" r:id="rId1"/>
   </p:sldMasterIdLst>
   <p:notesMasterIdLst>
-    <p:notesMasterId r:id="rId55"/>
+    <p:notesMasterId r:id="rId56"/>
   </p:notesMasterIdLst>
   <p:sldIdLst>
     <p:sldId id="372" r:id="rId2"/>
@@ -36,31 +36,32 @@
     <p:sldId id="321" r:id="rId27"/>
     <p:sldId id="322" r:id="rId28"/>
     <p:sldId id="326" r:id="rId29"/>
-    <p:sldId id="325" r:id="rId30"/>
-    <p:sldId id="333" r:id="rId31"/>
-    <p:sldId id="330" r:id="rId32"/>
-    <p:sldId id="335" r:id="rId33"/>
-    <p:sldId id="334" r:id="rId34"/>
-    <p:sldId id="355" r:id="rId35"/>
-    <p:sldId id="337" r:id="rId36"/>
-    <p:sldId id="339" r:id="rId37"/>
-    <p:sldId id="338" r:id="rId38"/>
-    <p:sldId id="340" r:id="rId39"/>
-    <p:sldId id="341" r:id="rId40"/>
-    <p:sldId id="363" r:id="rId41"/>
-    <p:sldId id="360" r:id="rId42"/>
-    <p:sldId id="344" r:id="rId43"/>
-    <p:sldId id="343" r:id="rId44"/>
-    <p:sldId id="345" r:id="rId45"/>
-    <p:sldId id="346" r:id="rId46"/>
-    <p:sldId id="347" r:id="rId47"/>
-    <p:sldId id="348" r:id="rId48"/>
-    <p:sldId id="349" r:id="rId49"/>
-    <p:sldId id="336" r:id="rId50"/>
-    <p:sldId id="350" r:id="rId51"/>
-    <p:sldId id="351" r:id="rId52"/>
-    <p:sldId id="354" r:id="rId53"/>
-    <p:sldId id="374" r:id="rId54"/>
+    <p:sldId id="375" r:id="rId30"/>
+    <p:sldId id="325" r:id="rId31"/>
+    <p:sldId id="333" r:id="rId32"/>
+    <p:sldId id="330" r:id="rId33"/>
+    <p:sldId id="335" r:id="rId34"/>
+    <p:sldId id="334" r:id="rId35"/>
+    <p:sldId id="355" r:id="rId36"/>
+    <p:sldId id="337" r:id="rId37"/>
+    <p:sldId id="339" r:id="rId38"/>
+    <p:sldId id="338" r:id="rId39"/>
+    <p:sldId id="340" r:id="rId40"/>
+    <p:sldId id="341" r:id="rId41"/>
+    <p:sldId id="363" r:id="rId42"/>
+    <p:sldId id="360" r:id="rId43"/>
+    <p:sldId id="344" r:id="rId44"/>
+    <p:sldId id="343" r:id="rId45"/>
+    <p:sldId id="345" r:id="rId46"/>
+    <p:sldId id="346" r:id="rId47"/>
+    <p:sldId id="347" r:id="rId48"/>
+    <p:sldId id="348" r:id="rId49"/>
+    <p:sldId id="349" r:id="rId50"/>
+    <p:sldId id="336" r:id="rId51"/>
+    <p:sldId id="350" r:id="rId52"/>
+    <p:sldId id="351" r:id="rId53"/>
+    <p:sldId id="354" r:id="rId54"/>
+    <p:sldId id="374" r:id="rId55"/>
   </p:sldIdLst>
   <p:sldSz cx="12192000" cy="6858000"/>
   <p:notesSz cx="7000875" cy="9229725"/>
@@ -317,7 +318,7 @@
               <a:pPr>
                 <a:defRPr/>
               </a:pPr>
-              <a:t>01.12.2019</a:t>
+              <a:t>03.12.2019</a:t>
             </a:fld>
             <a:endParaRPr lang="de-DE"/>
           </a:p>
@@ -2193,7 +2194,7 @@
                   <a:spcPct val="0"/>
                 </a:spcAft>
               </a:pPr>
-              <a:t>30</a:t>
+              <a:t>31</a:t>
             </a:fld>
             <a:endParaRPr lang="de-DE">
               <a:cs typeface="Arial" charset="0"/>
@@ -2355,7 +2356,7 @@
                   <a:spcPct val="0"/>
                 </a:spcAft>
               </a:pPr>
-              <a:t>31</a:t>
+              <a:t>32</a:t>
             </a:fld>
             <a:endParaRPr lang="de-DE">
               <a:cs typeface="Arial" charset="0"/>
@@ -2688,7 +2689,7 @@
                   <a:spcPct val="0"/>
                 </a:spcAft>
               </a:pPr>
-              <a:t>32</a:t>
+              <a:t>33</a:t>
             </a:fld>
             <a:endParaRPr lang="de-DE">
               <a:cs typeface="Arial" charset="0"/>
@@ -2851,7 +2852,7 @@
                   <a:spcPct val="0"/>
                 </a:spcAft>
               </a:pPr>
-              <a:t>33</a:t>
+              <a:t>34</a:t>
             </a:fld>
             <a:endParaRPr lang="de-DE">
               <a:cs typeface="Arial" charset="0"/>
@@ -2994,7 +2995,7 @@
                   <a:spcPct val="0"/>
                 </a:spcAft>
               </a:pPr>
-              <a:t>34</a:t>
+              <a:t>35</a:t>
             </a:fld>
             <a:endParaRPr lang="de-DE">
               <a:cs typeface="Arial" charset="0"/>
@@ -3138,7 +3139,7 @@
                   <a:spcPct val="0"/>
                 </a:spcAft>
               </a:pPr>
-              <a:t>35</a:t>
+              <a:t>36</a:t>
             </a:fld>
             <a:endParaRPr lang="de-DE">
               <a:cs typeface="Arial" charset="0"/>
@@ -3282,7 +3283,7 @@
                   <a:spcPct val="0"/>
                 </a:spcAft>
               </a:pPr>
-              <a:t>36</a:t>
+              <a:t>37</a:t>
             </a:fld>
             <a:endParaRPr lang="de-DE">
               <a:cs typeface="Arial" charset="0"/>
@@ -3445,7 +3446,7 @@
                   <a:spcPct val="0"/>
                 </a:spcAft>
               </a:pPr>
-              <a:t>37</a:t>
+              <a:t>38</a:t>
             </a:fld>
             <a:endParaRPr lang="de-DE">
               <a:cs typeface="Arial" charset="0"/>
@@ -3589,7 +3590,7 @@
                   <a:spcPct val="0"/>
                 </a:spcAft>
               </a:pPr>
-              <a:t>38</a:t>
+              <a:t>39</a:t>
             </a:fld>
             <a:endParaRPr lang="de-DE">
               <a:cs typeface="Arial" charset="0"/>
@@ -3890,7 +3891,7 @@
                   <a:spcPct val="0"/>
                 </a:spcAft>
               </a:pPr>
-              <a:t>41</a:t>
+              <a:t>42</a:t>
             </a:fld>
             <a:endParaRPr lang="de-DE">
               <a:cs typeface="Arial" charset="0"/>
@@ -4041,7 +4042,7 @@
                   <a:spcPct val="0"/>
                 </a:spcAft>
               </a:pPr>
-              <a:t>42</a:t>
+              <a:t>43</a:t>
             </a:fld>
             <a:endParaRPr lang="de-DE">
               <a:cs typeface="Arial" charset="0"/>
@@ -4081,7 +4082,7 @@
       </p:grpSpPr>
       <p:sp>
         <p:nvSpPr>
-          <p:cNvPr id="98305" name="Folienbildplatzhalter 1"/>
+          <p:cNvPr id="2" name="Folienbildplatzhalter 1"/>
           <p:cNvSpPr>
             <a:spLocks noGrp="1" noRot="1" noChangeAspect="1"/>
           </p:cNvSpPr>
@@ -4089,25 +4090,11 @@
             <p:ph type="sldImg"/>
           </p:nvPr>
         </p:nvSpPr>
-        <p:spPr bwMode="auto">
-          <a:xfrm>
-            <a:off x="425450" y="692150"/>
-            <a:ext cx="6149975" cy="3460750"/>
-          </a:xfrm>
-          <a:noFill/>
-          <a:ln>
-            <a:solidFill>
-              <a:srgbClr val="000000"/>
-            </a:solidFill>
-            <a:miter lim="800000"/>
-            <a:headEnd/>
-            <a:tailEnd/>
-          </a:ln>
-        </p:spPr>
+        <p:spPr/>
       </p:sp>
       <p:sp>
         <p:nvSpPr>
-          <p:cNvPr id="98306" name="Notizenplatzhalter 2"/>
+          <p:cNvPr id="3" name="Notizenplatzhalter 2"/>
           <p:cNvSpPr>
             <a:spLocks noGrp="1"/>
           </p:cNvSpPr>
@@ -4115,107 +4102,60 @@
             <p:ph type="body" idx="1"/>
           </p:nvPr>
         </p:nvSpPr>
-        <p:spPr bwMode="auto">
-          <a:noFill/>
-        </p:spPr>
+        <p:spPr/>
         <p:txBody>
-          <a:bodyPr wrap="square" numCol="1" anchor="t" anchorCtr="0" compatLnSpc="1">
-            <a:prstTxWarp prst="textNoShape">
-              <a:avLst/>
-            </a:prstTxWarp>
-          </a:bodyPr>
+          <a:bodyPr/>
           <a:lstStyle/>
           <a:p>
-            <a:pPr>
-              <a:spcBef>
-                <a:spcPct val="0"/>
-              </a:spcBef>
-            </a:pPr>
-            <a:r>
-              <a:rPr lang="de-DE"/>
-              <a:t>Fragen: Was ist ein Block?</a:t>
-            </a:r>
-          </a:p>
-          <a:p>
-            <a:pPr>
-              <a:spcBef>
-                <a:spcPct val="0"/>
-              </a:spcBef>
-            </a:pPr>
-            <a:endParaRPr lang="de-DE"/>
-          </a:p>
-          <a:p>
-            <a:pPr>
-              <a:spcBef>
-                <a:spcPct val="0"/>
-              </a:spcBef>
-            </a:pPr>
-            <a:r>
-              <a:rPr lang="de-DE"/>
-              <a:t>Fragen: Passt das hier oder sollte man etwas anpassen?</a:t>
-            </a:r>
-            <a:endParaRPr lang="en-US"/>
+            <a:r>
+              <a:rPr lang="de-DE" dirty="0" smtClean="0"/>
+              <a:t>In </a:t>
+            </a:r>
+            <a:r>
+              <a:rPr lang="de-DE" dirty="0" err="1" smtClean="0"/>
+              <a:t>Eclipse</a:t>
+            </a:r>
+            <a:r>
+              <a:rPr lang="de-DE" dirty="0" smtClean="0"/>
+              <a:t> Formatierungsoptionen zeigen</a:t>
+            </a:r>
+            <a:endParaRPr lang="de-DE" dirty="0"/>
           </a:p>
         </p:txBody>
       </p:sp>
       <p:sp>
         <p:nvSpPr>
-          <p:cNvPr id="98307" name="Foliennummernplatzhalter 3"/>
+          <p:cNvPr id="4" name="Foliennummernplatzhalter 3"/>
           <p:cNvSpPr>
             <a:spLocks noGrp="1"/>
           </p:cNvSpPr>
           <p:nvPr>
-            <p:ph type="sldNum" sz="quarter" idx="5"/>
+            <p:ph type="sldNum" sz="quarter" idx="10"/>
           </p:nvPr>
         </p:nvSpPr>
-        <p:spPr bwMode="auto">
-          <a:noFill/>
-          <a:ln>
-            <a:miter lim="800000"/>
-            <a:headEnd/>
-            <a:tailEnd/>
-          </a:ln>
-        </p:spPr>
+        <p:spPr/>
         <p:txBody>
-          <a:bodyPr wrap="square" numCol="1" anchorCtr="0" compatLnSpc="1">
-            <a:prstTxWarp prst="textNoShape">
-              <a:avLst/>
-            </a:prstTxWarp>
-          </a:bodyPr>
+          <a:bodyPr/>
           <a:lstStyle/>
           <a:p>
-            <a:pPr fontAlgn="base">
-              <a:spcBef>
-                <a:spcPct val="0"/>
-              </a:spcBef>
-              <a:spcAft>
-                <a:spcPct val="0"/>
-              </a:spcAft>
-            </a:pPr>
-            <a:fld id="{F275E7A7-1F31-4B9F-8899-82F000E53A2F}" type="slidenum">
-              <a:rPr lang="de-DE">
-                <a:cs typeface="Arial" charset="0"/>
-              </a:rPr>
-              <a:pPr fontAlgn="base">
-                <a:spcBef>
-                  <a:spcPct val="0"/>
-                </a:spcBef>
-                <a:spcAft>
-                  <a:spcPct val="0"/>
-                </a:spcAft>
+            <a:pPr>
+              <a:defRPr/>
+            </a:pPr>
+            <a:fld id="{5D53E4BE-10EF-433D-9E23-74E15363655C}" type="slidenum">
+              <a:rPr lang="de-DE" smtClean="0"/>
+              <a:pPr>
+                <a:defRPr/>
               </a:pPr>
-              <a:t>48</a:t>
+              <a:t>45</a:t>
             </a:fld>
-            <a:endParaRPr lang="de-DE">
-              <a:cs typeface="Arial" charset="0"/>
-            </a:endParaRPr>
+            <a:endParaRPr lang="de-DE"/>
           </a:p>
         </p:txBody>
       </p:sp>
     </p:spTree>
     <p:extLst>
       <p:ext uri="{BB962C8B-B14F-4D97-AF65-F5344CB8AC3E}">
-        <p14:creationId xmlns:p14="http://schemas.microsoft.com/office/powerpoint/2010/main" val="398428760"/>
+        <p14:creationId xmlns:p14="http://schemas.microsoft.com/office/powerpoint/2010/main" val="694827260"/>
       </p:ext>
     </p:extLst>
   </p:cSld>
@@ -4406,6 +4346,169 @@
       </p:grpSpPr>
       <p:sp>
         <p:nvSpPr>
+          <p:cNvPr id="98305" name="Folienbildplatzhalter 1"/>
+          <p:cNvSpPr>
+            <a:spLocks noGrp="1" noRot="1" noChangeAspect="1"/>
+          </p:cNvSpPr>
+          <p:nvPr>
+            <p:ph type="sldImg"/>
+          </p:nvPr>
+        </p:nvSpPr>
+        <p:spPr bwMode="auto">
+          <a:xfrm>
+            <a:off x="425450" y="692150"/>
+            <a:ext cx="6149975" cy="3460750"/>
+          </a:xfrm>
+          <a:noFill/>
+          <a:ln>
+            <a:solidFill>
+              <a:srgbClr val="000000"/>
+            </a:solidFill>
+            <a:miter lim="800000"/>
+            <a:headEnd/>
+            <a:tailEnd/>
+          </a:ln>
+        </p:spPr>
+      </p:sp>
+      <p:sp>
+        <p:nvSpPr>
+          <p:cNvPr id="98306" name="Notizenplatzhalter 2"/>
+          <p:cNvSpPr>
+            <a:spLocks noGrp="1"/>
+          </p:cNvSpPr>
+          <p:nvPr>
+            <p:ph type="body" idx="1"/>
+          </p:nvPr>
+        </p:nvSpPr>
+        <p:spPr bwMode="auto">
+          <a:noFill/>
+        </p:spPr>
+        <p:txBody>
+          <a:bodyPr wrap="square" numCol="1" anchor="t" anchorCtr="0" compatLnSpc="1">
+            <a:prstTxWarp prst="textNoShape">
+              <a:avLst/>
+            </a:prstTxWarp>
+          </a:bodyPr>
+          <a:lstStyle/>
+          <a:p>
+            <a:pPr>
+              <a:spcBef>
+                <a:spcPct val="0"/>
+              </a:spcBef>
+            </a:pPr>
+            <a:r>
+              <a:rPr lang="de-DE"/>
+              <a:t>Fragen: Was ist ein Block?</a:t>
+            </a:r>
+          </a:p>
+          <a:p>
+            <a:pPr>
+              <a:spcBef>
+                <a:spcPct val="0"/>
+              </a:spcBef>
+            </a:pPr>
+            <a:endParaRPr lang="de-DE"/>
+          </a:p>
+          <a:p>
+            <a:pPr>
+              <a:spcBef>
+                <a:spcPct val="0"/>
+              </a:spcBef>
+            </a:pPr>
+            <a:r>
+              <a:rPr lang="de-DE"/>
+              <a:t>Fragen: Passt das hier oder sollte man etwas anpassen?</a:t>
+            </a:r>
+            <a:endParaRPr lang="en-US"/>
+          </a:p>
+        </p:txBody>
+      </p:sp>
+      <p:sp>
+        <p:nvSpPr>
+          <p:cNvPr id="98307" name="Foliennummernplatzhalter 3"/>
+          <p:cNvSpPr>
+            <a:spLocks noGrp="1"/>
+          </p:cNvSpPr>
+          <p:nvPr>
+            <p:ph type="sldNum" sz="quarter" idx="5"/>
+          </p:nvPr>
+        </p:nvSpPr>
+        <p:spPr bwMode="auto">
+          <a:noFill/>
+          <a:ln>
+            <a:miter lim="800000"/>
+            <a:headEnd/>
+            <a:tailEnd/>
+          </a:ln>
+        </p:spPr>
+        <p:txBody>
+          <a:bodyPr wrap="square" numCol="1" anchorCtr="0" compatLnSpc="1">
+            <a:prstTxWarp prst="textNoShape">
+              <a:avLst/>
+            </a:prstTxWarp>
+          </a:bodyPr>
+          <a:lstStyle/>
+          <a:p>
+            <a:pPr fontAlgn="base">
+              <a:spcBef>
+                <a:spcPct val="0"/>
+              </a:spcBef>
+              <a:spcAft>
+                <a:spcPct val="0"/>
+              </a:spcAft>
+            </a:pPr>
+            <a:fld id="{F275E7A7-1F31-4B9F-8899-82F000E53A2F}" type="slidenum">
+              <a:rPr lang="de-DE">
+                <a:cs typeface="Arial" charset="0"/>
+              </a:rPr>
+              <a:pPr fontAlgn="base">
+                <a:spcBef>
+                  <a:spcPct val="0"/>
+                </a:spcBef>
+                <a:spcAft>
+                  <a:spcPct val="0"/>
+                </a:spcAft>
+              </a:pPr>
+              <a:t>49</a:t>
+            </a:fld>
+            <a:endParaRPr lang="de-DE">
+              <a:cs typeface="Arial" charset="0"/>
+            </a:endParaRPr>
+          </a:p>
+        </p:txBody>
+      </p:sp>
+    </p:spTree>
+    <p:extLst>
+      <p:ext uri="{BB962C8B-B14F-4D97-AF65-F5344CB8AC3E}">
+        <p14:creationId xmlns:p14="http://schemas.microsoft.com/office/powerpoint/2010/main" val="398428760"/>
+      </p:ext>
+    </p:extLst>
+  </p:cSld>
+  <p:clrMapOvr>
+    <a:masterClrMapping/>
+  </p:clrMapOvr>
+</p:notes>
+</file>
+
+<file path=ppt/notesSlides/notesSlide31.xml><?xml version="1.0" encoding="utf-8"?>
+<p:notes xmlns:a="http://schemas.openxmlformats.org/drawingml/2006/main" xmlns:r="http://schemas.openxmlformats.org/officeDocument/2006/relationships" xmlns:p="http://schemas.openxmlformats.org/presentationml/2006/main">
+  <p:cSld>
+    <p:spTree>
+      <p:nvGrpSpPr>
+        <p:cNvPr id="1" name=""/>
+        <p:cNvGrpSpPr/>
+        <p:nvPr/>
+      </p:nvGrpSpPr>
+      <p:grpSpPr>
+        <a:xfrm>
+          <a:off x="0" y="0"/>
+          <a:ext cx="0" cy="0"/>
+          <a:chOff x="0" y="0"/>
+          <a:chExt cx="0" cy="0"/>
+        </a:xfrm>
+      </p:grpSpPr>
+      <p:sp>
+        <p:nvSpPr>
           <p:cNvPr id="101377" name="Folienbildplatzhalter 1"/>
           <p:cNvSpPr>
             <a:spLocks noGrp="1" noRot="1" noChangeAspect="1"/>
@@ -4517,7 +4620,7 @@
                   <a:spcPct val="0"/>
                 </a:spcAft>
               </a:pPr>
-              <a:t>50</a:t>
+              <a:t>51</a:t>
             </a:fld>
             <a:endParaRPr lang="de-DE">
               <a:cs typeface="Arial" charset="0"/>
@@ -4538,7 +4641,109 @@
 </p:notes>
 </file>
 
-<file path=ppt/notesSlides/notesSlide31.xml><?xml version="1.0" encoding="utf-8"?>
+<file path=ppt/notesSlides/notesSlide32.xml><?xml version="1.0" encoding="utf-8"?>
+<p:notes xmlns:a="http://schemas.openxmlformats.org/drawingml/2006/main" xmlns:r="http://schemas.openxmlformats.org/officeDocument/2006/relationships" xmlns:p="http://schemas.openxmlformats.org/presentationml/2006/main">
+  <p:cSld>
+    <p:spTree>
+      <p:nvGrpSpPr>
+        <p:cNvPr id="1" name=""/>
+        <p:cNvGrpSpPr/>
+        <p:nvPr/>
+      </p:nvGrpSpPr>
+      <p:grpSpPr>
+        <a:xfrm>
+          <a:off x="0" y="0"/>
+          <a:ext cx="0" cy="0"/>
+          <a:chOff x="0" y="0"/>
+          <a:chExt cx="0" cy="0"/>
+        </a:xfrm>
+      </p:grpSpPr>
+      <p:sp>
+        <p:nvSpPr>
+          <p:cNvPr id="2" name="Folienbildplatzhalter 1"/>
+          <p:cNvSpPr>
+            <a:spLocks noGrp="1" noRot="1" noChangeAspect="1"/>
+          </p:cNvSpPr>
+          <p:nvPr>
+            <p:ph type="sldImg"/>
+          </p:nvPr>
+        </p:nvSpPr>
+        <p:spPr/>
+      </p:sp>
+      <p:sp>
+        <p:nvSpPr>
+          <p:cNvPr id="3" name="Notizenplatzhalter 2"/>
+          <p:cNvSpPr>
+            <a:spLocks noGrp="1"/>
+          </p:cNvSpPr>
+          <p:nvPr>
+            <p:ph type="body" idx="1"/>
+          </p:nvPr>
+        </p:nvSpPr>
+        <p:spPr/>
+        <p:txBody>
+          <a:bodyPr/>
+          <a:lstStyle/>
+          <a:p>
+            <a:r>
+              <a:rPr lang="de-DE" dirty="0" smtClean="0"/>
+              <a:t>In </a:t>
+            </a:r>
+            <a:r>
+              <a:rPr lang="de-DE" dirty="0" err="1" smtClean="0"/>
+              <a:t>Eclipse</a:t>
+            </a:r>
+            <a:r>
+              <a:rPr lang="de-DE" dirty="0" smtClean="0"/>
+              <a:t> zeigen</a:t>
+            </a:r>
+            <a:endParaRPr lang="de-DE" dirty="0"/>
+          </a:p>
+        </p:txBody>
+      </p:sp>
+      <p:sp>
+        <p:nvSpPr>
+          <p:cNvPr id="4" name="Foliennummernplatzhalter 3"/>
+          <p:cNvSpPr>
+            <a:spLocks noGrp="1"/>
+          </p:cNvSpPr>
+          <p:nvPr>
+            <p:ph type="sldNum" sz="quarter" idx="10"/>
+          </p:nvPr>
+        </p:nvSpPr>
+        <p:spPr/>
+        <p:txBody>
+          <a:bodyPr/>
+          <a:lstStyle/>
+          <a:p>
+            <a:pPr>
+              <a:defRPr/>
+            </a:pPr>
+            <a:fld id="{5D53E4BE-10EF-433D-9E23-74E15363655C}" type="slidenum">
+              <a:rPr lang="de-DE" smtClean="0"/>
+              <a:pPr>
+                <a:defRPr/>
+              </a:pPr>
+              <a:t>52</a:t>
+            </a:fld>
+            <a:endParaRPr lang="de-DE"/>
+          </a:p>
+        </p:txBody>
+      </p:sp>
+    </p:spTree>
+    <p:extLst>
+      <p:ext uri="{BB962C8B-B14F-4D97-AF65-F5344CB8AC3E}">
+        <p14:creationId xmlns:p14="http://schemas.microsoft.com/office/powerpoint/2010/main" val="3652833019"/>
+      </p:ext>
+    </p:extLst>
+  </p:cSld>
+  <p:clrMapOvr>
+    <a:masterClrMapping/>
+  </p:clrMapOvr>
+</p:notes>
+</file>
+
+<file path=ppt/notesSlides/notesSlide33.xml><?xml version="1.0" encoding="utf-8"?>
 <p:notes xmlns:a="http://schemas.openxmlformats.org/drawingml/2006/main" xmlns:r="http://schemas.openxmlformats.org/officeDocument/2006/relationships" xmlns:p="http://schemas.openxmlformats.org/presentationml/2006/main">
   <p:cSld>
     <p:spTree>
@@ -4661,7 +4866,7 @@
                   <a:spcPct val="0"/>
                 </a:spcAft>
               </a:pPr>
-              <a:t>52</a:t>
+              <a:t>53</a:t>
             </a:fld>
             <a:endParaRPr lang="de-DE">
               <a:cs typeface="Arial" charset="0"/>
@@ -5774,7 +5979,7 @@
               <a:pPr>
                 <a:defRPr/>
               </a:pPr>
-              <a:t>01.12.2019</a:t>
+              <a:t>03.12.2019</a:t>
             </a:fld>
             <a:endParaRPr lang="de-DE"/>
           </a:p>
@@ -6200,7 +6405,7 @@
             </a:pPr>
             <a:fld id="{A01318A0-A91C-4E34-A6A4-B088DE2EC4E6}" type="datetime1">
               <a:rPr lang="de-DE" smtClean="0"/>
-              <a:t>01.12.2019</a:t>
+              <a:t>03.12.2019</a:t>
             </a:fld>
             <a:endParaRPr lang="de-DE"/>
           </a:p>
@@ -6638,7 +6843,7 @@
             </a:pPr>
             <a:fld id="{F3172C71-1B2D-4EBB-A525-FC25E9AD6C3F}" type="datetime1">
               <a:rPr lang="de-DE" smtClean="0"/>
-              <a:t>01.12.2019</a:t>
+              <a:t>03.12.2019</a:t>
             </a:fld>
             <a:endParaRPr lang="de-DE"/>
           </a:p>
@@ -6774,7 +6979,7 @@
             </a:pPr>
             <a:fld id="{ECB27970-600A-4F86-A15D-C05C3D0FEE26}" type="datetime1">
               <a:rPr lang="de-DE" smtClean="0"/>
-              <a:t>01.12.2019</a:t>
+              <a:t>03.12.2019</a:t>
             </a:fld>
             <a:endParaRPr lang="de-DE"/>
           </a:p>
@@ -6888,7 +7093,7 @@
             </a:pPr>
             <a:fld id="{8159730C-CED8-4DF2-AE4A-6535B42A8CEE}" type="datetime1">
               <a:rPr lang="de-DE" smtClean="0"/>
-              <a:t>01.12.2019</a:t>
+              <a:t>03.12.2019</a:t>
             </a:fld>
             <a:endParaRPr lang="de-DE"/>
           </a:p>
@@ -7182,7 +7387,7 @@
             </a:pPr>
             <a:fld id="{3A388890-602B-4A09-8DC3-1548D33C96FD}" type="datetime1">
               <a:rPr lang="de-DE" smtClean="0"/>
-              <a:t>01.12.2019</a:t>
+              <a:t>03.12.2019</a:t>
             </a:fld>
             <a:endParaRPr lang="de-DE"/>
           </a:p>
@@ -7459,7 +7664,7 @@
             </a:pPr>
             <a:fld id="{8570335D-C802-46D9-9AA9-E72CD6CB7F5F}" type="datetime1">
               <a:rPr lang="de-DE" smtClean="0"/>
-              <a:t>01.12.2019</a:t>
+              <a:t>03.12.2019</a:t>
             </a:fld>
             <a:endParaRPr lang="de-DE"/>
           </a:p>
@@ -7646,7 +7851,7 @@
             </a:pPr>
             <a:fld id="{4BE24FC9-8B08-4FEB-8D70-DD424EC57607}" type="datetime1">
               <a:rPr lang="de-DE" smtClean="0"/>
-              <a:t>01.12.2019</a:t>
+              <a:t>03.12.2019</a:t>
             </a:fld>
             <a:endParaRPr lang="de-DE"/>
           </a:p>
@@ -7843,7 +8048,7 @@
             </a:pPr>
             <a:fld id="{5291C538-702D-498B-AFF4-CE821B385788}" type="datetime1">
               <a:rPr lang="de-DE" smtClean="0"/>
-              <a:t>01.12.2019</a:t>
+              <a:t>03.12.2019</a:t>
             </a:fld>
             <a:endParaRPr lang="de-DE"/>
           </a:p>
@@ -8113,7 +8318,7 @@
                   </a:prstClr>
                 </a:solidFill>
               </a:rPr>
-              <a:t>01.12.2019</a:t>
+              <a:t>03.12.2019</a:t>
             </a:fld>
             <a:endParaRPr lang="de-DE">
               <a:solidFill>
@@ -8415,7 +8620,7 @@
               <a:pPr>
                 <a:defRPr/>
               </a:pPr>
-              <a:t>01.12.2019</a:t>
+              <a:t>03.12.2019</a:t>
             </a:fld>
             <a:endParaRPr lang="de-DE"/>
           </a:p>
@@ -8766,7 +8971,7 @@
               <a:pPr>
                 <a:defRPr/>
               </a:pPr>
-              <a:t>01.12.2019</a:t>
+              <a:t>03.12.2019</a:t>
             </a:fld>
             <a:endParaRPr lang="de-DE"/>
           </a:p>
@@ -9120,7 +9325,7 @@
               <a:pPr>
                 <a:defRPr/>
               </a:pPr>
-              <a:t>01.12.2019</a:t>
+              <a:t>03.12.2019</a:t>
             </a:fld>
             <a:endParaRPr lang="de-DE"/>
           </a:p>
@@ -9503,7 +9708,7 @@
             </a:pPr>
             <a:fld id="{2D83B759-5574-434E-ABFD-51D1CF0C0C75}" type="datetime1">
               <a:rPr lang="de-DE" smtClean="0"/>
-              <a:t>01.12.2019</a:t>
+              <a:t>03.12.2019</a:t>
             </a:fld>
             <a:endParaRPr lang="de-DE"/>
           </a:p>
@@ -9845,7 +10050,7 @@
               <a:pPr>
                 <a:defRPr/>
               </a:pPr>
-              <a:t>01.12.2019</a:t>
+              <a:t>03.12.2019</a:t>
             </a:fld>
             <a:endParaRPr lang="de-DE"/>
           </a:p>
@@ -10157,7 +10362,7 @@
               <a:pPr>
                 <a:defRPr/>
               </a:pPr>
-              <a:t>01.12.2019</a:t>
+              <a:t>03.12.2019</a:t>
             </a:fld>
             <a:endParaRPr lang="de-DE"/>
           </a:p>
@@ -10479,7 +10684,7 @@
             </a:pPr>
             <a:fld id="{C78B7C44-31B0-410D-B183-18D15DDACF76}" type="datetime1">
               <a:rPr lang="de-DE" smtClean="0"/>
-              <a:t>01.12.2019</a:t>
+              <a:t>03.12.2019</a:t>
             </a:fld>
             <a:endParaRPr lang="de-DE"/>
           </a:p>
@@ -10748,7 +10953,7 @@
             </a:pPr>
             <a:fld id="{F77670A3-B597-45AE-9BCD-3F17EA59FB76}" type="datetime1">
               <a:rPr lang="de-DE" smtClean="0"/>
-              <a:t>01.12.2019</a:t>
+              <a:t>03.12.2019</a:t>
             </a:fld>
             <a:endParaRPr lang="de-DE"/>
           </a:p>
@@ -11001,7 +11206,7 @@
             </a:pPr>
             <a:fld id="{EC5A7670-C2D9-48CF-82BE-F2B932A1EFEE}" type="datetime1">
               <a:rPr lang="de-DE" smtClean="0"/>
-              <a:t>01.12.2019</a:t>
+              <a:t>03.12.2019</a:t>
             </a:fld>
             <a:endParaRPr lang="de-DE"/>
           </a:p>
@@ -15381,11 +15586,11 @@
   <p:clrMapOvr>
     <a:masterClrMapping/>
   </p:clrMapOvr>
-  <mc:AlternateContent xmlns:mc="http://schemas.openxmlformats.org/markup-compatibility/2006">
-    <mc:Choice xmlns:p14="http://schemas.microsoft.com/office/powerpoint/2010/main" Requires="p14">
+  <mc:AlternateContent xmlns:mc="http://schemas.openxmlformats.org/markup-compatibility/2006" xmlns:p14="http://schemas.microsoft.com/office/powerpoint/2010/main">
+    <mc:Choice Requires="p14">
       <p:transition spd="slow" p14:dur="2000"/>
     </mc:Choice>
-    <mc:Fallback>
+    <mc:Fallback xmlns="">
       <p:transition spd="slow"/>
     </mc:Fallback>
   </mc:AlternateContent>
@@ -19610,11 +19815,11 @@
   <p:clrMapOvr>
     <a:masterClrMapping/>
   </p:clrMapOvr>
-  <mc:AlternateContent xmlns:mc="http://schemas.openxmlformats.org/markup-compatibility/2006">
-    <mc:Choice xmlns:p14="http://schemas.microsoft.com/office/powerpoint/2010/main" Requires="p14">
+  <mc:AlternateContent xmlns:mc="http://schemas.openxmlformats.org/markup-compatibility/2006" xmlns:p14="http://schemas.microsoft.com/office/powerpoint/2010/main">
+    <mc:Choice Requires="p14">
       <p:transition spd="slow" p14:dur="2000"/>
     </mc:Choice>
-    <mc:Fallback>
+    <mc:Fallback xmlns="">
       <p:transition spd="slow"/>
     </mc:Fallback>
   </mc:AlternateContent>
@@ -22953,11 +23158,7 @@
             </a:pPr>
             <a:r>
               <a:rPr lang="de-DE" dirty="0"/>
-              <a:t>	</a:t>
-            </a:r>
-            <a:r>
-              <a:rPr lang="de-DE" dirty="0"/>
-              <a:t> </a:t>
+              <a:t>	 </a:t>
             </a:r>
             <a:r>
               <a:rPr lang="de-DE" dirty="0" err="1" smtClean="0"/>
@@ -24569,11 +24770,11 @@
   <p:clrMapOvr>
     <a:masterClrMapping/>
   </p:clrMapOvr>
-  <mc:AlternateContent xmlns:mc="http://schemas.openxmlformats.org/markup-compatibility/2006">
-    <mc:Choice xmlns:p14="http://schemas.microsoft.com/office/powerpoint/2010/main" Requires="p14">
+  <mc:AlternateContent xmlns:mc="http://schemas.openxmlformats.org/markup-compatibility/2006" xmlns:p14="http://schemas.microsoft.com/office/powerpoint/2010/main">
+    <mc:Choice Requires="p14">
       <p:transition spd="slow" p14:dur="2000"/>
     </mc:Choice>
-    <mc:Fallback>
+    <mc:Fallback xmlns="">
       <p:transition spd="slow"/>
     </mc:Fallback>
   </mc:AlternateContent>
@@ -26042,11 +26243,11 @@
   <p:clrMapOvr>
     <a:masterClrMapping/>
   </p:clrMapOvr>
-  <mc:AlternateContent xmlns:mc="http://schemas.openxmlformats.org/markup-compatibility/2006">
-    <mc:Choice xmlns:p14="http://schemas.microsoft.com/office/powerpoint/2010/main" Requires="p14">
+  <mc:AlternateContent xmlns:mc="http://schemas.openxmlformats.org/markup-compatibility/2006" xmlns:p14="http://schemas.microsoft.com/office/powerpoint/2010/main">
+    <mc:Choice Requires="p14">
       <p:transition spd="slow" p14:dur="2000"/>
     </mc:Choice>
-    <mc:Fallback>
+    <mc:Fallback xmlns="">
       <p:transition spd="slow"/>
     </mc:Fallback>
   </mc:AlternateContent>
@@ -26544,6 +26745,621 @@
       </p:grpSpPr>
       <p:sp>
         <p:nvSpPr>
+          <p:cNvPr id="3" name="Titel 2"/>
+          <p:cNvSpPr>
+            <a:spLocks noGrp="1"/>
+          </p:cNvSpPr>
+          <p:nvPr>
+            <p:ph type="title"/>
+          </p:nvPr>
+        </p:nvSpPr>
+        <p:spPr/>
+        <p:txBody>
+          <a:bodyPr/>
+          <a:lstStyle/>
+          <a:p>
+            <a:r>
+              <a:rPr lang="de-DE" dirty="0" smtClean="0"/>
+              <a:t>Nächste Woche (16.12.)</a:t>
+            </a:r>
+            <a:endParaRPr lang="de-DE" dirty="0"/>
+          </a:p>
+        </p:txBody>
+      </p:sp>
+      <p:sp>
+        <p:nvSpPr>
+          <p:cNvPr id="4" name="Inhaltsplatzhalter 3"/>
+          <p:cNvSpPr>
+            <a:spLocks noGrp="1"/>
+          </p:cNvSpPr>
+          <p:nvPr>
+            <p:ph idx="1"/>
+          </p:nvPr>
+        </p:nvSpPr>
+        <p:spPr/>
+        <p:txBody>
+          <a:bodyPr/>
+          <a:lstStyle/>
+          <a:p>
+            <a:r>
+              <a:rPr lang="de-DE" dirty="0" smtClean="0"/>
+              <a:t>Wir beginnen erst um 10!</a:t>
+            </a:r>
+            <a:endParaRPr lang="de-DE" dirty="0"/>
+          </a:p>
+        </p:txBody>
+      </p:sp>
+      <p:sp>
+        <p:nvSpPr>
+          <p:cNvPr id="2" name="Foliennummernplatzhalter 1"/>
+          <p:cNvSpPr>
+            <a:spLocks noGrp="1"/>
+          </p:cNvSpPr>
+          <p:nvPr>
+            <p:ph type="sldNum" sz="quarter" idx="12"/>
+          </p:nvPr>
+        </p:nvSpPr>
+        <p:spPr/>
+        <p:txBody>
+          <a:bodyPr/>
+          <a:lstStyle/>
+          <a:p>
+            <a:pPr>
+              <a:defRPr/>
+            </a:pPr>
+            <a:fld id="{6CC36B05-D3A6-4E9C-8079-81C7A62CEAD5}" type="slidenum">
+              <a:rPr lang="de-DE" smtClean="0"/>
+              <a:pPr>
+                <a:defRPr/>
+              </a:pPr>
+              <a:t>29</a:t>
+            </a:fld>
+            <a:endParaRPr lang="de-DE"/>
+          </a:p>
+        </p:txBody>
+      </p:sp>
+    </p:spTree>
+    <p:extLst>
+      <p:ext uri="{BB962C8B-B14F-4D97-AF65-F5344CB8AC3E}">
+        <p14:creationId xmlns:p14="http://schemas.microsoft.com/office/powerpoint/2010/main" val="2562174396"/>
+      </p:ext>
+    </p:extLst>
+  </p:cSld>
+  <p:clrMapOvr>
+    <a:masterClrMapping/>
+  </p:clrMapOvr>
+</p:sld>
+</file>
+
+<file path=ppt/slides/slide3.xml><?xml version="1.0" encoding="utf-8"?>
+<p:sld xmlns:a="http://schemas.openxmlformats.org/drawingml/2006/main" xmlns:r="http://schemas.openxmlformats.org/officeDocument/2006/relationships" xmlns:p="http://schemas.openxmlformats.org/presentationml/2006/main">
+  <p:cSld>
+    <p:spTree>
+      <p:nvGrpSpPr>
+        <p:cNvPr id="1" name=""/>
+        <p:cNvGrpSpPr/>
+        <p:nvPr/>
+      </p:nvGrpSpPr>
+      <p:grpSpPr>
+        <a:xfrm>
+          <a:off x="0" y="0"/>
+          <a:ext cx="0" cy="0"/>
+          <a:chOff x="0" y="0"/>
+          <a:chExt cx="0" cy="0"/>
+        </a:xfrm>
+      </p:grpSpPr>
+      <p:sp>
+        <p:nvSpPr>
+          <p:cNvPr id="5" name="Titel 4"/>
+          <p:cNvSpPr>
+            <a:spLocks noGrp="1"/>
+          </p:cNvSpPr>
+          <p:nvPr>
+            <p:ph type="title"/>
+          </p:nvPr>
+        </p:nvSpPr>
+        <p:spPr/>
+        <p:txBody>
+          <a:bodyPr/>
+          <a:lstStyle/>
+          <a:p>
+            <a:r>
+              <a:rPr lang="en-US" dirty="0" err="1"/>
+              <a:t>Einordnung</a:t>
+            </a:r>
+            <a:endParaRPr lang="en-US" dirty="0"/>
+          </a:p>
+        </p:txBody>
+      </p:sp>
+      <p:sp>
+        <p:nvSpPr>
+          <p:cNvPr id="6" name="Inhaltsplatzhalter 5"/>
+          <p:cNvSpPr>
+            <a:spLocks noGrp="1"/>
+          </p:cNvSpPr>
+          <p:nvPr>
+            <p:ph idx="1"/>
+          </p:nvPr>
+        </p:nvSpPr>
+        <p:spPr/>
+        <p:txBody>
+          <a:bodyPr/>
+          <a:lstStyle/>
+          <a:p>
+            <a:endParaRPr lang="de-DE"/>
+          </a:p>
+        </p:txBody>
+      </p:sp>
+      <p:sp>
+        <p:nvSpPr>
+          <p:cNvPr id="4" name="Foliennummernplatzhalter 3"/>
+          <p:cNvSpPr>
+            <a:spLocks noGrp="1"/>
+          </p:cNvSpPr>
+          <p:nvPr>
+            <p:ph type="sldNum" sz="quarter" idx="12"/>
+          </p:nvPr>
+        </p:nvSpPr>
+        <p:spPr/>
+        <p:txBody>
+          <a:bodyPr/>
+          <a:lstStyle/>
+          <a:p>
+            <a:fld id="{6C6AE60A-B69C-4790-82F7-3882EDF23186}" type="slidenum">
+              <a:rPr lang="de-DE" smtClean="0">
+                <a:solidFill>
+                  <a:prstClr val="black">
+                    <a:tint val="75000"/>
+                  </a:prstClr>
+                </a:solidFill>
+              </a:rPr>
+              <a:pPr/>
+              <a:t>3</a:t>
+            </a:fld>
+            <a:endParaRPr lang="de-DE" dirty="0">
+              <a:solidFill>
+                <a:prstClr val="black">
+                  <a:tint val="75000"/>
+                </a:prstClr>
+              </a:solidFill>
+            </a:endParaRPr>
+          </a:p>
+        </p:txBody>
+      </p:sp>
+      <p:sp>
+        <p:nvSpPr>
+          <p:cNvPr id="7" name="Ellipse 6"/>
+          <p:cNvSpPr/>
+          <p:nvPr/>
+        </p:nvSpPr>
+        <p:spPr>
+          <a:xfrm>
+            <a:off x="4295800" y="2780928"/>
+            <a:ext cx="3528392" cy="3114600"/>
+          </a:xfrm>
+          <a:prstGeom prst="ellipse">
+            <a:avLst/>
+          </a:prstGeom>
+          <a:noFill/>
+          <a:ln>
+            <a:solidFill>
+              <a:schemeClr val="tx1"/>
+            </a:solidFill>
+          </a:ln>
+        </p:spPr>
+        <p:style>
+          <a:lnRef idx="2">
+            <a:schemeClr val="accent1">
+              <a:shade val="50000"/>
+            </a:schemeClr>
+          </a:lnRef>
+          <a:fillRef idx="1">
+            <a:schemeClr val="accent1"/>
+          </a:fillRef>
+          <a:effectRef idx="0">
+            <a:schemeClr val="accent1"/>
+          </a:effectRef>
+          <a:fontRef idx="minor">
+            <a:schemeClr val="lt1"/>
+          </a:fontRef>
+        </p:style>
+        <p:txBody>
+          <a:bodyPr rtlCol="0" anchor="ctr"/>
+          <a:lstStyle/>
+          <a:p>
+            <a:pPr algn="ctr"/>
+            <a:endParaRPr lang="de-DE">
+              <a:solidFill>
+                <a:prstClr val="white"/>
+              </a:solidFill>
+            </a:endParaRPr>
+          </a:p>
+        </p:txBody>
+      </p:sp>
+      <p:sp>
+        <p:nvSpPr>
+          <p:cNvPr id="8" name="Abgerundetes Rechteck 7"/>
+          <p:cNvSpPr/>
+          <p:nvPr/>
+        </p:nvSpPr>
+        <p:spPr>
+          <a:xfrm>
+            <a:off x="6528048" y="2924944"/>
+            <a:ext cx="2088232" cy="720080"/>
+          </a:xfrm>
+          <a:prstGeom prst="roundRect">
+            <a:avLst/>
+          </a:prstGeom>
+          <a:ln/>
+        </p:spPr>
+        <p:style>
+          <a:lnRef idx="1">
+            <a:schemeClr val="accent6"/>
+          </a:lnRef>
+          <a:fillRef idx="3">
+            <a:schemeClr val="accent6"/>
+          </a:fillRef>
+          <a:effectRef idx="2">
+            <a:schemeClr val="accent6"/>
+          </a:effectRef>
+          <a:fontRef idx="minor">
+            <a:schemeClr val="lt1"/>
+          </a:fontRef>
+        </p:style>
+        <p:txBody>
+          <a:bodyPr rtlCol="0" anchor="ctr"/>
+          <a:lstStyle/>
+          <a:p>
+            <a:pPr algn="ctr"/>
+            <a:r>
+              <a:rPr lang="de-DE" sz="2000" dirty="0" err="1">
+                <a:solidFill>
+                  <a:prstClr val="white"/>
+                </a:solidFill>
+              </a:rPr>
+              <a:t>Requirements</a:t>
+            </a:r>
+            <a:r>
+              <a:rPr lang="de-DE" sz="2000" dirty="0">
+                <a:solidFill>
+                  <a:prstClr val="white"/>
+                </a:solidFill>
+              </a:rPr>
+              <a:t> Engineering</a:t>
+            </a:r>
+          </a:p>
+        </p:txBody>
+      </p:sp>
+      <p:sp>
+        <p:nvSpPr>
+          <p:cNvPr id="10" name="Abgerundetes Rechteck 9"/>
+          <p:cNvSpPr/>
+          <p:nvPr/>
+        </p:nvSpPr>
+        <p:spPr>
+          <a:xfrm>
+            <a:off x="7176120" y="4221088"/>
+            <a:ext cx="2088232" cy="720080"/>
+          </a:xfrm>
+          <a:prstGeom prst="roundRect">
+            <a:avLst/>
+          </a:prstGeom>
+          <a:ln/>
+        </p:spPr>
+        <p:style>
+          <a:lnRef idx="1">
+            <a:schemeClr val="accent6"/>
+          </a:lnRef>
+          <a:fillRef idx="3">
+            <a:schemeClr val="accent6"/>
+          </a:fillRef>
+          <a:effectRef idx="2">
+            <a:schemeClr val="accent6"/>
+          </a:effectRef>
+          <a:fontRef idx="minor">
+            <a:schemeClr val="lt1"/>
+          </a:fontRef>
+        </p:style>
+        <p:txBody>
+          <a:bodyPr rtlCol="0" anchor="ctr"/>
+          <a:lstStyle/>
+          <a:p>
+            <a:pPr algn="ctr"/>
+            <a:r>
+              <a:rPr lang="de-DE" sz="2000" dirty="0">
+                <a:solidFill>
+                  <a:prstClr val="white"/>
+                </a:solidFill>
+              </a:rPr>
+              <a:t>Design</a:t>
+            </a:r>
+          </a:p>
+        </p:txBody>
+      </p:sp>
+      <p:sp>
+        <p:nvSpPr>
+          <p:cNvPr id="11" name="Abgerundetes Rechteck 10"/>
+          <p:cNvSpPr/>
+          <p:nvPr/>
+        </p:nvSpPr>
+        <p:spPr>
+          <a:xfrm>
+            <a:off x="5015880" y="5229200"/>
+            <a:ext cx="2088232" cy="720080"/>
+          </a:xfrm>
+          <a:prstGeom prst="roundRect">
+            <a:avLst/>
+          </a:prstGeom>
+          <a:solidFill>
+            <a:srgbClr val="00B0F0"/>
+          </a:solidFill>
+          <a:ln>
+            <a:solidFill>
+              <a:schemeClr val="tx1"/>
+            </a:solidFill>
+          </a:ln>
+        </p:spPr>
+        <p:style>
+          <a:lnRef idx="1">
+            <a:schemeClr val="accent6"/>
+          </a:lnRef>
+          <a:fillRef idx="3">
+            <a:schemeClr val="accent6"/>
+          </a:fillRef>
+          <a:effectRef idx="2">
+            <a:schemeClr val="accent6"/>
+          </a:effectRef>
+          <a:fontRef idx="minor">
+            <a:schemeClr val="lt1"/>
+          </a:fontRef>
+        </p:style>
+        <p:txBody>
+          <a:bodyPr rtlCol="0" anchor="ctr"/>
+          <a:lstStyle/>
+          <a:p>
+            <a:pPr algn="ctr"/>
+            <a:r>
+              <a:rPr lang="de-DE" sz="2000" dirty="0">
+                <a:solidFill>
+                  <a:prstClr val="white"/>
+                </a:solidFill>
+              </a:rPr>
+              <a:t>Implementierung</a:t>
+            </a:r>
+          </a:p>
+        </p:txBody>
+      </p:sp>
+      <p:sp>
+        <p:nvSpPr>
+          <p:cNvPr id="12" name="Abgerundetes Rechteck 11"/>
+          <p:cNvSpPr/>
+          <p:nvPr/>
+        </p:nvSpPr>
+        <p:spPr>
+          <a:xfrm>
+            <a:off x="2927648" y="4221088"/>
+            <a:ext cx="2088232" cy="720080"/>
+          </a:xfrm>
+          <a:prstGeom prst="roundRect">
+            <a:avLst/>
+          </a:prstGeom>
+        </p:spPr>
+        <p:style>
+          <a:lnRef idx="1">
+            <a:schemeClr val="accent6"/>
+          </a:lnRef>
+          <a:fillRef idx="3">
+            <a:schemeClr val="accent6"/>
+          </a:fillRef>
+          <a:effectRef idx="2">
+            <a:schemeClr val="accent6"/>
+          </a:effectRef>
+          <a:fontRef idx="minor">
+            <a:schemeClr val="lt1"/>
+          </a:fontRef>
+        </p:style>
+        <p:txBody>
+          <a:bodyPr rtlCol="0" anchor="ctr"/>
+          <a:lstStyle/>
+          <a:p>
+            <a:pPr algn="ctr"/>
+            <a:r>
+              <a:rPr lang="de-DE" sz="2000" dirty="0">
+                <a:solidFill>
+                  <a:prstClr val="white"/>
+                </a:solidFill>
+              </a:rPr>
+              <a:t>Testen</a:t>
+            </a:r>
+          </a:p>
+        </p:txBody>
+      </p:sp>
+      <p:sp>
+        <p:nvSpPr>
+          <p:cNvPr id="13" name="Abgerundetes Rechteck 12"/>
+          <p:cNvSpPr/>
+          <p:nvPr/>
+        </p:nvSpPr>
+        <p:spPr>
+          <a:xfrm>
+            <a:off x="3575720" y="2924944"/>
+            <a:ext cx="2088232" cy="720080"/>
+          </a:xfrm>
+          <a:prstGeom prst="roundRect">
+            <a:avLst/>
+          </a:prstGeom>
+        </p:spPr>
+        <p:style>
+          <a:lnRef idx="1">
+            <a:schemeClr val="accent6"/>
+          </a:lnRef>
+          <a:fillRef idx="3">
+            <a:schemeClr val="accent6"/>
+          </a:fillRef>
+          <a:effectRef idx="2">
+            <a:schemeClr val="accent6"/>
+          </a:effectRef>
+          <a:fontRef idx="minor">
+            <a:schemeClr val="lt1"/>
+          </a:fontRef>
+        </p:style>
+        <p:txBody>
+          <a:bodyPr rtlCol="0" anchor="ctr"/>
+          <a:lstStyle/>
+          <a:p>
+            <a:pPr algn="ctr"/>
+            <a:r>
+              <a:rPr lang="de-DE" sz="2000" dirty="0">
+                <a:solidFill>
+                  <a:prstClr val="white"/>
+                </a:solidFill>
+              </a:rPr>
+              <a:t>Wartung</a:t>
+            </a:r>
+          </a:p>
+        </p:txBody>
+      </p:sp>
+      <p:cxnSp>
+        <p:nvCxnSpPr>
+          <p:cNvPr id="3" name="Gerade Verbindung mit Pfeil 2"/>
+          <p:cNvCxnSpPr>
+            <a:endCxn id="8" idx="0"/>
+          </p:cNvCxnSpPr>
+          <p:nvPr/>
+        </p:nvCxnSpPr>
+        <p:spPr>
+          <a:xfrm>
+            <a:off x="7572164" y="2492896"/>
+            <a:ext cx="0" cy="432048"/>
+          </a:xfrm>
+          <a:prstGeom prst="straightConnector1">
+            <a:avLst/>
+          </a:prstGeom>
+          <a:ln w="28575">
+            <a:solidFill>
+              <a:schemeClr val="tx1"/>
+            </a:solidFill>
+            <a:tailEnd type="arrow"/>
+          </a:ln>
+        </p:spPr>
+        <p:style>
+          <a:lnRef idx="1">
+            <a:schemeClr val="accent1"/>
+          </a:lnRef>
+          <a:fillRef idx="0">
+            <a:schemeClr val="accent1"/>
+          </a:fillRef>
+          <a:effectRef idx="0">
+            <a:schemeClr val="accent1"/>
+          </a:effectRef>
+          <a:fontRef idx="minor">
+            <a:schemeClr val="tx1"/>
+          </a:fontRef>
+        </p:style>
+      </p:cxnSp>
+      <p:pic>
+        <p:nvPicPr>
+          <p:cNvPr id="1026" name="Picture 2"/>
+          <p:cNvPicPr>
+            <a:picLocks noChangeAspect="1" noChangeArrowheads="1"/>
+          </p:cNvPicPr>
+          <p:nvPr/>
+        </p:nvPicPr>
+        <p:blipFill>
+          <a:blip r:embed="rId2">
+            <a:extLst>
+              <a:ext uri="{28A0092B-C50C-407E-A947-70E740481C1C}">
+                <a14:useLocalDpi xmlns:a14="http://schemas.microsoft.com/office/drawing/2010/main" val="0"/>
+              </a:ext>
+            </a:extLst>
+          </a:blip>
+          <a:srcRect/>
+          <a:stretch>
+            <a:fillRect/>
+          </a:stretch>
+        </p:blipFill>
+        <p:spPr bwMode="auto">
+          <a:xfrm>
+            <a:off x="7245805" y="2132857"/>
+            <a:ext cx="738187" cy="493713"/>
+          </a:xfrm>
+          <a:prstGeom prst="rect">
+            <a:avLst/>
+          </a:prstGeom>
+          <a:noFill/>
+          <a:ln>
+            <a:noFill/>
+          </a:ln>
+          <a:effectLst/>
+          <a:extLst>
+            <a:ext uri="{909E8E84-426E-40DD-AFC4-6F175D3DCCD1}">
+              <a14:hiddenFill xmlns:a14="http://schemas.microsoft.com/office/drawing/2010/main">
+                <a:solidFill>
+                  <a:schemeClr val="accent1"/>
+                </a:solidFill>
+              </a14:hiddenFill>
+            </a:ext>
+            <a:ext uri="{91240B29-F687-4F45-9708-019B960494DF}">
+              <a14:hiddenLine xmlns:a14="http://schemas.microsoft.com/office/drawing/2010/main" w="9525">
+                <a:solidFill>
+                  <a:schemeClr val="tx1"/>
+                </a:solidFill>
+                <a:miter lim="800000"/>
+                <a:headEnd/>
+                <a:tailEnd/>
+              </a14:hiddenLine>
+            </a:ext>
+            <a:ext uri="{AF507438-7753-43E0-B8FC-AC1667EBCBE1}">
+              <a14:hiddenEffects xmlns:a14="http://schemas.microsoft.com/office/drawing/2010/main">
+                <a:effectLst>
+                  <a:outerShdw dist="35921" dir="2700000" algn="ctr" rotWithShape="0">
+                    <a:schemeClr val="bg2"/>
+                  </a:outerShdw>
+                </a:effectLst>
+              </a14:hiddenEffects>
+            </a:ext>
+          </a:extLst>
+        </p:spPr>
+      </p:pic>
+    </p:spTree>
+    <p:extLst>
+      <p:ext uri="{BB962C8B-B14F-4D97-AF65-F5344CB8AC3E}">
+        <p14:creationId xmlns:p14="http://schemas.microsoft.com/office/powerpoint/2010/main" val="3906950798"/>
+      </p:ext>
+    </p:extLst>
+  </p:cSld>
+  <p:clrMapOvr>
+    <a:masterClrMapping/>
+  </p:clrMapOvr>
+  <p:timing>
+    <p:tnLst>
+      <p:par>
+        <p:cTn id="1" dur="indefinite" restart="never" nodeType="tmRoot"/>
+      </p:par>
+    </p:tnLst>
+  </p:timing>
+</p:sld>
+</file>
+
+<file path=ppt/slides/slide30.xml><?xml version="1.0" encoding="utf-8"?>
+<p:sld xmlns:a="http://schemas.openxmlformats.org/drawingml/2006/main" xmlns:r="http://schemas.openxmlformats.org/officeDocument/2006/relationships" xmlns:p="http://schemas.openxmlformats.org/presentationml/2006/main">
+  <p:cSld>
+    <p:spTree>
+      <p:nvGrpSpPr>
+        <p:cNvPr id="1" name=""/>
+        <p:cNvGrpSpPr/>
+        <p:nvPr/>
+      </p:nvGrpSpPr>
+      <p:grpSpPr>
+        <a:xfrm>
+          <a:off x="0" y="0"/>
+          <a:ext cx="0" cy="0"/>
+          <a:chOff x="0" y="0"/>
+          <a:chExt cx="0" cy="0"/>
+        </a:xfrm>
+      </p:grpSpPr>
+      <p:sp>
+        <p:nvSpPr>
           <p:cNvPr id="64513" name="Titel 1"/>
           <p:cNvSpPr>
             <a:spLocks noGrp="1"/>
@@ -27601,7 +28417,7 @@
               <a:pPr>
                 <a:defRPr/>
               </a:pPr>
-              <a:t>29</a:t>
+              <a:t>30</a:t>
             </a:fld>
             <a:endParaRPr lang="de-DE"/>
           </a:p>
@@ -27755,517 +28571,7 @@
 </p:sld>
 </file>
 
-<file path=ppt/slides/slide3.xml><?xml version="1.0" encoding="utf-8"?>
-<p:sld xmlns:a="http://schemas.openxmlformats.org/drawingml/2006/main" xmlns:r="http://schemas.openxmlformats.org/officeDocument/2006/relationships" xmlns:p="http://schemas.openxmlformats.org/presentationml/2006/main">
-  <p:cSld>
-    <p:spTree>
-      <p:nvGrpSpPr>
-        <p:cNvPr id="1" name=""/>
-        <p:cNvGrpSpPr/>
-        <p:nvPr/>
-      </p:nvGrpSpPr>
-      <p:grpSpPr>
-        <a:xfrm>
-          <a:off x="0" y="0"/>
-          <a:ext cx="0" cy="0"/>
-          <a:chOff x="0" y="0"/>
-          <a:chExt cx="0" cy="0"/>
-        </a:xfrm>
-      </p:grpSpPr>
-      <p:sp>
-        <p:nvSpPr>
-          <p:cNvPr id="5" name="Titel 4"/>
-          <p:cNvSpPr>
-            <a:spLocks noGrp="1"/>
-          </p:cNvSpPr>
-          <p:nvPr>
-            <p:ph type="title"/>
-          </p:nvPr>
-        </p:nvSpPr>
-        <p:spPr/>
-        <p:txBody>
-          <a:bodyPr/>
-          <a:lstStyle/>
-          <a:p>
-            <a:r>
-              <a:rPr lang="en-US" dirty="0" err="1"/>
-              <a:t>Einordnung</a:t>
-            </a:r>
-            <a:endParaRPr lang="en-US" dirty="0"/>
-          </a:p>
-        </p:txBody>
-      </p:sp>
-      <p:sp>
-        <p:nvSpPr>
-          <p:cNvPr id="6" name="Inhaltsplatzhalter 5"/>
-          <p:cNvSpPr>
-            <a:spLocks noGrp="1"/>
-          </p:cNvSpPr>
-          <p:nvPr>
-            <p:ph idx="1"/>
-          </p:nvPr>
-        </p:nvSpPr>
-        <p:spPr/>
-        <p:txBody>
-          <a:bodyPr/>
-          <a:lstStyle/>
-          <a:p>
-            <a:endParaRPr lang="de-DE"/>
-          </a:p>
-        </p:txBody>
-      </p:sp>
-      <p:sp>
-        <p:nvSpPr>
-          <p:cNvPr id="4" name="Foliennummernplatzhalter 3"/>
-          <p:cNvSpPr>
-            <a:spLocks noGrp="1"/>
-          </p:cNvSpPr>
-          <p:nvPr>
-            <p:ph type="sldNum" sz="quarter" idx="12"/>
-          </p:nvPr>
-        </p:nvSpPr>
-        <p:spPr/>
-        <p:txBody>
-          <a:bodyPr/>
-          <a:lstStyle/>
-          <a:p>
-            <a:fld id="{6C6AE60A-B69C-4790-82F7-3882EDF23186}" type="slidenum">
-              <a:rPr lang="de-DE" smtClean="0">
-                <a:solidFill>
-                  <a:prstClr val="black">
-                    <a:tint val="75000"/>
-                  </a:prstClr>
-                </a:solidFill>
-              </a:rPr>
-              <a:pPr/>
-              <a:t>3</a:t>
-            </a:fld>
-            <a:endParaRPr lang="de-DE" dirty="0">
-              <a:solidFill>
-                <a:prstClr val="black">
-                  <a:tint val="75000"/>
-                </a:prstClr>
-              </a:solidFill>
-            </a:endParaRPr>
-          </a:p>
-        </p:txBody>
-      </p:sp>
-      <p:sp>
-        <p:nvSpPr>
-          <p:cNvPr id="7" name="Ellipse 6"/>
-          <p:cNvSpPr/>
-          <p:nvPr/>
-        </p:nvSpPr>
-        <p:spPr>
-          <a:xfrm>
-            <a:off x="4295800" y="2780928"/>
-            <a:ext cx="3528392" cy="3114600"/>
-          </a:xfrm>
-          <a:prstGeom prst="ellipse">
-            <a:avLst/>
-          </a:prstGeom>
-          <a:noFill/>
-          <a:ln>
-            <a:solidFill>
-              <a:schemeClr val="tx1"/>
-            </a:solidFill>
-          </a:ln>
-        </p:spPr>
-        <p:style>
-          <a:lnRef idx="2">
-            <a:schemeClr val="accent1">
-              <a:shade val="50000"/>
-            </a:schemeClr>
-          </a:lnRef>
-          <a:fillRef idx="1">
-            <a:schemeClr val="accent1"/>
-          </a:fillRef>
-          <a:effectRef idx="0">
-            <a:schemeClr val="accent1"/>
-          </a:effectRef>
-          <a:fontRef idx="minor">
-            <a:schemeClr val="lt1"/>
-          </a:fontRef>
-        </p:style>
-        <p:txBody>
-          <a:bodyPr rtlCol="0" anchor="ctr"/>
-          <a:lstStyle/>
-          <a:p>
-            <a:pPr algn="ctr"/>
-            <a:endParaRPr lang="de-DE">
-              <a:solidFill>
-                <a:prstClr val="white"/>
-              </a:solidFill>
-            </a:endParaRPr>
-          </a:p>
-        </p:txBody>
-      </p:sp>
-      <p:sp>
-        <p:nvSpPr>
-          <p:cNvPr id="8" name="Abgerundetes Rechteck 7"/>
-          <p:cNvSpPr/>
-          <p:nvPr/>
-        </p:nvSpPr>
-        <p:spPr>
-          <a:xfrm>
-            <a:off x="6528048" y="2924944"/>
-            <a:ext cx="2088232" cy="720080"/>
-          </a:xfrm>
-          <a:prstGeom prst="roundRect">
-            <a:avLst/>
-          </a:prstGeom>
-          <a:ln/>
-        </p:spPr>
-        <p:style>
-          <a:lnRef idx="1">
-            <a:schemeClr val="accent6"/>
-          </a:lnRef>
-          <a:fillRef idx="3">
-            <a:schemeClr val="accent6"/>
-          </a:fillRef>
-          <a:effectRef idx="2">
-            <a:schemeClr val="accent6"/>
-          </a:effectRef>
-          <a:fontRef idx="minor">
-            <a:schemeClr val="lt1"/>
-          </a:fontRef>
-        </p:style>
-        <p:txBody>
-          <a:bodyPr rtlCol="0" anchor="ctr"/>
-          <a:lstStyle/>
-          <a:p>
-            <a:pPr algn="ctr"/>
-            <a:r>
-              <a:rPr lang="de-DE" sz="2000" dirty="0" err="1">
-                <a:solidFill>
-                  <a:prstClr val="white"/>
-                </a:solidFill>
-              </a:rPr>
-              <a:t>Requirements</a:t>
-            </a:r>
-            <a:r>
-              <a:rPr lang="de-DE" sz="2000" dirty="0">
-                <a:solidFill>
-                  <a:prstClr val="white"/>
-                </a:solidFill>
-              </a:rPr>
-              <a:t> Engineering</a:t>
-            </a:r>
-          </a:p>
-        </p:txBody>
-      </p:sp>
-      <p:sp>
-        <p:nvSpPr>
-          <p:cNvPr id="10" name="Abgerundetes Rechteck 9"/>
-          <p:cNvSpPr/>
-          <p:nvPr/>
-        </p:nvSpPr>
-        <p:spPr>
-          <a:xfrm>
-            <a:off x="7176120" y="4221088"/>
-            <a:ext cx="2088232" cy="720080"/>
-          </a:xfrm>
-          <a:prstGeom prst="roundRect">
-            <a:avLst/>
-          </a:prstGeom>
-          <a:ln/>
-        </p:spPr>
-        <p:style>
-          <a:lnRef idx="1">
-            <a:schemeClr val="accent6"/>
-          </a:lnRef>
-          <a:fillRef idx="3">
-            <a:schemeClr val="accent6"/>
-          </a:fillRef>
-          <a:effectRef idx="2">
-            <a:schemeClr val="accent6"/>
-          </a:effectRef>
-          <a:fontRef idx="minor">
-            <a:schemeClr val="lt1"/>
-          </a:fontRef>
-        </p:style>
-        <p:txBody>
-          <a:bodyPr rtlCol="0" anchor="ctr"/>
-          <a:lstStyle/>
-          <a:p>
-            <a:pPr algn="ctr"/>
-            <a:r>
-              <a:rPr lang="de-DE" sz="2000" dirty="0">
-                <a:solidFill>
-                  <a:prstClr val="white"/>
-                </a:solidFill>
-              </a:rPr>
-              <a:t>Design</a:t>
-            </a:r>
-          </a:p>
-        </p:txBody>
-      </p:sp>
-      <p:sp>
-        <p:nvSpPr>
-          <p:cNvPr id="11" name="Abgerundetes Rechteck 10"/>
-          <p:cNvSpPr/>
-          <p:nvPr/>
-        </p:nvSpPr>
-        <p:spPr>
-          <a:xfrm>
-            <a:off x="5015880" y="5229200"/>
-            <a:ext cx="2088232" cy="720080"/>
-          </a:xfrm>
-          <a:prstGeom prst="roundRect">
-            <a:avLst/>
-          </a:prstGeom>
-          <a:solidFill>
-            <a:srgbClr val="00B0F0"/>
-          </a:solidFill>
-          <a:ln>
-            <a:solidFill>
-              <a:schemeClr val="tx1"/>
-            </a:solidFill>
-          </a:ln>
-        </p:spPr>
-        <p:style>
-          <a:lnRef idx="1">
-            <a:schemeClr val="accent6"/>
-          </a:lnRef>
-          <a:fillRef idx="3">
-            <a:schemeClr val="accent6"/>
-          </a:fillRef>
-          <a:effectRef idx="2">
-            <a:schemeClr val="accent6"/>
-          </a:effectRef>
-          <a:fontRef idx="minor">
-            <a:schemeClr val="lt1"/>
-          </a:fontRef>
-        </p:style>
-        <p:txBody>
-          <a:bodyPr rtlCol="0" anchor="ctr"/>
-          <a:lstStyle/>
-          <a:p>
-            <a:pPr algn="ctr"/>
-            <a:r>
-              <a:rPr lang="de-DE" sz="2000" dirty="0">
-                <a:solidFill>
-                  <a:prstClr val="white"/>
-                </a:solidFill>
-              </a:rPr>
-              <a:t>Implementierung</a:t>
-            </a:r>
-          </a:p>
-        </p:txBody>
-      </p:sp>
-      <p:sp>
-        <p:nvSpPr>
-          <p:cNvPr id="12" name="Abgerundetes Rechteck 11"/>
-          <p:cNvSpPr/>
-          <p:nvPr/>
-        </p:nvSpPr>
-        <p:spPr>
-          <a:xfrm>
-            <a:off x="2927648" y="4221088"/>
-            <a:ext cx="2088232" cy="720080"/>
-          </a:xfrm>
-          <a:prstGeom prst="roundRect">
-            <a:avLst/>
-          </a:prstGeom>
-        </p:spPr>
-        <p:style>
-          <a:lnRef idx="1">
-            <a:schemeClr val="accent6"/>
-          </a:lnRef>
-          <a:fillRef idx="3">
-            <a:schemeClr val="accent6"/>
-          </a:fillRef>
-          <a:effectRef idx="2">
-            <a:schemeClr val="accent6"/>
-          </a:effectRef>
-          <a:fontRef idx="minor">
-            <a:schemeClr val="lt1"/>
-          </a:fontRef>
-        </p:style>
-        <p:txBody>
-          <a:bodyPr rtlCol="0" anchor="ctr"/>
-          <a:lstStyle/>
-          <a:p>
-            <a:pPr algn="ctr"/>
-            <a:r>
-              <a:rPr lang="de-DE" sz="2000" dirty="0">
-                <a:solidFill>
-                  <a:prstClr val="white"/>
-                </a:solidFill>
-              </a:rPr>
-              <a:t>Testen</a:t>
-            </a:r>
-          </a:p>
-        </p:txBody>
-      </p:sp>
-      <p:sp>
-        <p:nvSpPr>
-          <p:cNvPr id="13" name="Abgerundetes Rechteck 12"/>
-          <p:cNvSpPr/>
-          <p:nvPr/>
-        </p:nvSpPr>
-        <p:spPr>
-          <a:xfrm>
-            <a:off x="3575720" y="2924944"/>
-            <a:ext cx="2088232" cy="720080"/>
-          </a:xfrm>
-          <a:prstGeom prst="roundRect">
-            <a:avLst/>
-          </a:prstGeom>
-        </p:spPr>
-        <p:style>
-          <a:lnRef idx="1">
-            <a:schemeClr val="accent6"/>
-          </a:lnRef>
-          <a:fillRef idx="3">
-            <a:schemeClr val="accent6"/>
-          </a:fillRef>
-          <a:effectRef idx="2">
-            <a:schemeClr val="accent6"/>
-          </a:effectRef>
-          <a:fontRef idx="minor">
-            <a:schemeClr val="lt1"/>
-          </a:fontRef>
-        </p:style>
-        <p:txBody>
-          <a:bodyPr rtlCol="0" anchor="ctr"/>
-          <a:lstStyle/>
-          <a:p>
-            <a:pPr algn="ctr"/>
-            <a:r>
-              <a:rPr lang="de-DE" sz="2000" dirty="0">
-                <a:solidFill>
-                  <a:prstClr val="white"/>
-                </a:solidFill>
-              </a:rPr>
-              <a:t>Wartung</a:t>
-            </a:r>
-          </a:p>
-        </p:txBody>
-      </p:sp>
-      <p:cxnSp>
-        <p:nvCxnSpPr>
-          <p:cNvPr id="3" name="Gerade Verbindung mit Pfeil 2"/>
-          <p:cNvCxnSpPr>
-            <a:endCxn id="8" idx="0"/>
-          </p:cNvCxnSpPr>
-          <p:nvPr/>
-        </p:nvCxnSpPr>
-        <p:spPr>
-          <a:xfrm>
-            <a:off x="7572164" y="2492896"/>
-            <a:ext cx="0" cy="432048"/>
-          </a:xfrm>
-          <a:prstGeom prst="straightConnector1">
-            <a:avLst/>
-          </a:prstGeom>
-          <a:ln w="28575">
-            <a:solidFill>
-              <a:schemeClr val="tx1"/>
-            </a:solidFill>
-            <a:tailEnd type="arrow"/>
-          </a:ln>
-        </p:spPr>
-        <p:style>
-          <a:lnRef idx="1">
-            <a:schemeClr val="accent1"/>
-          </a:lnRef>
-          <a:fillRef idx="0">
-            <a:schemeClr val="accent1"/>
-          </a:fillRef>
-          <a:effectRef idx="0">
-            <a:schemeClr val="accent1"/>
-          </a:effectRef>
-          <a:fontRef idx="minor">
-            <a:schemeClr val="tx1"/>
-          </a:fontRef>
-        </p:style>
-      </p:cxnSp>
-      <p:pic>
-        <p:nvPicPr>
-          <p:cNvPr id="1026" name="Picture 2"/>
-          <p:cNvPicPr>
-            <a:picLocks noChangeAspect="1" noChangeArrowheads="1"/>
-          </p:cNvPicPr>
-          <p:nvPr/>
-        </p:nvPicPr>
-        <p:blipFill>
-          <a:blip r:embed="rId2">
-            <a:extLst>
-              <a:ext uri="{28A0092B-C50C-407E-A947-70E740481C1C}">
-                <a14:useLocalDpi xmlns:a14="http://schemas.microsoft.com/office/drawing/2010/main" val="0"/>
-              </a:ext>
-            </a:extLst>
-          </a:blip>
-          <a:srcRect/>
-          <a:stretch>
-            <a:fillRect/>
-          </a:stretch>
-        </p:blipFill>
-        <p:spPr bwMode="auto">
-          <a:xfrm>
-            <a:off x="7245805" y="2132857"/>
-            <a:ext cx="738187" cy="493713"/>
-          </a:xfrm>
-          <a:prstGeom prst="rect">
-            <a:avLst/>
-          </a:prstGeom>
-          <a:noFill/>
-          <a:ln>
-            <a:noFill/>
-          </a:ln>
-          <a:effectLst/>
-          <a:extLst>
-            <a:ext uri="{909E8E84-426E-40DD-AFC4-6F175D3DCCD1}">
-              <a14:hiddenFill xmlns:a14="http://schemas.microsoft.com/office/drawing/2010/main">
-                <a:solidFill>
-                  <a:schemeClr val="accent1"/>
-                </a:solidFill>
-              </a14:hiddenFill>
-            </a:ext>
-            <a:ext uri="{91240B29-F687-4F45-9708-019B960494DF}">
-              <a14:hiddenLine xmlns:a14="http://schemas.microsoft.com/office/drawing/2010/main" w="9525">
-                <a:solidFill>
-                  <a:schemeClr val="tx1"/>
-                </a:solidFill>
-                <a:miter lim="800000"/>
-                <a:headEnd/>
-                <a:tailEnd/>
-              </a14:hiddenLine>
-            </a:ext>
-            <a:ext uri="{AF507438-7753-43E0-B8FC-AC1667EBCBE1}">
-              <a14:hiddenEffects xmlns:a14="http://schemas.microsoft.com/office/drawing/2010/main">
-                <a:effectLst>
-                  <a:outerShdw dist="35921" dir="2700000" algn="ctr" rotWithShape="0">
-                    <a:schemeClr val="bg2"/>
-                  </a:outerShdw>
-                </a:effectLst>
-              </a14:hiddenEffects>
-            </a:ext>
-          </a:extLst>
-        </p:spPr>
-      </p:pic>
-    </p:spTree>
-    <p:extLst>
-      <p:ext uri="{BB962C8B-B14F-4D97-AF65-F5344CB8AC3E}">
-        <p14:creationId xmlns:p14="http://schemas.microsoft.com/office/powerpoint/2010/main" val="3906950798"/>
-      </p:ext>
-    </p:extLst>
-  </p:cSld>
-  <p:clrMapOvr>
-    <a:masterClrMapping/>
-  </p:clrMapOvr>
-  <p:timing>
-    <p:tnLst>
-      <p:par>
-        <p:cTn id="1" dur="indefinite" restart="never" nodeType="tmRoot"/>
-      </p:par>
-    </p:tnLst>
-  </p:timing>
-</p:sld>
-</file>
-
-<file path=ppt/slides/slide30.xml><?xml version="1.0" encoding="utf-8"?>
+<file path=ppt/slides/slide31.xml><?xml version="1.0" encoding="utf-8"?>
 <p:sld xmlns:a="http://schemas.openxmlformats.org/drawingml/2006/main" xmlns:r="http://schemas.openxmlformats.org/officeDocument/2006/relationships" xmlns:p="http://schemas.openxmlformats.org/presentationml/2006/main">
   <p:cSld>
     <p:spTree>
@@ -28355,7 +28661,7 @@
               <a:pPr>
                 <a:defRPr/>
               </a:pPr>
-              <a:t>30</a:t>
+              <a:t>31</a:t>
             </a:fld>
             <a:endParaRPr lang="de-DE"/>
           </a:p>
@@ -30455,8 +30761,8 @@
 </p:sld>
 </file>
 
-<file path=ppt/slides/slide31.xml><?xml version="1.0" encoding="utf-8"?>
-<p:sld xmlns:a="http://schemas.openxmlformats.org/drawingml/2006/main" xmlns:r="http://schemas.openxmlformats.org/officeDocument/2006/relationships" xmlns:p="http://schemas.openxmlformats.org/presentationml/2006/main" show="0">
+<file path=ppt/slides/slide32.xml><?xml version="1.0" encoding="utf-8"?>
+<p:sld xmlns:a="http://schemas.openxmlformats.org/drawingml/2006/main" xmlns:r="http://schemas.openxmlformats.org/officeDocument/2006/relationships" xmlns:p="http://schemas.openxmlformats.org/presentationml/2006/main">
   <p:cSld>
     <p:spTree>
       <p:nvGrpSpPr>
@@ -33059,7 +33365,7 @@
               <a:pPr>
                 <a:defRPr/>
               </a:pPr>
-              <a:t>31</a:t>
+              <a:t>32</a:t>
             </a:fld>
             <a:endParaRPr lang="de-DE"/>
           </a:p>
@@ -33070,11 +33376,11 @@
   <p:clrMapOvr>
     <a:masterClrMapping/>
   </p:clrMapOvr>
-  <mc:AlternateContent xmlns:mc="http://schemas.openxmlformats.org/markup-compatibility/2006" xmlns:p14="http://schemas.microsoft.com/office/powerpoint/2010/main">
-    <mc:Choice Requires="p14">
+  <mc:AlternateContent xmlns:mc="http://schemas.openxmlformats.org/markup-compatibility/2006">
+    <mc:Choice xmlns:p14="http://schemas.microsoft.com/office/powerpoint/2010/main" Requires="p14">
       <p:transition spd="slow" p14:dur="2000"/>
     </mc:Choice>
-    <mc:Fallback xmlns="">
+    <mc:Fallback>
       <p:transition spd="slow"/>
     </mc:Fallback>
   </mc:AlternateContent>
@@ -33088,7 +33394,7 @@
 </p:sld>
 </file>
 
-<file path=ppt/slides/slide32.xml><?xml version="1.0" encoding="utf-8"?>
+<file path=ppt/slides/slide33.xml><?xml version="1.0" encoding="utf-8"?>
 <p:sld xmlns:a="http://schemas.openxmlformats.org/drawingml/2006/main" xmlns:r="http://schemas.openxmlformats.org/officeDocument/2006/relationships" xmlns:p="http://schemas.openxmlformats.org/presentationml/2006/main">
   <p:cSld>
     <p:spTree>
@@ -33229,7 +33535,7 @@
               <a:pPr>
                 <a:defRPr/>
               </a:pPr>
-              <a:t>32</a:t>
+              <a:t>33</a:t>
             </a:fld>
             <a:endParaRPr lang="de-DE" dirty="0"/>
           </a:p>
@@ -33284,7 +33590,7 @@
 </p:sld>
 </file>
 
-<file path=ppt/slides/slide33.xml><?xml version="1.0" encoding="utf-8"?>
+<file path=ppt/slides/slide34.xml><?xml version="1.0" encoding="utf-8"?>
 <p:sld xmlns:a="http://schemas.openxmlformats.org/drawingml/2006/main" xmlns:r="http://schemas.openxmlformats.org/officeDocument/2006/relationships" xmlns:p="http://schemas.openxmlformats.org/presentationml/2006/main">
   <p:cSld>
     <p:spTree>
@@ -33420,7 +33726,7 @@
               <a:pPr>
                 <a:defRPr/>
               </a:pPr>
-              <a:t>33</a:t>
+              <a:t>34</a:t>
             </a:fld>
             <a:endParaRPr lang="de-DE"/>
           </a:p>
@@ -33810,7 +34116,7 @@
 </p:sld>
 </file>
 
-<file path=ppt/slides/slide34.xml><?xml version="1.0" encoding="utf-8"?>
+<file path=ppt/slides/slide35.xml><?xml version="1.0" encoding="utf-8"?>
 <p:sld xmlns:a="http://schemas.openxmlformats.org/drawingml/2006/main" xmlns:r="http://schemas.openxmlformats.org/officeDocument/2006/relationships" xmlns:p="http://schemas.openxmlformats.org/presentationml/2006/main">
   <p:cSld>
     <p:spTree>
@@ -34159,7 +34465,7 @@
               <a:pPr>
                 <a:defRPr/>
               </a:pPr>
-              <a:t>34</a:t>
+              <a:t>35</a:t>
             </a:fld>
             <a:endParaRPr lang="de-DE"/>
           </a:p>
@@ -34205,7 +34511,7 @@
 </p:sld>
 </file>
 
-<file path=ppt/slides/slide35.xml><?xml version="1.0" encoding="utf-8"?>
+<file path=ppt/slides/slide36.xml><?xml version="1.0" encoding="utf-8"?>
 <p:sld xmlns:a="http://schemas.openxmlformats.org/drawingml/2006/main" xmlns:r="http://schemas.openxmlformats.org/officeDocument/2006/relationships" xmlns:p="http://schemas.openxmlformats.org/presentationml/2006/main">
   <p:cSld>
     <p:spTree>
@@ -34302,7 +34608,7 @@
               <a:pPr>
                 <a:defRPr/>
               </a:pPr>
-              <a:t>35</a:t>
+              <a:t>36</a:t>
             </a:fld>
             <a:endParaRPr lang="de-DE"/>
           </a:p>
@@ -34983,7 +35289,7 @@
 </p:sld>
 </file>
 
-<file path=ppt/slides/slide36.xml><?xml version="1.0" encoding="utf-8"?>
+<file path=ppt/slides/slide37.xml><?xml version="1.0" encoding="utf-8"?>
 <p:sld xmlns:a="http://schemas.openxmlformats.org/drawingml/2006/main" xmlns:r="http://schemas.openxmlformats.org/officeDocument/2006/relationships" xmlns:p="http://schemas.openxmlformats.org/presentationml/2006/main">
   <p:cSld>
     <p:spTree>
@@ -35081,7 +35387,7 @@
               <a:pPr>
                 <a:defRPr/>
               </a:pPr>
-              <a:t>36</a:t>
+              <a:t>37</a:t>
             </a:fld>
             <a:endParaRPr lang="de-DE"/>
           </a:p>
@@ -35504,7 +35810,7 @@
 </p:sld>
 </file>
 
-<file path=ppt/slides/slide37.xml><?xml version="1.0" encoding="utf-8"?>
+<file path=ppt/slides/slide38.xml><?xml version="1.0" encoding="utf-8"?>
 <p:sld xmlns:a="http://schemas.openxmlformats.org/drawingml/2006/main" xmlns:r="http://schemas.openxmlformats.org/officeDocument/2006/relationships" xmlns:p="http://schemas.openxmlformats.org/presentationml/2006/main">
   <p:cSld>
     <p:spTree>
@@ -35596,7 +35902,7 @@
               <a:pPr>
                 <a:defRPr/>
               </a:pPr>
-              <a:t>37</a:t>
+              <a:t>38</a:t>
             </a:fld>
             <a:endParaRPr lang="de-DE"/>
           </a:p>
@@ -38056,7 +38362,7 @@
 </p:sld>
 </file>
 
-<file path=ppt/slides/slide38.xml><?xml version="1.0" encoding="utf-8"?>
+<file path=ppt/slides/slide39.xml><?xml version="1.0" encoding="utf-8"?>
 <p:sld xmlns:a="http://schemas.openxmlformats.org/drawingml/2006/main" xmlns:r="http://schemas.openxmlformats.org/officeDocument/2006/relationships" xmlns:p="http://schemas.openxmlformats.org/presentationml/2006/main">
   <p:cSld>
     <p:spTree>
@@ -38383,16 +38689,7 @@
                 </a:solidFill>
                 <a:latin typeface="Consolas"/>
               </a:rPr>
-              <a:t>numbers[</a:t>
-            </a:r>
-            <a:r>
-              <a:rPr lang="en-US" sz="1600" dirty="0">
-                <a:solidFill>
-                  <a:srgbClr val="000000"/>
-                </a:solidFill>
-                <a:latin typeface="Consolas"/>
-              </a:rPr>
-              <a:t>i])</a:t>
+              <a:t>numbers[i])</a:t>
             </a:r>
           </a:p>
           <a:p>
@@ -38589,7 +38886,7 @@
               <a:pPr>
                 <a:defRPr/>
               </a:pPr>
-              <a:t>38</a:t>
+              <a:t>39</a:t>
             </a:fld>
             <a:endParaRPr lang="de-DE"/>
           </a:p>
@@ -39018,7 +39315,1650 @@
 </p:sld>
 </file>
 
-<file path=ppt/slides/slide39.xml><?xml version="1.0" encoding="utf-8"?>
+<file path=ppt/slides/slide4.xml><?xml version="1.0" encoding="utf-8"?>
+<p:sld xmlns:a="http://schemas.openxmlformats.org/drawingml/2006/main" xmlns:r="http://schemas.openxmlformats.org/officeDocument/2006/relationships" xmlns:p="http://schemas.openxmlformats.org/presentationml/2006/main">
+  <p:cSld>
+    <p:spTree>
+      <p:nvGrpSpPr>
+        <p:cNvPr id="1" name=""/>
+        <p:cNvGrpSpPr/>
+        <p:nvPr/>
+      </p:nvGrpSpPr>
+      <p:grpSpPr>
+        <a:xfrm>
+          <a:off x="0" y="0"/>
+          <a:ext cx="0" cy="0"/>
+          <a:chOff x="0" y="0"/>
+          <a:chExt cx="0" cy="0"/>
+        </a:xfrm>
+      </p:grpSpPr>
+      <p:sp>
+        <p:nvSpPr>
+          <p:cNvPr id="23553" name="Titel 1"/>
+          <p:cNvSpPr>
+            <a:spLocks noGrp="1"/>
+          </p:cNvSpPr>
+          <p:nvPr>
+            <p:ph type="title"/>
+          </p:nvPr>
+        </p:nvSpPr>
+        <p:spPr/>
+        <p:txBody>
+          <a:bodyPr/>
+          <a:lstStyle/>
+          <a:p>
+            <a:r>
+              <a:rPr lang="de-DE"/>
+              <a:t>Codebeispiel</a:t>
+            </a:r>
+            <a:endParaRPr lang="en-US"/>
+          </a:p>
+        </p:txBody>
+      </p:sp>
+      <p:sp>
+        <p:nvSpPr>
+          <p:cNvPr id="7" name="Inhaltsplatzhalter 2"/>
+          <p:cNvSpPr>
+            <a:spLocks noGrp="1"/>
+          </p:cNvSpPr>
+          <p:nvPr>
+            <p:ph idx="1"/>
+          </p:nvPr>
+        </p:nvSpPr>
+        <p:spPr>
+          <a:xfrm>
+            <a:off x="7176120" y="2132856"/>
+            <a:ext cx="3960440" cy="1224136"/>
+          </a:xfrm>
+        </p:spPr>
+        <p:txBody>
+          <a:bodyPr/>
+          <a:lstStyle/>
+          <a:p>
+            <a:pPr marL="0" indent="0">
+              <a:buNone/>
+            </a:pPr>
+            <a:r>
+              <a:rPr lang="de-DE" dirty="0"/>
+              <a:t>Negativbeispiel!</a:t>
+            </a:r>
+          </a:p>
+        </p:txBody>
+      </p:sp>
+      <p:sp>
+        <p:nvSpPr>
+          <p:cNvPr id="2" name="Foliennummernplatzhalter 1"/>
+          <p:cNvSpPr>
+            <a:spLocks noGrp="1"/>
+          </p:cNvSpPr>
+          <p:nvPr>
+            <p:ph type="sldNum" sz="quarter" idx="12"/>
+          </p:nvPr>
+        </p:nvSpPr>
+        <p:spPr/>
+        <p:txBody>
+          <a:bodyPr/>
+          <a:lstStyle/>
+          <a:p>
+            <a:pPr>
+              <a:defRPr/>
+            </a:pPr>
+            <a:fld id="{DF7E2E00-E49B-4C2D-84B9-AB5A304A917C}" type="slidenum">
+              <a:rPr lang="de-DE" smtClean="0"/>
+              <a:pPr>
+                <a:defRPr/>
+              </a:pPr>
+              <a:t>4</a:t>
+            </a:fld>
+            <a:endParaRPr lang="de-DE"/>
+          </a:p>
+        </p:txBody>
+      </p:sp>
+      <p:sp>
+        <p:nvSpPr>
+          <p:cNvPr id="8" name="Rechteck 7"/>
+          <p:cNvSpPr/>
+          <p:nvPr/>
+        </p:nvSpPr>
+        <p:spPr>
+          <a:xfrm>
+            <a:off x="2207568" y="1622783"/>
+            <a:ext cx="7488758" cy="5262979"/>
+          </a:xfrm>
+          <a:prstGeom prst="rect">
+            <a:avLst/>
+          </a:prstGeom>
+        </p:spPr>
+        <p:txBody>
+          <a:bodyPr wrap="square">
+            <a:spAutoFit/>
+          </a:bodyPr>
+          <a:lstStyle/>
+          <a:p>
+            <a:pPr fontAlgn="auto">
+              <a:spcBef>
+                <a:spcPts val="0"/>
+              </a:spcBef>
+              <a:spcAft>
+                <a:spcPts val="0"/>
+              </a:spcAft>
+              <a:defRPr/>
+            </a:pPr>
+            <a:r>
+              <a:rPr lang="en-US" sz="1400" b="1" dirty="0" err="1">
+                <a:solidFill>
+                  <a:srgbClr val="7F0055"/>
+                </a:solidFill>
+                <a:latin typeface="Consolas"/>
+                <a:cs typeface="+mn-cs"/>
+              </a:rPr>
+              <a:t>int</a:t>
+            </a:r>
+            <a:r>
+              <a:rPr lang="en-US" sz="1400" b="1" dirty="0">
+                <a:solidFill>
+                  <a:srgbClr val="000000"/>
+                </a:solidFill>
+                <a:latin typeface="Consolas"/>
+                <a:cs typeface="+mn-cs"/>
+              </a:rPr>
+              <a:t> </a:t>
+            </a:r>
+            <a:r>
+              <a:rPr lang="en-US" sz="1400" dirty="0" err="1">
+                <a:solidFill>
+                  <a:srgbClr val="000000"/>
+                </a:solidFill>
+                <a:latin typeface="Consolas"/>
+                <a:cs typeface="+mn-cs"/>
+              </a:rPr>
+              <a:t>num</a:t>
+            </a:r>
+            <a:r>
+              <a:rPr lang="en-US" sz="1400" dirty="0">
+                <a:solidFill>
+                  <a:srgbClr val="000000"/>
+                </a:solidFill>
+                <a:latin typeface="Consolas"/>
+                <a:cs typeface="+mn-cs"/>
+              </a:rPr>
+              <a:t>[] </a:t>
+            </a:r>
+            <a:r>
+              <a:rPr lang="en-US" sz="1400" b="1" dirty="0">
+                <a:solidFill>
+                  <a:srgbClr val="000000"/>
+                </a:solidFill>
+                <a:latin typeface="Consolas"/>
+                <a:cs typeface="+mn-cs"/>
+              </a:rPr>
+              <a:t>= </a:t>
+            </a:r>
+            <a:r>
+              <a:rPr lang="en-US" sz="1400" b="1" dirty="0">
+                <a:solidFill>
+                  <a:srgbClr val="7F0055"/>
+                </a:solidFill>
+                <a:latin typeface="Consolas"/>
+                <a:cs typeface="+mn-cs"/>
+              </a:rPr>
+              <a:t>new</a:t>
+            </a:r>
+            <a:r>
+              <a:rPr lang="en-US" sz="1400" b="1" dirty="0">
+                <a:solidFill>
+                  <a:srgbClr val="000000"/>
+                </a:solidFill>
+                <a:latin typeface="Consolas"/>
+                <a:cs typeface="+mn-cs"/>
+              </a:rPr>
+              <a:t> </a:t>
+            </a:r>
+            <a:r>
+              <a:rPr lang="en-US" sz="1400" b="1" dirty="0" err="1">
+                <a:solidFill>
+                  <a:srgbClr val="7F0055"/>
+                </a:solidFill>
+                <a:latin typeface="Consolas"/>
+                <a:cs typeface="+mn-cs"/>
+              </a:rPr>
+              <a:t>int</a:t>
+            </a:r>
+            <a:r>
+              <a:rPr lang="en-US" sz="1400" dirty="0">
+                <a:solidFill>
+                  <a:srgbClr val="000000"/>
+                </a:solidFill>
+                <a:latin typeface="Consolas"/>
+                <a:cs typeface="+mn-cs"/>
+              </a:rPr>
+              <a:t>[5];</a:t>
+            </a:r>
+          </a:p>
+          <a:p>
+            <a:pPr fontAlgn="auto">
+              <a:spcBef>
+                <a:spcPts val="0"/>
+              </a:spcBef>
+              <a:spcAft>
+                <a:spcPts val="0"/>
+              </a:spcAft>
+              <a:defRPr/>
+            </a:pPr>
+            <a:r>
+              <a:rPr lang="en-US" sz="1400" dirty="0" err="1">
+                <a:solidFill>
+                  <a:srgbClr val="000000"/>
+                </a:solidFill>
+                <a:latin typeface="Consolas"/>
+                <a:cs typeface="+mn-cs"/>
+              </a:rPr>
+              <a:t>System.</a:t>
+            </a:r>
+            <a:r>
+              <a:rPr lang="en-US" sz="1400" dirty="0" err="1">
+                <a:solidFill>
+                  <a:srgbClr val="0000C0"/>
+                </a:solidFill>
+                <a:latin typeface="Consolas"/>
+                <a:cs typeface="+mn-cs"/>
+              </a:rPr>
+              <a:t>out</a:t>
+            </a:r>
+            <a:r>
+              <a:rPr lang="en-US" sz="1400" dirty="0" err="1">
+                <a:solidFill>
+                  <a:srgbClr val="000000"/>
+                </a:solidFill>
+                <a:latin typeface="Consolas"/>
+                <a:cs typeface="+mn-cs"/>
+              </a:rPr>
+              <a:t>.println</a:t>
+            </a:r>
+            <a:r>
+              <a:rPr lang="en-US" sz="1400" dirty="0">
+                <a:solidFill>
+                  <a:srgbClr val="000000"/>
+                </a:solidFill>
+                <a:latin typeface="Consolas"/>
+                <a:cs typeface="+mn-cs"/>
+              </a:rPr>
+              <a:t>(</a:t>
+            </a:r>
+            <a:r>
+              <a:rPr lang="en-US" sz="1400" dirty="0">
+                <a:solidFill>
+                  <a:srgbClr val="2A00FF"/>
+                </a:solidFill>
+                <a:latin typeface="Consolas"/>
+                <a:cs typeface="+mn-cs"/>
+              </a:rPr>
+              <a:t>"</a:t>
+            </a:r>
+            <a:r>
+              <a:rPr lang="en-US" sz="1400" dirty="0" err="1">
+                <a:solidFill>
+                  <a:srgbClr val="2A00FF"/>
+                </a:solidFill>
+                <a:latin typeface="Consolas"/>
+                <a:cs typeface="+mn-cs"/>
+              </a:rPr>
+              <a:t>Ein</a:t>
+            </a:r>
+            <a:r>
+              <a:rPr lang="en-US" sz="1400" dirty="0">
+                <a:solidFill>
+                  <a:srgbClr val="2A00FF"/>
+                </a:solidFill>
+                <a:latin typeface="Consolas"/>
+                <a:cs typeface="+mn-cs"/>
+              </a:rPr>
+              <a:t>:"</a:t>
+            </a:r>
+            <a:r>
+              <a:rPr lang="en-US" sz="1400" dirty="0">
+                <a:solidFill>
+                  <a:srgbClr val="000000"/>
+                </a:solidFill>
+                <a:latin typeface="Consolas"/>
+                <a:cs typeface="+mn-cs"/>
+              </a:rPr>
+              <a:t>);</a:t>
+            </a:r>
+          </a:p>
+          <a:p>
+            <a:pPr fontAlgn="auto">
+              <a:spcBef>
+                <a:spcPts val="0"/>
+              </a:spcBef>
+              <a:spcAft>
+                <a:spcPts val="0"/>
+              </a:spcAft>
+              <a:defRPr/>
+            </a:pPr>
+            <a:r>
+              <a:rPr lang="en-US" sz="1400" dirty="0">
+                <a:solidFill>
+                  <a:srgbClr val="000000"/>
+                </a:solidFill>
+                <a:latin typeface="Consolas"/>
+                <a:cs typeface="+mn-cs"/>
+              </a:rPr>
+              <a:t>Scanner </a:t>
+            </a:r>
+            <a:r>
+              <a:rPr lang="en-US" sz="1400" dirty="0" err="1">
+                <a:solidFill>
+                  <a:srgbClr val="000000"/>
+                </a:solidFill>
+                <a:latin typeface="Consolas"/>
+                <a:cs typeface="+mn-cs"/>
+              </a:rPr>
+              <a:t>sc</a:t>
+            </a:r>
+            <a:r>
+              <a:rPr lang="en-US" sz="1400" dirty="0">
+                <a:solidFill>
+                  <a:srgbClr val="000000"/>
+                </a:solidFill>
+                <a:latin typeface="Consolas"/>
+                <a:cs typeface="+mn-cs"/>
+              </a:rPr>
+              <a:t> = </a:t>
+            </a:r>
+            <a:r>
+              <a:rPr lang="en-US" sz="1400" b="1" dirty="0">
+                <a:solidFill>
+                  <a:srgbClr val="7F0055"/>
+                </a:solidFill>
+                <a:latin typeface="Consolas"/>
+                <a:cs typeface="+mn-cs"/>
+              </a:rPr>
+              <a:t>new</a:t>
+            </a:r>
+            <a:r>
+              <a:rPr lang="en-US" sz="1400" b="1" dirty="0">
+                <a:solidFill>
+                  <a:srgbClr val="000000"/>
+                </a:solidFill>
+                <a:latin typeface="Consolas"/>
+                <a:cs typeface="+mn-cs"/>
+              </a:rPr>
+              <a:t> </a:t>
+            </a:r>
+            <a:r>
+              <a:rPr lang="en-US" sz="1400" dirty="0">
+                <a:solidFill>
+                  <a:srgbClr val="000000"/>
+                </a:solidFill>
+                <a:latin typeface="Consolas"/>
+                <a:cs typeface="+mn-cs"/>
+              </a:rPr>
+              <a:t>Scanner(System.</a:t>
+            </a:r>
+            <a:r>
+              <a:rPr lang="en-US" sz="1400" dirty="0">
+                <a:solidFill>
+                  <a:srgbClr val="0000C0"/>
+                </a:solidFill>
+                <a:latin typeface="Consolas"/>
+                <a:cs typeface="+mn-cs"/>
+              </a:rPr>
+              <a:t>in</a:t>
+            </a:r>
+            <a:r>
+              <a:rPr lang="en-US" sz="1400" dirty="0">
+                <a:solidFill>
+                  <a:srgbClr val="000000"/>
+                </a:solidFill>
+                <a:latin typeface="Consolas"/>
+                <a:cs typeface="+mn-cs"/>
+              </a:rPr>
+              <a:t>);</a:t>
+            </a:r>
+          </a:p>
+          <a:p>
+            <a:pPr fontAlgn="auto">
+              <a:spcBef>
+                <a:spcPts val="0"/>
+              </a:spcBef>
+              <a:spcAft>
+                <a:spcPts val="0"/>
+              </a:spcAft>
+              <a:defRPr/>
+            </a:pPr>
+            <a:r>
+              <a:rPr lang="en-US" sz="1400" b="1" dirty="0">
+                <a:solidFill>
+                  <a:srgbClr val="7F0055"/>
+                </a:solidFill>
+                <a:latin typeface="Consolas"/>
+                <a:cs typeface="+mn-cs"/>
+              </a:rPr>
+              <a:t>for</a:t>
+            </a:r>
+            <a:r>
+              <a:rPr lang="en-US" sz="1400" b="1" dirty="0">
+                <a:solidFill>
+                  <a:srgbClr val="000000"/>
+                </a:solidFill>
+                <a:latin typeface="Consolas"/>
+                <a:cs typeface="+mn-cs"/>
+              </a:rPr>
+              <a:t> (</a:t>
+            </a:r>
+            <a:r>
+              <a:rPr lang="en-US" sz="1400" b="1" dirty="0" err="1">
+                <a:solidFill>
+                  <a:srgbClr val="7F0055"/>
+                </a:solidFill>
+                <a:latin typeface="Consolas"/>
+                <a:cs typeface="+mn-cs"/>
+              </a:rPr>
+              <a:t>int</a:t>
+            </a:r>
+            <a:r>
+              <a:rPr lang="en-US" sz="1400" b="1" dirty="0">
+                <a:solidFill>
+                  <a:srgbClr val="000000"/>
+                </a:solidFill>
+                <a:latin typeface="Consolas"/>
+                <a:cs typeface="+mn-cs"/>
+              </a:rPr>
+              <a:t> </a:t>
+            </a:r>
+            <a:r>
+              <a:rPr lang="en-US" sz="1400" dirty="0">
+                <a:solidFill>
+                  <a:srgbClr val="000000"/>
+                </a:solidFill>
+                <a:latin typeface="Consolas"/>
+                <a:cs typeface="+mn-cs"/>
+              </a:rPr>
+              <a:t>p = 0; p &lt; 5; p++)</a:t>
+            </a:r>
+          </a:p>
+          <a:p>
+            <a:pPr fontAlgn="auto">
+              <a:spcBef>
+                <a:spcPts val="0"/>
+              </a:spcBef>
+              <a:spcAft>
+                <a:spcPts val="0"/>
+              </a:spcAft>
+              <a:defRPr/>
+            </a:pPr>
+            <a:r>
+              <a:rPr lang="en-US" sz="1400" dirty="0">
+                <a:solidFill>
+                  <a:srgbClr val="000000"/>
+                </a:solidFill>
+                <a:latin typeface="Consolas"/>
+                <a:cs typeface="+mn-cs"/>
+              </a:rPr>
+              <a:t>    </a:t>
+            </a:r>
+            <a:r>
+              <a:rPr lang="en-US" sz="1400" dirty="0" err="1">
+                <a:solidFill>
+                  <a:srgbClr val="000000"/>
+                </a:solidFill>
+                <a:latin typeface="Consolas"/>
+                <a:cs typeface="+mn-cs"/>
+              </a:rPr>
+              <a:t>num</a:t>
+            </a:r>
+            <a:r>
+              <a:rPr lang="en-US" sz="1400" dirty="0">
+                <a:solidFill>
+                  <a:srgbClr val="000000"/>
+                </a:solidFill>
+                <a:latin typeface="Consolas"/>
+                <a:cs typeface="+mn-cs"/>
+              </a:rPr>
+              <a:t>[p] = </a:t>
+            </a:r>
+            <a:r>
+              <a:rPr lang="en-US" sz="1400" dirty="0" err="1">
+                <a:solidFill>
+                  <a:srgbClr val="000000"/>
+                </a:solidFill>
+                <a:latin typeface="Consolas"/>
+                <a:cs typeface="+mn-cs"/>
+              </a:rPr>
+              <a:t>sc.nextInt</a:t>
+            </a:r>
+            <a:r>
+              <a:rPr lang="en-US" sz="1400" dirty="0">
+                <a:solidFill>
+                  <a:srgbClr val="000000"/>
+                </a:solidFill>
+                <a:latin typeface="Consolas"/>
+                <a:cs typeface="+mn-cs"/>
+              </a:rPr>
+              <a:t>();</a:t>
+            </a:r>
+          </a:p>
+          <a:p>
+            <a:pPr fontAlgn="auto">
+              <a:spcBef>
+                <a:spcPts val="0"/>
+              </a:spcBef>
+              <a:spcAft>
+                <a:spcPts val="0"/>
+              </a:spcAft>
+              <a:defRPr/>
+            </a:pPr>
+            <a:r>
+              <a:rPr lang="en-US" sz="1400" b="1" dirty="0" err="1">
+                <a:solidFill>
+                  <a:srgbClr val="7F0055"/>
+                </a:solidFill>
+                <a:latin typeface="Consolas"/>
+                <a:cs typeface="+mn-cs"/>
+              </a:rPr>
+              <a:t>int</a:t>
+            </a:r>
+            <a:r>
+              <a:rPr lang="en-US" sz="1400" b="1" dirty="0">
+                <a:solidFill>
+                  <a:srgbClr val="000000"/>
+                </a:solidFill>
+                <a:latin typeface="Consolas"/>
+                <a:cs typeface="+mn-cs"/>
+              </a:rPr>
+              <a:t> </a:t>
+            </a:r>
+            <a:r>
+              <a:rPr lang="en-US" sz="1400" dirty="0">
+                <a:solidFill>
+                  <a:srgbClr val="000000"/>
+                </a:solidFill>
+                <a:latin typeface="Consolas"/>
+                <a:cs typeface="+mn-cs"/>
+              </a:rPr>
+              <a:t>j;</a:t>
+            </a:r>
+          </a:p>
+          <a:p>
+            <a:pPr fontAlgn="auto">
+              <a:spcBef>
+                <a:spcPts val="0"/>
+              </a:spcBef>
+              <a:spcAft>
+                <a:spcPts val="0"/>
+              </a:spcAft>
+              <a:defRPr/>
+            </a:pPr>
+            <a:r>
+              <a:rPr lang="da-DK" sz="1400" b="1" dirty="0">
+                <a:solidFill>
+                  <a:srgbClr val="7F0055"/>
+                </a:solidFill>
+                <a:latin typeface="Consolas"/>
+                <a:cs typeface="+mn-cs"/>
+              </a:rPr>
+              <a:t>boolean</a:t>
+            </a:r>
+            <a:r>
+              <a:rPr lang="da-DK" sz="1400" b="1" dirty="0">
+                <a:solidFill>
+                  <a:srgbClr val="000000"/>
+                </a:solidFill>
+                <a:latin typeface="Consolas"/>
+                <a:cs typeface="+mn-cs"/>
+              </a:rPr>
+              <a:t> </a:t>
+            </a:r>
+            <a:r>
+              <a:rPr lang="da-DK" sz="1400" dirty="0">
+                <a:solidFill>
+                  <a:srgbClr val="000000"/>
+                </a:solidFill>
+                <a:latin typeface="Consolas"/>
+                <a:cs typeface="+mn-cs"/>
+              </a:rPr>
+              <a:t>flag</a:t>
+            </a:r>
+            <a:r>
+              <a:rPr lang="da-DK" sz="1400" b="1" dirty="0">
+                <a:solidFill>
+                  <a:srgbClr val="000000"/>
+                </a:solidFill>
+                <a:latin typeface="Consolas"/>
+                <a:cs typeface="+mn-cs"/>
+              </a:rPr>
+              <a:t> = </a:t>
+            </a:r>
+            <a:r>
+              <a:rPr lang="da-DK" sz="1400" b="1" dirty="0">
+                <a:solidFill>
+                  <a:srgbClr val="7F0055"/>
+                </a:solidFill>
+                <a:latin typeface="Consolas"/>
+                <a:cs typeface="+mn-cs"/>
+              </a:rPr>
+              <a:t>true</a:t>
+            </a:r>
+            <a:r>
+              <a:rPr lang="da-DK" sz="1400" b="1" dirty="0">
+                <a:solidFill>
+                  <a:srgbClr val="000000"/>
+                </a:solidFill>
+                <a:latin typeface="Consolas"/>
+                <a:cs typeface="+mn-cs"/>
+              </a:rPr>
+              <a:t>; </a:t>
+            </a:r>
+            <a:r>
+              <a:rPr lang="da-DK" sz="1400" b="1" dirty="0">
+                <a:solidFill>
+                  <a:srgbClr val="3F7F5F"/>
+                </a:solidFill>
+                <a:latin typeface="Consolas"/>
+                <a:cs typeface="+mn-cs"/>
+              </a:rPr>
+              <a:t>// set flag to true</a:t>
+            </a:r>
+          </a:p>
+          <a:p>
+            <a:pPr fontAlgn="auto">
+              <a:spcBef>
+                <a:spcPts val="0"/>
+              </a:spcBef>
+              <a:spcAft>
+                <a:spcPts val="0"/>
+              </a:spcAft>
+              <a:defRPr/>
+            </a:pPr>
+            <a:r>
+              <a:rPr lang="en-US" sz="1400" b="1" dirty="0" err="1">
+                <a:solidFill>
+                  <a:srgbClr val="7F0055"/>
+                </a:solidFill>
+                <a:latin typeface="Consolas"/>
+                <a:cs typeface="+mn-cs"/>
+              </a:rPr>
+              <a:t>int</a:t>
+            </a:r>
+            <a:r>
+              <a:rPr lang="en-US" sz="1400" b="1" dirty="0">
+                <a:solidFill>
+                  <a:srgbClr val="000000"/>
+                </a:solidFill>
+                <a:latin typeface="Consolas"/>
+                <a:cs typeface="+mn-cs"/>
+              </a:rPr>
+              <a:t> </a:t>
+            </a:r>
+            <a:r>
+              <a:rPr lang="en-US" sz="1400" dirty="0">
+                <a:solidFill>
+                  <a:srgbClr val="000000"/>
+                </a:solidFill>
+                <a:latin typeface="Consolas"/>
+                <a:cs typeface="+mn-cs"/>
+              </a:rPr>
+              <a:t>temp</a:t>
+            </a:r>
+            <a:r>
+              <a:rPr lang="en-US" sz="1400" b="1" dirty="0">
+                <a:solidFill>
+                  <a:srgbClr val="000000"/>
+                </a:solidFill>
+                <a:latin typeface="Consolas"/>
+                <a:cs typeface="+mn-cs"/>
+              </a:rPr>
+              <a:t>; </a:t>
+            </a:r>
+            <a:r>
+              <a:rPr lang="en-US" sz="1400" dirty="0">
+                <a:solidFill>
+                  <a:srgbClr val="3F7F5F"/>
+                </a:solidFill>
+                <a:latin typeface="Consolas"/>
+                <a:cs typeface="+mn-cs"/>
+              </a:rPr>
+              <a:t>// holding variable</a:t>
+            </a:r>
+          </a:p>
+          <a:p>
+            <a:pPr fontAlgn="auto">
+              <a:spcBef>
+                <a:spcPts val="0"/>
+              </a:spcBef>
+              <a:spcAft>
+                <a:spcPts val="0"/>
+              </a:spcAft>
+              <a:defRPr/>
+            </a:pPr>
+            <a:r>
+              <a:rPr lang="en-US" sz="1400" b="1" dirty="0">
+                <a:solidFill>
+                  <a:srgbClr val="7F0055"/>
+                </a:solidFill>
+                <a:latin typeface="Consolas"/>
+                <a:cs typeface="+mn-cs"/>
+              </a:rPr>
+              <a:t>while</a:t>
+            </a:r>
+            <a:r>
+              <a:rPr lang="en-US" sz="1400" b="1" dirty="0">
+                <a:solidFill>
+                  <a:srgbClr val="000000"/>
+                </a:solidFill>
+                <a:latin typeface="Consolas"/>
+                <a:cs typeface="+mn-cs"/>
+              </a:rPr>
+              <a:t> (</a:t>
+            </a:r>
+            <a:r>
+              <a:rPr lang="en-US" sz="1400" dirty="0">
+                <a:solidFill>
+                  <a:srgbClr val="000000"/>
+                </a:solidFill>
+                <a:latin typeface="Consolas"/>
+                <a:cs typeface="+mn-cs"/>
+              </a:rPr>
+              <a:t>flag</a:t>
+            </a:r>
+            <a:r>
+              <a:rPr lang="en-US" sz="1400" b="1" dirty="0">
+                <a:solidFill>
+                  <a:srgbClr val="000000"/>
+                </a:solidFill>
+                <a:latin typeface="Consolas"/>
+                <a:cs typeface="+mn-cs"/>
+              </a:rPr>
+              <a:t>) {</a:t>
+            </a:r>
+          </a:p>
+          <a:p>
+            <a:pPr fontAlgn="auto">
+              <a:spcBef>
+                <a:spcPts val="0"/>
+              </a:spcBef>
+              <a:spcAft>
+                <a:spcPts val="0"/>
+              </a:spcAft>
+              <a:defRPr/>
+            </a:pPr>
+            <a:r>
+              <a:rPr lang="en-US" sz="1400" dirty="0">
+                <a:solidFill>
+                  <a:srgbClr val="000000"/>
+                </a:solidFill>
+                <a:latin typeface="Consolas"/>
+                <a:cs typeface="+mn-cs"/>
+              </a:rPr>
+              <a:t>      flag = </a:t>
+            </a:r>
+            <a:r>
+              <a:rPr lang="en-US" sz="1400" b="1" dirty="0">
+                <a:solidFill>
+                  <a:srgbClr val="7F0055"/>
+                </a:solidFill>
+                <a:latin typeface="Consolas"/>
+                <a:cs typeface="+mn-cs"/>
+              </a:rPr>
+              <a:t>false</a:t>
+            </a:r>
+            <a:r>
+              <a:rPr lang="en-US" sz="1400" b="1" dirty="0">
+                <a:solidFill>
+                  <a:srgbClr val="000000"/>
+                </a:solidFill>
+                <a:latin typeface="Consolas"/>
+                <a:cs typeface="+mn-cs"/>
+              </a:rPr>
+              <a:t>; </a:t>
+            </a:r>
+            <a:r>
+              <a:rPr lang="en-US" sz="1400" b="1" dirty="0">
+                <a:solidFill>
+                  <a:srgbClr val="3F7F5F"/>
+                </a:solidFill>
+                <a:latin typeface="Consolas"/>
+                <a:cs typeface="+mn-cs"/>
+              </a:rPr>
+              <a:t>// </a:t>
+            </a:r>
+            <a:r>
+              <a:rPr lang="en-US" sz="1400" dirty="0">
+                <a:solidFill>
+                  <a:srgbClr val="3F7F5F"/>
+                </a:solidFill>
+                <a:latin typeface="Consolas"/>
+                <a:cs typeface="+mn-cs"/>
+              </a:rPr>
+              <a:t>set flag to false awaiting a possible swap</a:t>
+            </a:r>
+          </a:p>
+          <a:p>
+            <a:pPr fontAlgn="auto">
+              <a:spcBef>
+                <a:spcPts val="0"/>
+              </a:spcBef>
+              <a:spcAft>
+                <a:spcPts val="0"/>
+              </a:spcAft>
+              <a:defRPr/>
+            </a:pPr>
+            <a:r>
+              <a:rPr lang="en-US" sz="1400" b="1" dirty="0">
+                <a:solidFill>
+                  <a:srgbClr val="7F0055"/>
+                </a:solidFill>
+                <a:latin typeface="Consolas"/>
+                <a:cs typeface="+mn-cs"/>
+              </a:rPr>
+              <a:t>      for</a:t>
+            </a:r>
+            <a:r>
+              <a:rPr lang="en-US" sz="1400" b="1" dirty="0">
+                <a:solidFill>
+                  <a:srgbClr val="000000"/>
+                </a:solidFill>
+                <a:latin typeface="Consolas"/>
+                <a:cs typeface="+mn-cs"/>
+              </a:rPr>
+              <a:t> (</a:t>
+            </a:r>
+            <a:r>
+              <a:rPr lang="en-US" sz="1400" dirty="0">
+                <a:solidFill>
+                  <a:srgbClr val="000000"/>
+                </a:solidFill>
+                <a:latin typeface="Consolas"/>
+                <a:cs typeface="+mn-cs"/>
+              </a:rPr>
+              <a:t>j = 0; j &lt; </a:t>
+            </a:r>
+            <a:r>
+              <a:rPr lang="en-US" sz="1400" dirty="0" err="1">
+                <a:solidFill>
+                  <a:srgbClr val="000000"/>
+                </a:solidFill>
+                <a:latin typeface="Consolas"/>
+                <a:cs typeface="+mn-cs"/>
+              </a:rPr>
+              <a:t>num.</a:t>
+            </a:r>
+            <a:r>
+              <a:rPr lang="en-US" sz="1400" dirty="0" err="1">
+                <a:solidFill>
+                  <a:srgbClr val="0000C0"/>
+                </a:solidFill>
+                <a:latin typeface="Consolas"/>
+                <a:cs typeface="+mn-cs"/>
+              </a:rPr>
+              <a:t>length</a:t>
+            </a:r>
+            <a:r>
+              <a:rPr lang="en-US" sz="1400" dirty="0">
+                <a:solidFill>
+                  <a:srgbClr val="000000"/>
+                </a:solidFill>
+                <a:latin typeface="Consolas"/>
+                <a:cs typeface="+mn-cs"/>
+              </a:rPr>
+              <a:t> - 1; </a:t>
+            </a:r>
+            <a:r>
+              <a:rPr lang="en-US" sz="1400" dirty="0" err="1">
+                <a:solidFill>
+                  <a:srgbClr val="000000"/>
+                </a:solidFill>
+                <a:latin typeface="Consolas"/>
+                <a:cs typeface="+mn-cs"/>
+              </a:rPr>
+              <a:t>j++</a:t>
+            </a:r>
+            <a:r>
+              <a:rPr lang="en-US" sz="1400" dirty="0">
+                <a:solidFill>
+                  <a:srgbClr val="000000"/>
+                </a:solidFill>
+                <a:latin typeface="Consolas"/>
+                <a:cs typeface="+mn-cs"/>
+              </a:rPr>
+              <a:t>) </a:t>
+            </a:r>
+            <a:r>
+              <a:rPr lang="en-US" sz="1400" b="1" dirty="0">
+                <a:solidFill>
+                  <a:srgbClr val="000000"/>
+                </a:solidFill>
+                <a:latin typeface="Consolas"/>
+                <a:cs typeface="+mn-cs"/>
+              </a:rPr>
+              <a:t>{</a:t>
+            </a:r>
+          </a:p>
+          <a:p>
+            <a:pPr fontAlgn="auto">
+              <a:spcBef>
+                <a:spcPts val="0"/>
+              </a:spcBef>
+              <a:spcAft>
+                <a:spcPts val="0"/>
+              </a:spcAft>
+              <a:defRPr/>
+            </a:pPr>
+            <a:r>
+              <a:rPr lang="en-US" sz="1400" b="1" dirty="0">
+                <a:solidFill>
+                  <a:srgbClr val="000000"/>
+                </a:solidFill>
+                <a:latin typeface="Consolas"/>
+                <a:cs typeface="+mn-cs"/>
+              </a:rPr>
+              <a:t>	 </a:t>
+            </a:r>
+            <a:r>
+              <a:rPr lang="en-US" sz="1400" b="1" dirty="0">
+                <a:solidFill>
+                  <a:srgbClr val="7F0055"/>
+                </a:solidFill>
+                <a:latin typeface="Consolas"/>
+                <a:cs typeface="+mn-cs"/>
+              </a:rPr>
+              <a:t>if</a:t>
+            </a:r>
+            <a:r>
+              <a:rPr lang="en-US" sz="1400" b="1" dirty="0">
+                <a:solidFill>
+                  <a:srgbClr val="000000"/>
+                </a:solidFill>
+                <a:latin typeface="Consolas"/>
+                <a:cs typeface="+mn-cs"/>
+              </a:rPr>
+              <a:t> </a:t>
+            </a:r>
+            <a:r>
+              <a:rPr lang="en-US" sz="1400" dirty="0">
+                <a:solidFill>
+                  <a:srgbClr val="000000"/>
+                </a:solidFill>
+                <a:latin typeface="Consolas"/>
+                <a:cs typeface="+mn-cs"/>
+              </a:rPr>
+              <a:t>(</a:t>
+            </a:r>
+            <a:r>
+              <a:rPr lang="en-US" sz="1400" dirty="0" err="1">
+                <a:solidFill>
+                  <a:srgbClr val="000000"/>
+                </a:solidFill>
+                <a:latin typeface="Consolas"/>
+                <a:cs typeface="+mn-cs"/>
+              </a:rPr>
+              <a:t>num</a:t>
+            </a:r>
+            <a:r>
+              <a:rPr lang="en-US" sz="1400" dirty="0">
+                <a:solidFill>
+                  <a:srgbClr val="000000"/>
+                </a:solidFill>
+                <a:latin typeface="Consolas"/>
+                <a:cs typeface="+mn-cs"/>
+              </a:rPr>
+              <a:t>[j] &lt; </a:t>
+            </a:r>
+            <a:r>
+              <a:rPr lang="en-US" sz="1400" dirty="0" err="1">
+                <a:solidFill>
+                  <a:srgbClr val="000000"/>
+                </a:solidFill>
+                <a:latin typeface="Consolas"/>
+                <a:cs typeface="+mn-cs"/>
+              </a:rPr>
+              <a:t>num</a:t>
+            </a:r>
+            <a:r>
+              <a:rPr lang="en-US" sz="1400" dirty="0">
+                <a:solidFill>
+                  <a:srgbClr val="000000"/>
+                </a:solidFill>
+                <a:latin typeface="Consolas"/>
+                <a:cs typeface="+mn-cs"/>
+              </a:rPr>
+              <a:t>[j + 1]) {</a:t>
+            </a:r>
+            <a:r>
+              <a:rPr lang="en-US" sz="1400" dirty="0">
+                <a:solidFill>
+                  <a:srgbClr val="3F7F5F"/>
+                </a:solidFill>
+                <a:latin typeface="Consolas"/>
+                <a:cs typeface="+mn-cs"/>
+              </a:rPr>
+              <a:t>// change to &gt; for ascending sort</a:t>
+            </a:r>
+            <a:endParaRPr lang="en-US" sz="1400" dirty="0">
+              <a:solidFill>
+                <a:srgbClr val="000000"/>
+              </a:solidFill>
+              <a:latin typeface="Consolas"/>
+              <a:cs typeface="+mn-cs"/>
+            </a:endParaRPr>
+          </a:p>
+          <a:p>
+            <a:pPr fontAlgn="auto">
+              <a:spcBef>
+                <a:spcPts val="0"/>
+              </a:spcBef>
+              <a:spcAft>
+                <a:spcPts val="0"/>
+              </a:spcAft>
+              <a:defRPr/>
+            </a:pPr>
+            <a:r>
+              <a:rPr lang="en-US" sz="1400" dirty="0">
+                <a:solidFill>
+                  <a:srgbClr val="000000"/>
+                </a:solidFill>
+                <a:latin typeface="Consolas"/>
+                <a:cs typeface="+mn-cs"/>
+              </a:rPr>
+              <a:t>	    temp = </a:t>
+            </a:r>
+            <a:r>
+              <a:rPr lang="en-US" sz="1400" dirty="0" err="1">
+                <a:solidFill>
+                  <a:srgbClr val="000000"/>
+                </a:solidFill>
+                <a:latin typeface="Consolas"/>
+                <a:cs typeface="+mn-cs"/>
+              </a:rPr>
+              <a:t>num</a:t>
+            </a:r>
+            <a:r>
+              <a:rPr lang="en-US" sz="1400" dirty="0">
+                <a:solidFill>
+                  <a:srgbClr val="000000"/>
+                </a:solidFill>
+                <a:latin typeface="Consolas"/>
+                <a:cs typeface="+mn-cs"/>
+              </a:rPr>
+              <a:t>[j]; </a:t>
+            </a:r>
+            <a:r>
+              <a:rPr lang="en-US" sz="1400" dirty="0">
+                <a:solidFill>
+                  <a:srgbClr val="3F7F5F"/>
+                </a:solidFill>
+                <a:latin typeface="Consolas"/>
+                <a:cs typeface="+mn-cs"/>
+              </a:rPr>
+              <a:t>// swap elements</a:t>
+            </a:r>
+          </a:p>
+          <a:p>
+            <a:pPr fontAlgn="auto">
+              <a:spcBef>
+                <a:spcPts val="0"/>
+              </a:spcBef>
+              <a:spcAft>
+                <a:spcPts val="0"/>
+              </a:spcAft>
+              <a:defRPr/>
+            </a:pPr>
+            <a:r>
+              <a:rPr lang="en-US" sz="1400" dirty="0">
+                <a:solidFill>
+                  <a:srgbClr val="3F7F5F"/>
+                </a:solidFill>
+                <a:latin typeface="Consolas"/>
+                <a:cs typeface="+mn-cs"/>
+              </a:rPr>
+              <a:t>	    </a:t>
+            </a:r>
+            <a:r>
+              <a:rPr lang="en-US" sz="1400" dirty="0" err="1">
+                <a:solidFill>
+                  <a:srgbClr val="000000"/>
+                </a:solidFill>
+                <a:latin typeface="Consolas"/>
+                <a:cs typeface="+mn-cs"/>
+              </a:rPr>
+              <a:t>num</a:t>
+            </a:r>
+            <a:r>
+              <a:rPr lang="en-US" sz="1400" dirty="0">
+                <a:solidFill>
+                  <a:srgbClr val="000000"/>
+                </a:solidFill>
+                <a:latin typeface="Consolas"/>
+                <a:cs typeface="+mn-cs"/>
+              </a:rPr>
+              <a:t>[j] = </a:t>
+            </a:r>
+            <a:r>
+              <a:rPr lang="en-US" sz="1400" dirty="0" err="1">
+                <a:solidFill>
+                  <a:srgbClr val="000000"/>
+                </a:solidFill>
+                <a:latin typeface="Consolas"/>
+                <a:cs typeface="+mn-cs"/>
+              </a:rPr>
+              <a:t>num</a:t>
+            </a:r>
+            <a:r>
+              <a:rPr lang="en-US" sz="1400" dirty="0">
+                <a:solidFill>
+                  <a:srgbClr val="000000"/>
+                </a:solidFill>
+                <a:latin typeface="Consolas"/>
+                <a:cs typeface="+mn-cs"/>
+              </a:rPr>
+              <a:t>[j + 1];</a:t>
+            </a:r>
+          </a:p>
+          <a:p>
+            <a:pPr fontAlgn="auto">
+              <a:spcBef>
+                <a:spcPts val="0"/>
+              </a:spcBef>
+              <a:spcAft>
+                <a:spcPts val="0"/>
+              </a:spcAft>
+              <a:defRPr/>
+            </a:pPr>
+            <a:r>
+              <a:rPr lang="en-US" sz="1400" dirty="0">
+                <a:solidFill>
+                  <a:srgbClr val="000000"/>
+                </a:solidFill>
+                <a:latin typeface="Consolas"/>
+                <a:cs typeface="+mn-cs"/>
+              </a:rPr>
+              <a:t>	    </a:t>
+            </a:r>
+            <a:r>
+              <a:rPr lang="en-US" sz="1400" dirty="0" err="1">
+                <a:solidFill>
+                  <a:srgbClr val="000000"/>
+                </a:solidFill>
+                <a:latin typeface="Consolas"/>
+                <a:cs typeface="+mn-cs"/>
+              </a:rPr>
+              <a:t>num</a:t>
+            </a:r>
+            <a:r>
+              <a:rPr lang="en-US" sz="1400" dirty="0">
+                <a:solidFill>
+                  <a:srgbClr val="000000"/>
+                </a:solidFill>
+                <a:latin typeface="Consolas"/>
+                <a:cs typeface="+mn-cs"/>
+              </a:rPr>
+              <a:t>[j + 1] = temp;</a:t>
+            </a:r>
+          </a:p>
+          <a:p>
+            <a:pPr fontAlgn="auto">
+              <a:spcBef>
+                <a:spcPts val="0"/>
+              </a:spcBef>
+              <a:spcAft>
+                <a:spcPts val="0"/>
+              </a:spcAft>
+              <a:defRPr/>
+            </a:pPr>
+            <a:r>
+              <a:rPr lang="en-US" sz="1400" dirty="0">
+                <a:solidFill>
+                  <a:srgbClr val="000000"/>
+                </a:solidFill>
+                <a:latin typeface="Consolas"/>
+                <a:cs typeface="+mn-cs"/>
+              </a:rPr>
+              <a:t>	    flag = </a:t>
+            </a:r>
+            <a:r>
+              <a:rPr lang="en-US" sz="1400" b="1" dirty="0">
+                <a:solidFill>
+                  <a:srgbClr val="7F0055"/>
+                </a:solidFill>
+                <a:latin typeface="Consolas"/>
+                <a:cs typeface="+mn-cs"/>
+              </a:rPr>
+              <a:t>true</a:t>
+            </a:r>
+            <a:r>
+              <a:rPr lang="en-US" sz="1400" b="1" dirty="0">
+                <a:solidFill>
+                  <a:srgbClr val="000000"/>
+                </a:solidFill>
+                <a:latin typeface="Consolas"/>
+                <a:cs typeface="+mn-cs"/>
+              </a:rPr>
+              <a:t>; </a:t>
+            </a:r>
+            <a:r>
+              <a:rPr lang="en-US" sz="1400" dirty="0">
+                <a:solidFill>
+                  <a:srgbClr val="3F7F5F"/>
+                </a:solidFill>
+                <a:latin typeface="Consolas"/>
+                <a:cs typeface="+mn-cs"/>
+              </a:rPr>
+              <a:t>// shows a swap occurred</a:t>
+            </a:r>
+          </a:p>
+          <a:p>
+            <a:pPr fontAlgn="auto">
+              <a:spcBef>
+                <a:spcPts val="0"/>
+              </a:spcBef>
+              <a:spcAft>
+                <a:spcPts val="0"/>
+              </a:spcAft>
+              <a:defRPr/>
+            </a:pPr>
+            <a:r>
+              <a:rPr lang="en-US" sz="1400" dirty="0">
+                <a:solidFill>
+                  <a:srgbClr val="3F7F5F"/>
+                </a:solidFill>
+                <a:latin typeface="Consolas"/>
+                <a:cs typeface="+mn-cs"/>
+              </a:rPr>
+              <a:t>	 </a:t>
+            </a:r>
+            <a:r>
+              <a:rPr lang="en-US" sz="1400" b="1" dirty="0">
+                <a:solidFill>
+                  <a:srgbClr val="000000"/>
+                </a:solidFill>
+                <a:latin typeface="Consolas"/>
+                <a:cs typeface="+mn-cs"/>
+              </a:rPr>
+              <a:t>}</a:t>
+            </a:r>
+          </a:p>
+          <a:p>
+            <a:pPr fontAlgn="auto">
+              <a:spcBef>
+                <a:spcPts val="0"/>
+              </a:spcBef>
+              <a:spcAft>
+                <a:spcPts val="0"/>
+              </a:spcAft>
+              <a:defRPr/>
+            </a:pPr>
+            <a:r>
+              <a:rPr lang="en-US" sz="1400" dirty="0">
+                <a:solidFill>
+                  <a:srgbClr val="000000"/>
+                </a:solidFill>
+                <a:latin typeface="Consolas"/>
+                <a:cs typeface="+mn-cs"/>
+              </a:rPr>
+              <a:t>      </a:t>
+            </a:r>
+            <a:r>
+              <a:rPr lang="en-US" sz="1400" b="1" dirty="0">
+                <a:solidFill>
+                  <a:srgbClr val="000000"/>
+                </a:solidFill>
+                <a:latin typeface="Consolas"/>
+                <a:cs typeface="+mn-cs"/>
+              </a:rPr>
+              <a:t>}</a:t>
+            </a:r>
+          </a:p>
+          <a:p>
+            <a:pPr fontAlgn="auto">
+              <a:spcBef>
+                <a:spcPts val="0"/>
+              </a:spcBef>
+              <a:spcAft>
+                <a:spcPts val="0"/>
+              </a:spcAft>
+              <a:defRPr/>
+            </a:pPr>
+            <a:r>
+              <a:rPr lang="de-DE" sz="1400" b="1" dirty="0">
+                <a:solidFill>
+                  <a:srgbClr val="000000"/>
+                </a:solidFill>
+                <a:latin typeface="Consolas"/>
+                <a:cs typeface="+mn-cs"/>
+              </a:rPr>
+              <a:t>}</a:t>
+            </a:r>
+            <a:endParaRPr lang="en-US" sz="1400" b="1" dirty="0">
+              <a:solidFill>
+                <a:srgbClr val="000000"/>
+              </a:solidFill>
+              <a:latin typeface="Consolas"/>
+              <a:cs typeface="+mn-cs"/>
+            </a:endParaRPr>
+          </a:p>
+          <a:p>
+            <a:pPr fontAlgn="auto">
+              <a:spcBef>
+                <a:spcPts val="0"/>
+              </a:spcBef>
+              <a:spcAft>
+                <a:spcPts val="0"/>
+              </a:spcAft>
+              <a:defRPr/>
+            </a:pPr>
+            <a:r>
+              <a:rPr lang="en-US" sz="1400" b="1" dirty="0" err="1">
+                <a:solidFill>
+                  <a:srgbClr val="7F0055"/>
+                </a:solidFill>
+                <a:latin typeface="Consolas"/>
+                <a:cs typeface="+mn-cs"/>
+              </a:rPr>
+              <a:t>int</a:t>
+            </a:r>
+            <a:r>
+              <a:rPr lang="en-US" sz="1400" b="1" dirty="0">
+                <a:solidFill>
+                  <a:srgbClr val="000000"/>
+                </a:solidFill>
+                <a:latin typeface="Consolas"/>
+                <a:cs typeface="+mn-cs"/>
+              </a:rPr>
+              <a:t> </a:t>
+            </a:r>
+            <a:r>
+              <a:rPr lang="en-US" sz="1400" dirty="0">
+                <a:solidFill>
+                  <a:srgbClr val="000000"/>
+                </a:solidFill>
+                <a:latin typeface="Consolas"/>
+                <a:cs typeface="+mn-cs"/>
+              </a:rPr>
+              <a:t>z = 0;</a:t>
+            </a:r>
+          </a:p>
+          <a:p>
+            <a:pPr fontAlgn="auto">
+              <a:spcBef>
+                <a:spcPts val="0"/>
+              </a:spcBef>
+              <a:spcAft>
+                <a:spcPts val="0"/>
+              </a:spcAft>
+              <a:defRPr/>
+            </a:pPr>
+            <a:r>
+              <a:rPr lang="en-US" sz="1400" b="1" dirty="0">
+                <a:solidFill>
+                  <a:srgbClr val="7F0055"/>
+                </a:solidFill>
+                <a:latin typeface="Consolas"/>
+                <a:cs typeface="+mn-cs"/>
+              </a:rPr>
+              <a:t>for</a:t>
+            </a:r>
+            <a:r>
+              <a:rPr lang="en-US" sz="1400" b="1" dirty="0">
+                <a:solidFill>
+                  <a:srgbClr val="000000"/>
+                </a:solidFill>
+                <a:latin typeface="Consolas"/>
+                <a:cs typeface="+mn-cs"/>
+              </a:rPr>
+              <a:t> (</a:t>
+            </a:r>
+            <a:r>
+              <a:rPr lang="en-US" sz="1400" b="1" dirty="0" err="1">
+                <a:solidFill>
+                  <a:srgbClr val="7F0055"/>
+                </a:solidFill>
+                <a:latin typeface="Consolas"/>
+                <a:cs typeface="+mn-cs"/>
+              </a:rPr>
+              <a:t>int</a:t>
+            </a:r>
+            <a:r>
+              <a:rPr lang="en-US" sz="1400" b="1" dirty="0">
+                <a:solidFill>
+                  <a:srgbClr val="000000"/>
+                </a:solidFill>
+                <a:latin typeface="Consolas"/>
+                <a:cs typeface="+mn-cs"/>
+              </a:rPr>
+              <a:t> </a:t>
+            </a:r>
+            <a:r>
+              <a:rPr lang="en-US" sz="1400" dirty="0">
+                <a:solidFill>
+                  <a:srgbClr val="000000"/>
+                </a:solidFill>
+                <a:latin typeface="Consolas"/>
+                <a:cs typeface="+mn-cs"/>
+              </a:rPr>
+              <a:t>t = 0; t &lt; 5; t++)</a:t>
+            </a:r>
+          </a:p>
+          <a:p>
+            <a:pPr fontAlgn="auto">
+              <a:spcBef>
+                <a:spcPts val="0"/>
+              </a:spcBef>
+              <a:spcAft>
+                <a:spcPts val="0"/>
+              </a:spcAft>
+              <a:defRPr/>
+            </a:pPr>
+            <a:r>
+              <a:rPr lang="en-US" sz="1400" dirty="0">
+                <a:solidFill>
+                  <a:srgbClr val="000000"/>
+                </a:solidFill>
+                <a:latin typeface="Consolas"/>
+                <a:cs typeface="+mn-cs"/>
+              </a:rPr>
+              <a:t>    z += </a:t>
+            </a:r>
+            <a:r>
+              <a:rPr lang="en-US" sz="1400" dirty="0" err="1">
+                <a:solidFill>
+                  <a:srgbClr val="000000"/>
+                </a:solidFill>
+                <a:latin typeface="Consolas"/>
+                <a:cs typeface="+mn-cs"/>
+              </a:rPr>
+              <a:t>num</a:t>
+            </a:r>
+            <a:r>
+              <a:rPr lang="en-US" sz="1400" dirty="0">
+                <a:solidFill>
+                  <a:srgbClr val="000000"/>
+                </a:solidFill>
+                <a:latin typeface="Consolas"/>
+                <a:cs typeface="+mn-cs"/>
+              </a:rPr>
+              <a:t>[t];</a:t>
+            </a:r>
+          </a:p>
+          <a:p>
+            <a:pPr fontAlgn="auto">
+              <a:spcBef>
+                <a:spcPts val="0"/>
+              </a:spcBef>
+              <a:spcAft>
+                <a:spcPts val="0"/>
+              </a:spcAft>
+              <a:defRPr/>
+            </a:pPr>
+            <a:r>
+              <a:rPr lang="en-US" sz="1400" dirty="0" err="1">
+                <a:solidFill>
+                  <a:srgbClr val="000000"/>
+                </a:solidFill>
+                <a:latin typeface="Consolas"/>
+                <a:cs typeface="+mn-cs"/>
+              </a:rPr>
+              <a:t>System.</a:t>
+            </a:r>
+            <a:r>
+              <a:rPr lang="en-US" sz="1400" dirty="0" err="1">
+                <a:solidFill>
+                  <a:srgbClr val="0000C0"/>
+                </a:solidFill>
+                <a:latin typeface="Consolas"/>
+                <a:cs typeface="+mn-cs"/>
+              </a:rPr>
+              <a:t>out</a:t>
+            </a:r>
+            <a:r>
+              <a:rPr lang="en-US" sz="1400" dirty="0" err="1">
+                <a:solidFill>
+                  <a:srgbClr val="000000"/>
+                </a:solidFill>
+                <a:latin typeface="Consolas"/>
+                <a:cs typeface="+mn-cs"/>
+              </a:rPr>
+              <a:t>.println</a:t>
+            </a:r>
+            <a:r>
+              <a:rPr lang="en-US" sz="1400" dirty="0">
+                <a:solidFill>
+                  <a:srgbClr val="000000"/>
+                </a:solidFill>
+                <a:latin typeface="Consolas"/>
+                <a:cs typeface="+mn-cs"/>
+              </a:rPr>
+              <a:t>(</a:t>
+            </a:r>
+            <a:r>
+              <a:rPr lang="en-US" sz="1400" dirty="0">
+                <a:solidFill>
+                  <a:srgbClr val="2A00FF"/>
+                </a:solidFill>
+                <a:latin typeface="Consolas"/>
+                <a:cs typeface="+mn-cs"/>
+              </a:rPr>
+              <a:t>"Erg:"</a:t>
+            </a:r>
+            <a:r>
+              <a:rPr lang="en-US" sz="1400" dirty="0">
+                <a:solidFill>
+                  <a:srgbClr val="000000"/>
+                </a:solidFill>
+                <a:latin typeface="Consolas"/>
+                <a:cs typeface="+mn-cs"/>
+              </a:rPr>
+              <a:t> + z/5.0);</a:t>
+            </a:r>
+          </a:p>
+          <a:p>
+            <a:pPr marL="0" lvl="2" fontAlgn="auto">
+              <a:spcBef>
+                <a:spcPts val="0"/>
+              </a:spcBef>
+              <a:spcAft>
+                <a:spcPts val="0"/>
+              </a:spcAft>
+              <a:defRPr/>
+            </a:pPr>
+            <a:endParaRPr lang="en-US" sz="1400" dirty="0">
+              <a:latin typeface="+mn-lt"/>
+              <a:cs typeface="+mn-cs"/>
+            </a:endParaRPr>
+          </a:p>
+        </p:txBody>
+      </p:sp>
+    </p:spTree>
+  </p:cSld>
+  <p:clrMapOvr>
+    <a:masterClrMapping/>
+  </p:clrMapOvr>
+  <p:timing>
+    <p:tnLst>
+      <p:par>
+        <p:cTn id="1" dur="indefinite" restart="never" nodeType="tmRoot">
+          <p:childTnLst>
+            <p:seq concurrent="1" nextAc="seek">
+              <p:cTn id="2" dur="indefinite" nodeType="mainSeq">
+                <p:childTnLst>
+                  <p:par>
+                    <p:cTn id="3" fill="hold">
+                      <p:stCondLst>
+                        <p:cond delay="indefinite"/>
+                      </p:stCondLst>
+                      <p:childTnLst>
+                        <p:par>
+                          <p:cTn id="4" fill="hold">
+                            <p:stCondLst>
+                              <p:cond delay="0"/>
+                            </p:stCondLst>
+                            <p:childTnLst>
+                              <p:par>
+                                <p:cTn id="5" presetID="1" presetClass="entr" presetSubtype="0" fill="hold" grpId="0" nodeType="clickEffect">
+                                  <p:stCondLst>
+                                    <p:cond delay="0"/>
+                                  </p:stCondLst>
+                                  <p:childTnLst>
+                                    <p:set>
+                                      <p:cBhvr>
+                                        <p:cTn id="6" dur="1" fill="hold">
+                                          <p:stCondLst>
+                                            <p:cond delay="0"/>
+                                          </p:stCondLst>
+                                        </p:cTn>
+                                        <p:tgtEl>
+                                          <p:spTgt spid="7">
+                                            <p:txEl>
+                                              <p:pRg st="0" end="0"/>
+                                            </p:txEl>
+                                          </p:spTgt>
+                                        </p:tgtEl>
+                                        <p:attrNameLst>
+                                          <p:attrName>style.visibility</p:attrName>
+                                        </p:attrNameLst>
+                                      </p:cBhvr>
+                                      <p:to>
+                                        <p:strVal val="visible"/>
+                                      </p:to>
+                                    </p:set>
+                                  </p:childTnLst>
+                                </p:cTn>
+                              </p:par>
+                            </p:childTnLst>
+                          </p:cTn>
+                        </p:par>
+                      </p:childTnLst>
+                    </p:cTn>
+                  </p:par>
+                </p:childTnLst>
+              </p:cTn>
+              <p:prevCondLst>
+                <p:cond evt="onPrev" delay="0">
+                  <p:tgtEl>
+                    <p:sldTgt/>
+                  </p:tgtEl>
+                </p:cond>
+              </p:prevCondLst>
+              <p:nextCondLst>
+                <p:cond evt="onNext" delay="0">
+                  <p:tgtEl>
+                    <p:sldTgt/>
+                  </p:tgtEl>
+                </p:cond>
+              </p:nextCondLst>
+            </p:seq>
+          </p:childTnLst>
+        </p:cTn>
+      </p:par>
+    </p:tnLst>
+    <p:bldLst>
+      <p:bldP spid="7" grpId="0" build="p"/>
+    </p:bldLst>
+  </p:timing>
+</p:sld>
+</file>
+
+<file path=ppt/slides/slide40.xml><?xml version="1.0" encoding="utf-8"?>
 <p:sld xmlns:a="http://schemas.openxmlformats.org/drawingml/2006/main" xmlns:r="http://schemas.openxmlformats.org/officeDocument/2006/relationships" xmlns:p="http://schemas.openxmlformats.org/presentationml/2006/main">
   <p:cSld>
     <p:spTree>
@@ -39382,7 +41322,7 @@
               <a:pPr>
                 <a:defRPr/>
               </a:pPr>
-              <a:t>39</a:t>
+              <a:t>40</a:t>
             </a:fld>
             <a:endParaRPr lang="de-DE"/>
           </a:p>
@@ -39883,1650 +41823,7 @@
 </p:sld>
 </file>
 
-<file path=ppt/slides/slide4.xml><?xml version="1.0" encoding="utf-8"?>
-<p:sld xmlns:a="http://schemas.openxmlformats.org/drawingml/2006/main" xmlns:r="http://schemas.openxmlformats.org/officeDocument/2006/relationships" xmlns:p="http://schemas.openxmlformats.org/presentationml/2006/main">
-  <p:cSld>
-    <p:spTree>
-      <p:nvGrpSpPr>
-        <p:cNvPr id="1" name=""/>
-        <p:cNvGrpSpPr/>
-        <p:nvPr/>
-      </p:nvGrpSpPr>
-      <p:grpSpPr>
-        <a:xfrm>
-          <a:off x="0" y="0"/>
-          <a:ext cx="0" cy="0"/>
-          <a:chOff x="0" y="0"/>
-          <a:chExt cx="0" cy="0"/>
-        </a:xfrm>
-      </p:grpSpPr>
-      <p:sp>
-        <p:nvSpPr>
-          <p:cNvPr id="23553" name="Titel 1"/>
-          <p:cNvSpPr>
-            <a:spLocks noGrp="1"/>
-          </p:cNvSpPr>
-          <p:nvPr>
-            <p:ph type="title"/>
-          </p:nvPr>
-        </p:nvSpPr>
-        <p:spPr/>
-        <p:txBody>
-          <a:bodyPr/>
-          <a:lstStyle/>
-          <a:p>
-            <a:r>
-              <a:rPr lang="de-DE"/>
-              <a:t>Codebeispiel</a:t>
-            </a:r>
-            <a:endParaRPr lang="en-US"/>
-          </a:p>
-        </p:txBody>
-      </p:sp>
-      <p:sp>
-        <p:nvSpPr>
-          <p:cNvPr id="7" name="Inhaltsplatzhalter 2"/>
-          <p:cNvSpPr>
-            <a:spLocks noGrp="1"/>
-          </p:cNvSpPr>
-          <p:nvPr>
-            <p:ph idx="1"/>
-          </p:nvPr>
-        </p:nvSpPr>
-        <p:spPr>
-          <a:xfrm>
-            <a:off x="7176120" y="2132856"/>
-            <a:ext cx="3960440" cy="1224136"/>
-          </a:xfrm>
-        </p:spPr>
-        <p:txBody>
-          <a:bodyPr/>
-          <a:lstStyle/>
-          <a:p>
-            <a:pPr marL="0" indent="0">
-              <a:buNone/>
-            </a:pPr>
-            <a:r>
-              <a:rPr lang="de-DE" dirty="0"/>
-              <a:t>Negativbeispiel!</a:t>
-            </a:r>
-          </a:p>
-        </p:txBody>
-      </p:sp>
-      <p:sp>
-        <p:nvSpPr>
-          <p:cNvPr id="2" name="Foliennummernplatzhalter 1"/>
-          <p:cNvSpPr>
-            <a:spLocks noGrp="1"/>
-          </p:cNvSpPr>
-          <p:nvPr>
-            <p:ph type="sldNum" sz="quarter" idx="12"/>
-          </p:nvPr>
-        </p:nvSpPr>
-        <p:spPr/>
-        <p:txBody>
-          <a:bodyPr/>
-          <a:lstStyle/>
-          <a:p>
-            <a:pPr>
-              <a:defRPr/>
-            </a:pPr>
-            <a:fld id="{DF7E2E00-E49B-4C2D-84B9-AB5A304A917C}" type="slidenum">
-              <a:rPr lang="de-DE" smtClean="0"/>
-              <a:pPr>
-                <a:defRPr/>
-              </a:pPr>
-              <a:t>4</a:t>
-            </a:fld>
-            <a:endParaRPr lang="de-DE"/>
-          </a:p>
-        </p:txBody>
-      </p:sp>
-      <p:sp>
-        <p:nvSpPr>
-          <p:cNvPr id="8" name="Rechteck 7"/>
-          <p:cNvSpPr/>
-          <p:nvPr/>
-        </p:nvSpPr>
-        <p:spPr>
-          <a:xfrm>
-            <a:off x="2207568" y="1622783"/>
-            <a:ext cx="7488758" cy="5262979"/>
-          </a:xfrm>
-          <a:prstGeom prst="rect">
-            <a:avLst/>
-          </a:prstGeom>
-        </p:spPr>
-        <p:txBody>
-          <a:bodyPr wrap="square">
-            <a:spAutoFit/>
-          </a:bodyPr>
-          <a:lstStyle/>
-          <a:p>
-            <a:pPr fontAlgn="auto">
-              <a:spcBef>
-                <a:spcPts val="0"/>
-              </a:spcBef>
-              <a:spcAft>
-                <a:spcPts val="0"/>
-              </a:spcAft>
-              <a:defRPr/>
-            </a:pPr>
-            <a:r>
-              <a:rPr lang="en-US" sz="1400" b="1" dirty="0" err="1">
-                <a:solidFill>
-                  <a:srgbClr val="7F0055"/>
-                </a:solidFill>
-                <a:latin typeface="Consolas"/>
-                <a:cs typeface="+mn-cs"/>
-              </a:rPr>
-              <a:t>int</a:t>
-            </a:r>
-            <a:r>
-              <a:rPr lang="en-US" sz="1400" b="1" dirty="0">
-                <a:solidFill>
-                  <a:srgbClr val="000000"/>
-                </a:solidFill>
-                <a:latin typeface="Consolas"/>
-                <a:cs typeface="+mn-cs"/>
-              </a:rPr>
-              <a:t> </a:t>
-            </a:r>
-            <a:r>
-              <a:rPr lang="en-US" sz="1400" dirty="0" err="1">
-                <a:solidFill>
-                  <a:srgbClr val="000000"/>
-                </a:solidFill>
-                <a:latin typeface="Consolas"/>
-                <a:cs typeface="+mn-cs"/>
-              </a:rPr>
-              <a:t>num</a:t>
-            </a:r>
-            <a:r>
-              <a:rPr lang="en-US" sz="1400" dirty="0">
-                <a:solidFill>
-                  <a:srgbClr val="000000"/>
-                </a:solidFill>
-                <a:latin typeface="Consolas"/>
-                <a:cs typeface="+mn-cs"/>
-              </a:rPr>
-              <a:t>[] </a:t>
-            </a:r>
-            <a:r>
-              <a:rPr lang="en-US" sz="1400" b="1" dirty="0">
-                <a:solidFill>
-                  <a:srgbClr val="000000"/>
-                </a:solidFill>
-                <a:latin typeface="Consolas"/>
-                <a:cs typeface="+mn-cs"/>
-              </a:rPr>
-              <a:t>= </a:t>
-            </a:r>
-            <a:r>
-              <a:rPr lang="en-US" sz="1400" b="1" dirty="0">
-                <a:solidFill>
-                  <a:srgbClr val="7F0055"/>
-                </a:solidFill>
-                <a:latin typeface="Consolas"/>
-                <a:cs typeface="+mn-cs"/>
-              </a:rPr>
-              <a:t>new</a:t>
-            </a:r>
-            <a:r>
-              <a:rPr lang="en-US" sz="1400" b="1" dirty="0">
-                <a:solidFill>
-                  <a:srgbClr val="000000"/>
-                </a:solidFill>
-                <a:latin typeface="Consolas"/>
-                <a:cs typeface="+mn-cs"/>
-              </a:rPr>
-              <a:t> </a:t>
-            </a:r>
-            <a:r>
-              <a:rPr lang="en-US" sz="1400" b="1" dirty="0" err="1">
-                <a:solidFill>
-                  <a:srgbClr val="7F0055"/>
-                </a:solidFill>
-                <a:latin typeface="Consolas"/>
-                <a:cs typeface="+mn-cs"/>
-              </a:rPr>
-              <a:t>int</a:t>
-            </a:r>
-            <a:r>
-              <a:rPr lang="en-US" sz="1400" dirty="0">
-                <a:solidFill>
-                  <a:srgbClr val="000000"/>
-                </a:solidFill>
-                <a:latin typeface="Consolas"/>
-                <a:cs typeface="+mn-cs"/>
-              </a:rPr>
-              <a:t>[5];</a:t>
-            </a:r>
-          </a:p>
-          <a:p>
-            <a:pPr fontAlgn="auto">
-              <a:spcBef>
-                <a:spcPts val="0"/>
-              </a:spcBef>
-              <a:spcAft>
-                <a:spcPts val="0"/>
-              </a:spcAft>
-              <a:defRPr/>
-            </a:pPr>
-            <a:r>
-              <a:rPr lang="en-US" sz="1400" dirty="0" err="1">
-                <a:solidFill>
-                  <a:srgbClr val="000000"/>
-                </a:solidFill>
-                <a:latin typeface="Consolas"/>
-                <a:cs typeface="+mn-cs"/>
-              </a:rPr>
-              <a:t>System.</a:t>
-            </a:r>
-            <a:r>
-              <a:rPr lang="en-US" sz="1400" dirty="0" err="1">
-                <a:solidFill>
-                  <a:srgbClr val="0000C0"/>
-                </a:solidFill>
-                <a:latin typeface="Consolas"/>
-                <a:cs typeface="+mn-cs"/>
-              </a:rPr>
-              <a:t>out</a:t>
-            </a:r>
-            <a:r>
-              <a:rPr lang="en-US" sz="1400" dirty="0" err="1">
-                <a:solidFill>
-                  <a:srgbClr val="000000"/>
-                </a:solidFill>
-                <a:latin typeface="Consolas"/>
-                <a:cs typeface="+mn-cs"/>
-              </a:rPr>
-              <a:t>.println</a:t>
-            </a:r>
-            <a:r>
-              <a:rPr lang="en-US" sz="1400" dirty="0">
-                <a:solidFill>
-                  <a:srgbClr val="000000"/>
-                </a:solidFill>
-                <a:latin typeface="Consolas"/>
-                <a:cs typeface="+mn-cs"/>
-              </a:rPr>
-              <a:t>(</a:t>
-            </a:r>
-            <a:r>
-              <a:rPr lang="en-US" sz="1400" dirty="0">
-                <a:solidFill>
-                  <a:srgbClr val="2A00FF"/>
-                </a:solidFill>
-                <a:latin typeface="Consolas"/>
-                <a:cs typeface="+mn-cs"/>
-              </a:rPr>
-              <a:t>"</a:t>
-            </a:r>
-            <a:r>
-              <a:rPr lang="en-US" sz="1400" dirty="0" err="1">
-                <a:solidFill>
-                  <a:srgbClr val="2A00FF"/>
-                </a:solidFill>
-                <a:latin typeface="Consolas"/>
-                <a:cs typeface="+mn-cs"/>
-              </a:rPr>
-              <a:t>Ein</a:t>
-            </a:r>
-            <a:r>
-              <a:rPr lang="en-US" sz="1400" dirty="0">
-                <a:solidFill>
-                  <a:srgbClr val="2A00FF"/>
-                </a:solidFill>
-                <a:latin typeface="Consolas"/>
-                <a:cs typeface="+mn-cs"/>
-              </a:rPr>
-              <a:t>:"</a:t>
-            </a:r>
-            <a:r>
-              <a:rPr lang="en-US" sz="1400" dirty="0">
-                <a:solidFill>
-                  <a:srgbClr val="000000"/>
-                </a:solidFill>
-                <a:latin typeface="Consolas"/>
-                <a:cs typeface="+mn-cs"/>
-              </a:rPr>
-              <a:t>);</a:t>
-            </a:r>
-          </a:p>
-          <a:p>
-            <a:pPr fontAlgn="auto">
-              <a:spcBef>
-                <a:spcPts val="0"/>
-              </a:spcBef>
-              <a:spcAft>
-                <a:spcPts val="0"/>
-              </a:spcAft>
-              <a:defRPr/>
-            </a:pPr>
-            <a:r>
-              <a:rPr lang="en-US" sz="1400" dirty="0">
-                <a:solidFill>
-                  <a:srgbClr val="000000"/>
-                </a:solidFill>
-                <a:latin typeface="Consolas"/>
-                <a:cs typeface="+mn-cs"/>
-              </a:rPr>
-              <a:t>Scanner </a:t>
-            </a:r>
-            <a:r>
-              <a:rPr lang="en-US" sz="1400" dirty="0" err="1">
-                <a:solidFill>
-                  <a:srgbClr val="000000"/>
-                </a:solidFill>
-                <a:latin typeface="Consolas"/>
-                <a:cs typeface="+mn-cs"/>
-              </a:rPr>
-              <a:t>sc</a:t>
-            </a:r>
-            <a:r>
-              <a:rPr lang="en-US" sz="1400" dirty="0">
-                <a:solidFill>
-                  <a:srgbClr val="000000"/>
-                </a:solidFill>
-                <a:latin typeface="Consolas"/>
-                <a:cs typeface="+mn-cs"/>
-              </a:rPr>
-              <a:t> = </a:t>
-            </a:r>
-            <a:r>
-              <a:rPr lang="en-US" sz="1400" b="1" dirty="0">
-                <a:solidFill>
-                  <a:srgbClr val="7F0055"/>
-                </a:solidFill>
-                <a:latin typeface="Consolas"/>
-                <a:cs typeface="+mn-cs"/>
-              </a:rPr>
-              <a:t>new</a:t>
-            </a:r>
-            <a:r>
-              <a:rPr lang="en-US" sz="1400" b="1" dirty="0">
-                <a:solidFill>
-                  <a:srgbClr val="000000"/>
-                </a:solidFill>
-                <a:latin typeface="Consolas"/>
-                <a:cs typeface="+mn-cs"/>
-              </a:rPr>
-              <a:t> </a:t>
-            </a:r>
-            <a:r>
-              <a:rPr lang="en-US" sz="1400" dirty="0">
-                <a:solidFill>
-                  <a:srgbClr val="000000"/>
-                </a:solidFill>
-                <a:latin typeface="Consolas"/>
-                <a:cs typeface="+mn-cs"/>
-              </a:rPr>
-              <a:t>Scanner(System.</a:t>
-            </a:r>
-            <a:r>
-              <a:rPr lang="en-US" sz="1400" dirty="0">
-                <a:solidFill>
-                  <a:srgbClr val="0000C0"/>
-                </a:solidFill>
-                <a:latin typeface="Consolas"/>
-                <a:cs typeface="+mn-cs"/>
-              </a:rPr>
-              <a:t>in</a:t>
-            </a:r>
-            <a:r>
-              <a:rPr lang="en-US" sz="1400" dirty="0">
-                <a:solidFill>
-                  <a:srgbClr val="000000"/>
-                </a:solidFill>
-                <a:latin typeface="Consolas"/>
-                <a:cs typeface="+mn-cs"/>
-              </a:rPr>
-              <a:t>);</a:t>
-            </a:r>
-          </a:p>
-          <a:p>
-            <a:pPr fontAlgn="auto">
-              <a:spcBef>
-                <a:spcPts val="0"/>
-              </a:spcBef>
-              <a:spcAft>
-                <a:spcPts val="0"/>
-              </a:spcAft>
-              <a:defRPr/>
-            </a:pPr>
-            <a:r>
-              <a:rPr lang="en-US" sz="1400" b="1" dirty="0">
-                <a:solidFill>
-                  <a:srgbClr val="7F0055"/>
-                </a:solidFill>
-                <a:latin typeface="Consolas"/>
-                <a:cs typeface="+mn-cs"/>
-              </a:rPr>
-              <a:t>for</a:t>
-            </a:r>
-            <a:r>
-              <a:rPr lang="en-US" sz="1400" b="1" dirty="0">
-                <a:solidFill>
-                  <a:srgbClr val="000000"/>
-                </a:solidFill>
-                <a:latin typeface="Consolas"/>
-                <a:cs typeface="+mn-cs"/>
-              </a:rPr>
-              <a:t> (</a:t>
-            </a:r>
-            <a:r>
-              <a:rPr lang="en-US" sz="1400" b="1" dirty="0" err="1">
-                <a:solidFill>
-                  <a:srgbClr val="7F0055"/>
-                </a:solidFill>
-                <a:latin typeface="Consolas"/>
-                <a:cs typeface="+mn-cs"/>
-              </a:rPr>
-              <a:t>int</a:t>
-            </a:r>
-            <a:r>
-              <a:rPr lang="en-US" sz="1400" b="1" dirty="0">
-                <a:solidFill>
-                  <a:srgbClr val="000000"/>
-                </a:solidFill>
-                <a:latin typeface="Consolas"/>
-                <a:cs typeface="+mn-cs"/>
-              </a:rPr>
-              <a:t> </a:t>
-            </a:r>
-            <a:r>
-              <a:rPr lang="en-US" sz="1400" dirty="0">
-                <a:solidFill>
-                  <a:srgbClr val="000000"/>
-                </a:solidFill>
-                <a:latin typeface="Consolas"/>
-                <a:cs typeface="+mn-cs"/>
-              </a:rPr>
-              <a:t>p = 0; p &lt; 5; p++)</a:t>
-            </a:r>
-          </a:p>
-          <a:p>
-            <a:pPr fontAlgn="auto">
-              <a:spcBef>
-                <a:spcPts val="0"/>
-              </a:spcBef>
-              <a:spcAft>
-                <a:spcPts val="0"/>
-              </a:spcAft>
-              <a:defRPr/>
-            </a:pPr>
-            <a:r>
-              <a:rPr lang="en-US" sz="1400" dirty="0">
-                <a:solidFill>
-                  <a:srgbClr val="000000"/>
-                </a:solidFill>
-                <a:latin typeface="Consolas"/>
-                <a:cs typeface="+mn-cs"/>
-              </a:rPr>
-              <a:t>    </a:t>
-            </a:r>
-            <a:r>
-              <a:rPr lang="en-US" sz="1400" dirty="0" err="1">
-                <a:solidFill>
-                  <a:srgbClr val="000000"/>
-                </a:solidFill>
-                <a:latin typeface="Consolas"/>
-                <a:cs typeface="+mn-cs"/>
-              </a:rPr>
-              <a:t>num</a:t>
-            </a:r>
-            <a:r>
-              <a:rPr lang="en-US" sz="1400" dirty="0">
-                <a:solidFill>
-                  <a:srgbClr val="000000"/>
-                </a:solidFill>
-                <a:latin typeface="Consolas"/>
-                <a:cs typeface="+mn-cs"/>
-              </a:rPr>
-              <a:t>[p] = </a:t>
-            </a:r>
-            <a:r>
-              <a:rPr lang="en-US" sz="1400" dirty="0" err="1">
-                <a:solidFill>
-                  <a:srgbClr val="000000"/>
-                </a:solidFill>
-                <a:latin typeface="Consolas"/>
-                <a:cs typeface="+mn-cs"/>
-              </a:rPr>
-              <a:t>sc.nextInt</a:t>
-            </a:r>
-            <a:r>
-              <a:rPr lang="en-US" sz="1400" dirty="0">
-                <a:solidFill>
-                  <a:srgbClr val="000000"/>
-                </a:solidFill>
-                <a:latin typeface="Consolas"/>
-                <a:cs typeface="+mn-cs"/>
-              </a:rPr>
-              <a:t>();</a:t>
-            </a:r>
-          </a:p>
-          <a:p>
-            <a:pPr fontAlgn="auto">
-              <a:spcBef>
-                <a:spcPts val="0"/>
-              </a:spcBef>
-              <a:spcAft>
-                <a:spcPts val="0"/>
-              </a:spcAft>
-              <a:defRPr/>
-            </a:pPr>
-            <a:r>
-              <a:rPr lang="en-US" sz="1400" b="1" dirty="0" err="1">
-                <a:solidFill>
-                  <a:srgbClr val="7F0055"/>
-                </a:solidFill>
-                <a:latin typeface="Consolas"/>
-                <a:cs typeface="+mn-cs"/>
-              </a:rPr>
-              <a:t>int</a:t>
-            </a:r>
-            <a:r>
-              <a:rPr lang="en-US" sz="1400" b="1" dirty="0">
-                <a:solidFill>
-                  <a:srgbClr val="000000"/>
-                </a:solidFill>
-                <a:latin typeface="Consolas"/>
-                <a:cs typeface="+mn-cs"/>
-              </a:rPr>
-              <a:t> </a:t>
-            </a:r>
-            <a:r>
-              <a:rPr lang="en-US" sz="1400" dirty="0">
-                <a:solidFill>
-                  <a:srgbClr val="000000"/>
-                </a:solidFill>
-                <a:latin typeface="Consolas"/>
-                <a:cs typeface="+mn-cs"/>
-              </a:rPr>
-              <a:t>j;</a:t>
-            </a:r>
-          </a:p>
-          <a:p>
-            <a:pPr fontAlgn="auto">
-              <a:spcBef>
-                <a:spcPts val="0"/>
-              </a:spcBef>
-              <a:spcAft>
-                <a:spcPts val="0"/>
-              </a:spcAft>
-              <a:defRPr/>
-            </a:pPr>
-            <a:r>
-              <a:rPr lang="da-DK" sz="1400" b="1" dirty="0">
-                <a:solidFill>
-                  <a:srgbClr val="7F0055"/>
-                </a:solidFill>
-                <a:latin typeface="Consolas"/>
-                <a:cs typeface="+mn-cs"/>
-              </a:rPr>
-              <a:t>boolean</a:t>
-            </a:r>
-            <a:r>
-              <a:rPr lang="da-DK" sz="1400" b="1" dirty="0">
-                <a:solidFill>
-                  <a:srgbClr val="000000"/>
-                </a:solidFill>
-                <a:latin typeface="Consolas"/>
-                <a:cs typeface="+mn-cs"/>
-              </a:rPr>
-              <a:t> </a:t>
-            </a:r>
-            <a:r>
-              <a:rPr lang="da-DK" sz="1400" dirty="0">
-                <a:solidFill>
-                  <a:srgbClr val="000000"/>
-                </a:solidFill>
-                <a:latin typeface="Consolas"/>
-                <a:cs typeface="+mn-cs"/>
-              </a:rPr>
-              <a:t>flag</a:t>
-            </a:r>
-            <a:r>
-              <a:rPr lang="da-DK" sz="1400" b="1" dirty="0">
-                <a:solidFill>
-                  <a:srgbClr val="000000"/>
-                </a:solidFill>
-                <a:latin typeface="Consolas"/>
-                <a:cs typeface="+mn-cs"/>
-              </a:rPr>
-              <a:t> = </a:t>
-            </a:r>
-            <a:r>
-              <a:rPr lang="da-DK" sz="1400" b="1" dirty="0">
-                <a:solidFill>
-                  <a:srgbClr val="7F0055"/>
-                </a:solidFill>
-                <a:latin typeface="Consolas"/>
-                <a:cs typeface="+mn-cs"/>
-              </a:rPr>
-              <a:t>true</a:t>
-            </a:r>
-            <a:r>
-              <a:rPr lang="da-DK" sz="1400" b="1" dirty="0">
-                <a:solidFill>
-                  <a:srgbClr val="000000"/>
-                </a:solidFill>
-                <a:latin typeface="Consolas"/>
-                <a:cs typeface="+mn-cs"/>
-              </a:rPr>
-              <a:t>; </a:t>
-            </a:r>
-            <a:r>
-              <a:rPr lang="da-DK" sz="1400" b="1" dirty="0">
-                <a:solidFill>
-                  <a:srgbClr val="3F7F5F"/>
-                </a:solidFill>
-                <a:latin typeface="Consolas"/>
-                <a:cs typeface="+mn-cs"/>
-              </a:rPr>
-              <a:t>// set flag to true</a:t>
-            </a:r>
-          </a:p>
-          <a:p>
-            <a:pPr fontAlgn="auto">
-              <a:spcBef>
-                <a:spcPts val="0"/>
-              </a:spcBef>
-              <a:spcAft>
-                <a:spcPts val="0"/>
-              </a:spcAft>
-              <a:defRPr/>
-            </a:pPr>
-            <a:r>
-              <a:rPr lang="en-US" sz="1400" b="1" dirty="0" err="1">
-                <a:solidFill>
-                  <a:srgbClr val="7F0055"/>
-                </a:solidFill>
-                <a:latin typeface="Consolas"/>
-                <a:cs typeface="+mn-cs"/>
-              </a:rPr>
-              <a:t>int</a:t>
-            </a:r>
-            <a:r>
-              <a:rPr lang="en-US" sz="1400" b="1" dirty="0">
-                <a:solidFill>
-                  <a:srgbClr val="000000"/>
-                </a:solidFill>
-                <a:latin typeface="Consolas"/>
-                <a:cs typeface="+mn-cs"/>
-              </a:rPr>
-              <a:t> </a:t>
-            </a:r>
-            <a:r>
-              <a:rPr lang="en-US" sz="1400" dirty="0">
-                <a:solidFill>
-                  <a:srgbClr val="000000"/>
-                </a:solidFill>
-                <a:latin typeface="Consolas"/>
-                <a:cs typeface="+mn-cs"/>
-              </a:rPr>
-              <a:t>temp</a:t>
-            </a:r>
-            <a:r>
-              <a:rPr lang="en-US" sz="1400" b="1" dirty="0">
-                <a:solidFill>
-                  <a:srgbClr val="000000"/>
-                </a:solidFill>
-                <a:latin typeface="Consolas"/>
-                <a:cs typeface="+mn-cs"/>
-              </a:rPr>
-              <a:t>; </a:t>
-            </a:r>
-            <a:r>
-              <a:rPr lang="en-US" sz="1400" dirty="0">
-                <a:solidFill>
-                  <a:srgbClr val="3F7F5F"/>
-                </a:solidFill>
-                <a:latin typeface="Consolas"/>
-                <a:cs typeface="+mn-cs"/>
-              </a:rPr>
-              <a:t>// holding variable</a:t>
-            </a:r>
-          </a:p>
-          <a:p>
-            <a:pPr fontAlgn="auto">
-              <a:spcBef>
-                <a:spcPts val="0"/>
-              </a:spcBef>
-              <a:spcAft>
-                <a:spcPts val="0"/>
-              </a:spcAft>
-              <a:defRPr/>
-            </a:pPr>
-            <a:r>
-              <a:rPr lang="en-US" sz="1400" b="1" dirty="0">
-                <a:solidFill>
-                  <a:srgbClr val="7F0055"/>
-                </a:solidFill>
-                <a:latin typeface="Consolas"/>
-                <a:cs typeface="+mn-cs"/>
-              </a:rPr>
-              <a:t>while</a:t>
-            </a:r>
-            <a:r>
-              <a:rPr lang="en-US" sz="1400" b="1" dirty="0">
-                <a:solidFill>
-                  <a:srgbClr val="000000"/>
-                </a:solidFill>
-                <a:latin typeface="Consolas"/>
-                <a:cs typeface="+mn-cs"/>
-              </a:rPr>
-              <a:t> (</a:t>
-            </a:r>
-            <a:r>
-              <a:rPr lang="en-US" sz="1400" dirty="0">
-                <a:solidFill>
-                  <a:srgbClr val="000000"/>
-                </a:solidFill>
-                <a:latin typeface="Consolas"/>
-                <a:cs typeface="+mn-cs"/>
-              </a:rPr>
-              <a:t>flag</a:t>
-            </a:r>
-            <a:r>
-              <a:rPr lang="en-US" sz="1400" b="1" dirty="0">
-                <a:solidFill>
-                  <a:srgbClr val="000000"/>
-                </a:solidFill>
-                <a:latin typeface="Consolas"/>
-                <a:cs typeface="+mn-cs"/>
-              </a:rPr>
-              <a:t>) {</a:t>
-            </a:r>
-          </a:p>
-          <a:p>
-            <a:pPr fontAlgn="auto">
-              <a:spcBef>
-                <a:spcPts val="0"/>
-              </a:spcBef>
-              <a:spcAft>
-                <a:spcPts val="0"/>
-              </a:spcAft>
-              <a:defRPr/>
-            </a:pPr>
-            <a:r>
-              <a:rPr lang="en-US" sz="1400" dirty="0">
-                <a:solidFill>
-                  <a:srgbClr val="000000"/>
-                </a:solidFill>
-                <a:latin typeface="Consolas"/>
-                <a:cs typeface="+mn-cs"/>
-              </a:rPr>
-              <a:t>      flag = </a:t>
-            </a:r>
-            <a:r>
-              <a:rPr lang="en-US" sz="1400" b="1" dirty="0">
-                <a:solidFill>
-                  <a:srgbClr val="7F0055"/>
-                </a:solidFill>
-                <a:latin typeface="Consolas"/>
-                <a:cs typeface="+mn-cs"/>
-              </a:rPr>
-              <a:t>false</a:t>
-            </a:r>
-            <a:r>
-              <a:rPr lang="en-US" sz="1400" b="1" dirty="0">
-                <a:solidFill>
-                  <a:srgbClr val="000000"/>
-                </a:solidFill>
-                <a:latin typeface="Consolas"/>
-                <a:cs typeface="+mn-cs"/>
-              </a:rPr>
-              <a:t>; </a:t>
-            </a:r>
-            <a:r>
-              <a:rPr lang="en-US" sz="1400" b="1" dirty="0">
-                <a:solidFill>
-                  <a:srgbClr val="3F7F5F"/>
-                </a:solidFill>
-                <a:latin typeface="Consolas"/>
-                <a:cs typeface="+mn-cs"/>
-              </a:rPr>
-              <a:t>// </a:t>
-            </a:r>
-            <a:r>
-              <a:rPr lang="en-US" sz="1400" dirty="0">
-                <a:solidFill>
-                  <a:srgbClr val="3F7F5F"/>
-                </a:solidFill>
-                <a:latin typeface="Consolas"/>
-                <a:cs typeface="+mn-cs"/>
-              </a:rPr>
-              <a:t>set flag to false awaiting a possible swap</a:t>
-            </a:r>
-          </a:p>
-          <a:p>
-            <a:pPr fontAlgn="auto">
-              <a:spcBef>
-                <a:spcPts val="0"/>
-              </a:spcBef>
-              <a:spcAft>
-                <a:spcPts val="0"/>
-              </a:spcAft>
-              <a:defRPr/>
-            </a:pPr>
-            <a:r>
-              <a:rPr lang="en-US" sz="1400" b="1" dirty="0">
-                <a:solidFill>
-                  <a:srgbClr val="7F0055"/>
-                </a:solidFill>
-                <a:latin typeface="Consolas"/>
-                <a:cs typeface="+mn-cs"/>
-              </a:rPr>
-              <a:t>      for</a:t>
-            </a:r>
-            <a:r>
-              <a:rPr lang="en-US" sz="1400" b="1" dirty="0">
-                <a:solidFill>
-                  <a:srgbClr val="000000"/>
-                </a:solidFill>
-                <a:latin typeface="Consolas"/>
-                <a:cs typeface="+mn-cs"/>
-              </a:rPr>
-              <a:t> (</a:t>
-            </a:r>
-            <a:r>
-              <a:rPr lang="en-US" sz="1400" dirty="0">
-                <a:solidFill>
-                  <a:srgbClr val="000000"/>
-                </a:solidFill>
-                <a:latin typeface="Consolas"/>
-                <a:cs typeface="+mn-cs"/>
-              </a:rPr>
-              <a:t>j = 0; j &lt; </a:t>
-            </a:r>
-            <a:r>
-              <a:rPr lang="en-US" sz="1400" dirty="0" err="1">
-                <a:solidFill>
-                  <a:srgbClr val="000000"/>
-                </a:solidFill>
-                <a:latin typeface="Consolas"/>
-                <a:cs typeface="+mn-cs"/>
-              </a:rPr>
-              <a:t>num.</a:t>
-            </a:r>
-            <a:r>
-              <a:rPr lang="en-US" sz="1400" dirty="0" err="1">
-                <a:solidFill>
-                  <a:srgbClr val="0000C0"/>
-                </a:solidFill>
-                <a:latin typeface="Consolas"/>
-                <a:cs typeface="+mn-cs"/>
-              </a:rPr>
-              <a:t>length</a:t>
-            </a:r>
-            <a:r>
-              <a:rPr lang="en-US" sz="1400" dirty="0">
-                <a:solidFill>
-                  <a:srgbClr val="000000"/>
-                </a:solidFill>
-                <a:latin typeface="Consolas"/>
-                <a:cs typeface="+mn-cs"/>
-              </a:rPr>
-              <a:t> - 1; </a:t>
-            </a:r>
-            <a:r>
-              <a:rPr lang="en-US" sz="1400" dirty="0" err="1">
-                <a:solidFill>
-                  <a:srgbClr val="000000"/>
-                </a:solidFill>
-                <a:latin typeface="Consolas"/>
-                <a:cs typeface="+mn-cs"/>
-              </a:rPr>
-              <a:t>j++</a:t>
-            </a:r>
-            <a:r>
-              <a:rPr lang="en-US" sz="1400" dirty="0">
-                <a:solidFill>
-                  <a:srgbClr val="000000"/>
-                </a:solidFill>
-                <a:latin typeface="Consolas"/>
-                <a:cs typeface="+mn-cs"/>
-              </a:rPr>
-              <a:t>) </a:t>
-            </a:r>
-            <a:r>
-              <a:rPr lang="en-US" sz="1400" b="1" dirty="0">
-                <a:solidFill>
-                  <a:srgbClr val="000000"/>
-                </a:solidFill>
-                <a:latin typeface="Consolas"/>
-                <a:cs typeface="+mn-cs"/>
-              </a:rPr>
-              <a:t>{</a:t>
-            </a:r>
-          </a:p>
-          <a:p>
-            <a:pPr fontAlgn="auto">
-              <a:spcBef>
-                <a:spcPts val="0"/>
-              </a:spcBef>
-              <a:spcAft>
-                <a:spcPts val="0"/>
-              </a:spcAft>
-              <a:defRPr/>
-            </a:pPr>
-            <a:r>
-              <a:rPr lang="en-US" sz="1400" b="1" dirty="0">
-                <a:solidFill>
-                  <a:srgbClr val="000000"/>
-                </a:solidFill>
-                <a:latin typeface="Consolas"/>
-                <a:cs typeface="+mn-cs"/>
-              </a:rPr>
-              <a:t>	 </a:t>
-            </a:r>
-            <a:r>
-              <a:rPr lang="en-US" sz="1400" b="1" dirty="0">
-                <a:solidFill>
-                  <a:srgbClr val="7F0055"/>
-                </a:solidFill>
-                <a:latin typeface="Consolas"/>
-                <a:cs typeface="+mn-cs"/>
-              </a:rPr>
-              <a:t>if</a:t>
-            </a:r>
-            <a:r>
-              <a:rPr lang="en-US" sz="1400" b="1" dirty="0">
-                <a:solidFill>
-                  <a:srgbClr val="000000"/>
-                </a:solidFill>
-                <a:latin typeface="Consolas"/>
-                <a:cs typeface="+mn-cs"/>
-              </a:rPr>
-              <a:t> </a:t>
-            </a:r>
-            <a:r>
-              <a:rPr lang="en-US" sz="1400" dirty="0">
-                <a:solidFill>
-                  <a:srgbClr val="000000"/>
-                </a:solidFill>
-                <a:latin typeface="Consolas"/>
-                <a:cs typeface="+mn-cs"/>
-              </a:rPr>
-              <a:t>(</a:t>
-            </a:r>
-            <a:r>
-              <a:rPr lang="en-US" sz="1400" dirty="0" err="1">
-                <a:solidFill>
-                  <a:srgbClr val="000000"/>
-                </a:solidFill>
-                <a:latin typeface="Consolas"/>
-                <a:cs typeface="+mn-cs"/>
-              </a:rPr>
-              <a:t>num</a:t>
-            </a:r>
-            <a:r>
-              <a:rPr lang="en-US" sz="1400" dirty="0">
-                <a:solidFill>
-                  <a:srgbClr val="000000"/>
-                </a:solidFill>
-                <a:latin typeface="Consolas"/>
-                <a:cs typeface="+mn-cs"/>
-              </a:rPr>
-              <a:t>[j] &lt; </a:t>
-            </a:r>
-            <a:r>
-              <a:rPr lang="en-US" sz="1400" dirty="0" err="1">
-                <a:solidFill>
-                  <a:srgbClr val="000000"/>
-                </a:solidFill>
-                <a:latin typeface="Consolas"/>
-                <a:cs typeface="+mn-cs"/>
-              </a:rPr>
-              <a:t>num</a:t>
-            </a:r>
-            <a:r>
-              <a:rPr lang="en-US" sz="1400" dirty="0">
-                <a:solidFill>
-                  <a:srgbClr val="000000"/>
-                </a:solidFill>
-                <a:latin typeface="Consolas"/>
-                <a:cs typeface="+mn-cs"/>
-              </a:rPr>
-              <a:t>[j + 1]) {</a:t>
-            </a:r>
-            <a:r>
-              <a:rPr lang="en-US" sz="1400" dirty="0">
-                <a:solidFill>
-                  <a:srgbClr val="3F7F5F"/>
-                </a:solidFill>
-                <a:latin typeface="Consolas"/>
-                <a:cs typeface="+mn-cs"/>
-              </a:rPr>
-              <a:t>// change to &gt; for ascending sort</a:t>
-            </a:r>
-            <a:endParaRPr lang="en-US" sz="1400" dirty="0">
-              <a:solidFill>
-                <a:srgbClr val="000000"/>
-              </a:solidFill>
-              <a:latin typeface="Consolas"/>
-              <a:cs typeface="+mn-cs"/>
-            </a:endParaRPr>
-          </a:p>
-          <a:p>
-            <a:pPr fontAlgn="auto">
-              <a:spcBef>
-                <a:spcPts val="0"/>
-              </a:spcBef>
-              <a:spcAft>
-                <a:spcPts val="0"/>
-              </a:spcAft>
-              <a:defRPr/>
-            </a:pPr>
-            <a:r>
-              <a:rPr lang="en-US" sz="1400" dirty="0">
-                <a:solidFill>
-                  <a:srgbClr val="000000"/>
-                </a:solidFill>
-                <a:latin typeface="Consolas"/>
-                <a:cs typeface="+mn-cs"/>
-              </a:rPr>
-              <a:t>	    temp = </a:t>
-            </a:r>
-            <a:r>
-              <a:rPr lang="en-US" sz="1400" dirty="0" err="1">
-                <a:solidFill>
-                  <a:srgbClr val="000000"/>
-                </a:solidFill>
-                <a:latin typeface="Consolas"/>
-                <a:cs typeface="+mn-cs"/>
-              </a:rPr>
-              <a:t>num</a:t>
-            </a:r>
-            <a:r>
-              <a:rPr lang="en-US" sz="1400" dirty="0">
-                <a:solidFill>
-                  <a:srgbClr val="000000"/>
-                </a:solidFill>
-                <a:latin typeface="Consolas"/>
-                <a:cs typeface="+mn-cs"/>
-              </a:rPr>
-              <a:t>[j]; </a:t>
-            </a:r>
-            <a:r>
-              <a:rPr lang="en-US" sz="1400" dirty="0">
-                <a:solidFill>
-                  <a:srgbClr val="3F7F5F"/>
-                </a:solidFill>
-                <a:latin typeface="Consolas"/>
-                <a:cs typeface="+mn-cs"/>
-              </a:rPr>
-              <a:t>// swap elements</a:t>
-            </a:r>
-          </a:p>
-          <a:p>
-            <a:pPr fontAlgn="auto">
-              <a:spcBef>
-                <a:spcPts val="0"/>
-              </a:spcBef>
-              <a:spcAft>
-                <a:spcPts val="0"/>
-              </a:spcAft>
-              <a:defRPr/>
-            </a:pPr>
-            <a:r>
-              <a:rPr lang="en-US" sz="1400" dirty="0">
-                <a:solidFill>
-                  <a:srgbClr val="3F7F5F"/>
-                </a:solidFill>
-                <a:latin typeface="Consolas"/>
-                <a:cs typeface="+mn-cs"/>
-              </a:rPr>
-              <a:t>	    </a:t>
-            </a:r>
-            <a:r>
-              <a:rPr lang="en-US" sz="1400" dirty="0" err="1">
-                <a:solidFill>
-                  <a:srgbClr val="000000"/>
-                </a:solidFill>
-                <a:latin typeface="Consolas"/>
-                <a:cs typeface="+mn-cs"/>
-              </a:rPr>
-              <a:t>num</a:t>
-            </a:r>
-            <a:r>
-              <a:rPr lang="en-US" sz="1400" dirty="0">
-                <a:solidFill>
-                  <a:srgbClr val="000000"/>
-                </a:solidFill>
-                <a:latin typeface="Consolas"/>
-                <a:cs typeface="+mn-cs"/>
-              </a:rPr>
-              <a:t>[j] = </a:t>
-            </a:r>
-            <a:r>
-              <a:rPr lang="en-US" sz="1400" dirty="0" err="1">
-                <a:solidFill>
-                  <a:srgbClr val="000000"/>
-                </a:solidFill>
-                <a:latin typeface="Consolas"/>
-                <a:cs typeface="+mn-cs"/>
-              </a:rPr>
-              <a:t>num</a:t>
-            </a:r>
-            <a:r>
-              <a:rPr lang="en-US" sz="1400" dirty="0">
-                <a:solidFill>
-                  <a:srgbClr val="000000"/>
-                </a:solidFill>
-                <a:latin typeface="Consolas"/>
-                <a:cs typeface="+mn-cs"/>
-              </a:rPr>
-              <a:t>[j + 1];</a:t>
-            </a:r>
-          </a:p>
-          <a:p>
-            <a:pPr fontAlgn="auto">
-              <a:spcBef>
-                <a:spcPts val="0"/>
-              </a:spcBef>
-              <a:spcAft>
-                <a:spcPts val="0"/>
-              </a:spcAft>
-              <a:defRPr/>
-            </a:pPr>
-            <a:r>
-              <a:rPr lang="en-US" sz="1400" dirty="0">
-                <a:solidFill>
-                  <a:srgbClr val="000000"/>
-                </a:solidFill>
-                <a:latin typeface="Consolas"/>
-                <a:cs typeface="+mn-cs"/>
-              </a:rPr>
-              <a:t>	    </a:t>
-            </a:r>
-            <a:r>
-              <a:rPr lang="en-US" sz="1400" dirty="0" err="1">
-                <a:solidFill>
-                  <a:srgbClr val="000000"/>
-                </a:solidFill>
-                <a:latin typeface="Consolas"/>
-                <a:cs typeface="+mn-cs"/>
-              </a:rPr>
-              <a:t>num</a:t>
-            </a:r>
-            <a:r>
-              <a:rPr lang="en-US" sz="1400" dirty="0">
-                <a:solidFill>
-                  <a:srgbClr val="000000"/>
-                </a:solidFill>
-                <a:latin typeface="Consolas"/>
-                <a:cs typeface="+mn-cs"/>
-              </a:rPr>
-              <a:t>[j + 1] = temp;</a:t>
-            </a:r>
-          </a:p>
-          <a:p>
-            <a:pPr fontAlgn="auto">
-              <a:spcBef>
-                <a:spcPts val="0"/>
-              </a:spcBef>
-              <a:spcAft>
-                <a:spcPts val="0"/>
-              </a:spcAft>
-              <a:defRPr/>
-            </a:pPr>
-            <a:r>
-              <a:rPr lang="en-US" sz="1400" dirty="0">
-                <a:solidFill>
-                  <a:srgbClr val="000000"/>
-                </a:solidFill>
-                <a:latin typeface="Consolas"/>
-                <a:cs typeface="+mn-cs"/>
-              </a:rPr>
-              <a:t>	    flag = </a:t>
-            </a:r>
-            <a:r>
-              <a:rPr lang="en-US" sz="1400" b="1" dirty="0">
-                <a:solidFill>
-                  <a:srgbClr val="7F0055"/>
-                </a:solidFill>
-                <a:latin typeface="Consolas"/>
-                <a:cs typeface="+mn-cs"/>
-              </a:rPr>
-              <a:t>true</a:t>
-            </a:r>
-            <a:r>
-              <a:rPr lang="en-US" sz="1400" b="1" dirty="0">
-                <a:solidFill>
-                  <a:srgbClr val="000000"/>
-                </a:solidFill>
-                <a:latin typeface="Consolas"/>
-                <a:cs typeface="+mn-cs"/>
-              </a:rPr>
-              <a:t>; </a:t>
-            </a:r>
-            <a:r>
-              <a:rPr lang="en-US" sz="1400" dirty="0">
-                <a:solidFill>
-                  <a:srgbClr val="3F7F5F"/>
-                </a:solidFill>
-                <a:latin typeface="Consolas"/>
-                <a:cs typeface="+mn-cs"/>
-              </a:rPr>
-              <a:t>// shows a swap occurred</a:t>
-            </a:r>
-          </a:p>
-          <a:p>
-            <a:pPr fontAlgn="auto">
-              <a:spcBef>
-                <a:spcPts val="0"/>
-              </a:spcBef>
-              <a:spcAft>
-                <a:spcPts val="0"/>
-              </a:spcAft>
-              <a:defRPr/>
-            </a:pPr>
-            <a:r>
-              <a:rPr lang="en-US" sz="1400" dirty="0">
-                <a:solidFill>
-                  <a:srgbClr val="3F7F5F"/>
-                </a:solidFill>
-                <a:latin typeface="Consolas"/>
-                <a:cs typeface="+mn-cs"/>
-              </a:rPr>
-              <a:t>	 </a:t>
-            </a:r>
-            <a:r>
-              <a:rPr lang="en-US" sz="1400" b="1" dirty="0">
-                <a:solidFill>
-                  <a:srgbClr val="000000"/>
-                </a:solidFill>
-                <a:latin typeface="Consolas"/>
-                <a:cs typeface="+mn-cs"/>
-              </a:rPr>
-              <a:t>}</a:t>
-            </a:r>
-          </a:p>
-          <a:p>
-            <a:pPr fontAlgn="auto">
-              <a:spcBef>
-                <a:spcPts val="0"/>
-              </a:spcBef>
-              <a:spcAft>
-                <a:spcPts val="0"/>
-              </a:spcAft>
-              <a:defRPr/>
-            </a:pPr>
-            <a:r>
-              <a:rPr lang="en-US" sz="1400" dirty="0">
-                <a:solidFill>
-                  <a:srgbClr val="000000"/>
-                </a:solidFill>
-                <a:latin typeface="Consolas"/>
-                <a:cs typeface="+mn-cs"/>
-              </a:rPr>
-              <a:t>      </a:t>
-            </a:r>
-            <a:r>
-              <a:rPr lang="en-US" sz="1400" b="1" dirty="0">
-                <a:solidFill>
-                  <a:srgbClr val="000000"/>
-                </a:solidFill>
-                <a:latin typeface="Consolas"/>
-                <a:cs typeface="+mn-cs"/>
-              </a:rPr>
-              <a:t>}</a:t>
-            </a:r>
-          </a:p>
-          <a:p>
-            <a:pPr fontAlgn="auto">
-              <a:spcBef>
-                <a:spcPts val="0"/>
-              </a:spcBef>
-              <a:spcAft>
-                <a:spcPts val="0"/>
-              </a:spcAft>
-              <a:defRPr/>
-            </a:pPr>
-            <a:r>
-              <a:rPr lang="de-DE" sz="1400" b="1" dirty="0">
-                <a:solidFill>
-                  <a:srgbClr val="000000"/>
-                </a:solidFill>
-                <a:latin typeface="Consolas"/>
-                <a:cs typeface="+mn-cs"/>
-              </a:rPr>
-              <a:t>}</a:t>
-            </a:r>
-            <a:endParaRPr lang="en-US" sz="1400" b="1" dirty="0">
-              <a:solidFill>
-                <a:srgbClr val="000000"/>
-              </a:solidFill>
-              <a:latin typeface="Consolas"/>
-              <a:cs typeface="+mn-cs"/>
-            </a:endParaRPr>
-          </a:p>
-          <a:p>
-            <a:pPr fontAlgn="auto">
-              <a:spcBef>
-                <a:spcPts val="0"/>
-              </a:spcBef>
-              <a:spcAft>
-                <a:spcPts val="0"/>
-              </a:spcAft>
-              <a:defRPr/>
-            </a:pPr>
-            <a:r>
-              <a:rPr lang="en-US" sz="1400" b="1" dirty="0" err="1">
-                <a:solidFill>
-                  <a:srgbClr val="7F0055"/>
-                </a:solidFill>
-                <a:latin typeface="Consolas"/>
-                <a:cs typeface="+mn-cs"/>
-              </a:rPr>
-              <a:t>int</a:t>
-            </a:r>
-            <a:r>
-              <a:rPr lang="en-US" sz="1400" b="1" dirty="0">
-                <a:solidFill>
-                  <a:srgbClr val="000000"/>
-                </a:solidFill>
-                <a:latin typeface="Consolas"/>
-                <a:cs typeface="+mn-cs"/>
-              </a:rPr>
-              <a:t> </a:t>
-            </a:r>
-            <a:r>
-              <a:rPr lang="en-US" sz="1400" dirty="0">
-                <a:solidFill>
-                  <a:srgbClr val="000000"/>
-                </a:solidFill>
-                <a:latin typeface="Consolas"/>
-                <a:cs typeface="+mn-cs"/>
-              </a:rPr>
-              <a:t>z = 0;</a:t>
-            </a:r>
-          </a:p>
-          <a:p>
-            <a:pPr fontAlgn="auto">
-              <a:spcBef>
-                <a:spcPts val="0"/>
-              </a:spcBef>
-              <a:spcAft>
-                <a:spcPts val="0"/>
-              </a:spcAft>
-              <a:defRPr/>
-            </a:pPr>
-            <a:r>
-              <a:rPr lang="en-US" sz="1400" b="1" dirty="0">
-                <a:solidFill>
-                  <a:srgbClr val="7F0055"/>
-                </a:solidFill>
-                <a:latin typeface="Consolas"/>
-                <a:cs typeface="+mn-cs"/>
-              </a:rPr>
-              <a:t>for</a:t>
-            </a:r>
-            <a:r>
-              <a:rPr lang="en-US" sz="1400" b="1" dirty="0">
-                <a:solidFill>
-                  <a:srgbClr val="000000"/>
-                </a:solidFill>
-                <a:latin typeface="Consolas"/>
-                <a:cs typeface="+mn-cs"/>
-              </a:rPr>
-              <a:t> (</a:t>
-            </a:r>
-            <a:r>
-              <a:rPr lang="en-US" sz="1400" b="1" dirty="0" err="1">
-                <a:solidFill>
-                  <a:srgbClr val="7F0055"/>
-                </a:solidFill>
-                <a:latin typeface="Consolas"/>
-                <a:cs typeface="+mn-cs"/>
-              </a:rPr>
-              <a:t>int</a:t>
-            </a:r>
-            <a:r>
-              <a:rPr lang="en-US" sz="1400" b="1" dirty="0">
-                <a:solidFill>
-                  <a:srgbClr val="000000"/>
-                </a:solidFill>
-                <a:latin typeface="Consolas"/>
-                <a:cs typeface="+mn-cs"/>
-              </a:rPr>
-              <a:t> </a:t>
-            </a:r>
-            <a:r>
-              <a:rPr lang="en-US" sz="1400" dirty="0">
-                <a:solidFill>
-                  <a:srgbClr val="000000"/>
-                </a:solidFill>
-                <a:latin typeface="Consolas"/>
-                <a:cs typeface="+mn-cs"/>
-              </a:rPr>
-              <a:t>t = 0; t &lt; 5; t++)</a:t>
-            </a:r>
-          </a:p>
-          <a:p>
-            <a:pPr fontAlgn="auto">
-              <a:spcBef>
-                <a:spcPts val="0"/>
-              </a:spcBef>
-              <a:spcAft>
-                <a:spcPts val="0"/>
-              </a:spcAft>
-              <a:defRPr/>
-            </a:pPr>
-            <a:r>
-              <a:rPr lang="en-US" sz="1400" dirty="0">
-                <a:solidFill>
-                  <a:srgbClr val="000000"/>
-                </a:solidFill>
-                <a:latin typeface="Consolas"/>
-                <a:cs typeface="+mn-cs"/>
-              </a:rPr>
-              <a:t>    z += </a:t>
-            </a:r>
-            <a:r>
-              <a:rPr lang="en-US" sz="1400" dirty="0" err="1">
-                <a:solidFill>
-                  <a:srgbClr val="000000"/>
-                </a:solidFill>
-                <a:latin typeface="Consolas"/>
-                <a:cs typeface="+mn-cs"/>
-              </a:rPr>
-              <a:t>num</a:t>
-            </a:r>
-            <a:r>
-              <a:rPr lang="en-US" sz="1400" dirty="0">
-                <a:solidFill>
-                  <a:srgbClr val="000000"/>
-                </a:solidFill>
-                <a:latin typeface="Consolas"/>
-                <a:cs typeface="+mn-cs"/>
-              </a:rPr>
-              <a:t>[t];</a:t>
-            </a:r>
-          </a:p>
-          <a:p>
-            <a:pPr fontAlgn="auto">
-              <a:spcBef>
-                <a:spcPts val="0"/>
-              </a:spcBef>
-              <a:spcAft>
-                <a:spcPts val="0"/>
-              </a:spcAft>
-              <a:defRPr/>
-            </a:pPr>
-            <a:r>
-              <a:rPr lang="en-US" sz="1400" dirty="0" err="1">
-                <a:solidFill>
-                  <a:srgbClr val="000000"/>
-                </a:solidFill>
-                <a:latin typeface="Consolas"/>
-                <a:cs typeface="+mn-cs"/>
-              </a:rPr>
-              <a:t>System.</a:t>
-            </a:r>
-            <a:r>
-              <a:rPr lang="en-US" sz="1400" dirty="0" err="1">
-                <a:solidFill>
-                  <a:srgbClr val="0000C0"/>
-                </a:solidFill>
-                <a:latin typeface="Consolas"/>
-                <a:cs typeface="+mn-cs"/>
-              </a:rPr>
-              <a:t>out</a:t>
-            </a:r>
-            <a:r>
-              <a:rPr lang="en-US" sz="1400" dirty="0" err="1">
-                <a:solidFill>
-                  <a:srgbClr val="000000"/>
-                </a:solidFill>
-                <a:latin typeface="Consolas"/>
-                <a:cs typeface="+mn-cs"/>
-              </a:rPr>
-              <a:t>.println</a:t>
-            </a:r>
-            <a:r>
-              <a:rPr lang="en-US" sz="1400" dirty="0">
-                <a:solidFill>
-                  <a:srgbClr val="000000"/>
-                </a:solidFill>
-                <a:latin typeface="Consolas"/>
-                <a:cs typeface="+mn-cs"/>
-              </a:rPr>
-              <a:t>(</a:t>
-            </a:r>
-            <a:r>
-              <a:rPr lang="en-US" sz="1400" dirty="0">
-                <a:solidFill>
-                  <a:srgbClr val="2A00FF"/>
-                </a:solidFill>
-                <a:latin typeface="Consolas"/>
-                <a:cs typeface="+mn-cs"/>
-              </a:rPr>
-              <a:t>"Erg:"</a:t>
-            </a:r>
-            <a:r>
-              <a:rPr lang="en-US" sz="1400" dirty="0">
-                <a:solidFill>
-                  <a:srgbClr val="000000"/>
-                </a:solidFill>
-                <a:latin typeface="Consolas"/>
-                <a:cs typeface="+mn-cs"/>
-              </a:rPr>
-              <a:t> + z/5.0);</a:t>
-            </a:r>
-          </a:p>
-          <a:p>
-            <a:pPr marL="0" lvl="2" fontAlgn="auto">
-              <a:spcBef>
-                <a:spcPts val="0"/>
-              </a:spcBef>
-              <a:spcAft>
-                <a:spcPts val="0"/>
-              </a:spcAft>
-              <a:defRPr/>
-            </a:pPr>
-            <a:endParaRPr lang="en-US" sz="1400" dirty="0">
-              <a:latin typeface="+mn-lt"/>
-              <a:cs typeface="+mn-cs"/>
-            </a:endParaRPr>
-          </a:p>
-        </p:txBody>
-      </p:sp>
-    </p:spTree>
-  </p:cSld>
-  <p:clrMapOvr>
-    <a:masterClrMapping/>
-  </p:clrMapOvr>
-  <p:timing>
-    <p:tnLst>
-      <p:par>
-        <p:cTn id="1" dur="indefinite" restart="never" nodeType="tmRoot">
-          <p:childTnLst>
-            <p:seq concurrent="1" nextAc="seek">
-              <p:cTn id="2" dur="indefinite" nodeType="mainSeq">
-                <p:childTnLst>
-                  <p:par>
-                    <p:cTn id="3" fill="hold">
-                      <p:stCondLst>
-                        <p:cond delay="indefinite"/>
-                      </p:stCondLst>
-                      <p:childTnLst>
-                        <p:par>
-                          <p:cTn id="4" fill="hold">
-                            <p:stCondLst>
-                              <p:cond delay="0"/>
-                            </p:stCondLst>
-                            <p:childTnLst>
-                              <p:par>
-                                <p:cTn id="5" presetID="1" presetClass="entr" presetSubtype="0" fill="hold" grpId="0" nodeType="clickEffect">
-                                  <p:stCondLst>
-                                    <p:cond delay="0"/>
-                                  </p:stCondLst>
-                                  <p:childTnLst>
-                                    <p:set>
-                                      <p:cBhvr>
-                                        <p:cTn id="6" dur="1" fill="hold">
-                                          <p:stCondLst>
-                                            <p:cond delay="0"/>
-                                          </p:stCondLst>
-                                        </p:cTn>
-                                        <p:tgtEl>
-                                          <p:spTgt spid="7">
-                                            <p:txEl>
-                                              <p:pRg st="0" end="0"/>
-                                            </p:txEl>
-                                          </p:spTgt>
-                                        </p:tgtEl>
-                                        <p:attrNameLst>
-                                          <p:attrName>style.visibility</p:attrName>
-                                        </p:attrNameLst>
-                                      </p:cBhvr>
-                                      <p:to>
-                                        <p:strVal val="visible"/>
-                                      </p:to>
-                                    </p:set>
-                                  </p:childTnLst>
-                                </p:cTn>
-                              </p:par>
-                            </p:childTnLst>
-                          </p:cTn>
-                        </p:par>
-                      </p:childTnLst>
-                    </p:cTn>
-                  </p:par>
-                </p:childTnLst>
-              </p:cTn>
-              <p:prevCondLst>
-                <p:cond evt="onPrev" delay="0">
-                  <p:tgtEl>
-                    <p:sldTgt/>
-                  </p:tgtEl>
-                </p:cond>
-              </p:prevCondLst>
-              <p:nextCondLst>
-                <p:cond evt="onNext" delay="0">
-                  <p:tgtEl>
-                    <p:sldTgt/>
-                  </p:tgtEl>
-                </p:cond>
-              </p:nextCondLst>
-            </p:seq>
-          </p:childTnLst>
-        </p:cTn>
-      </p:par>
-    </p:tnLst>
-    <p:bldLst>
-      <p:bldP spid="7" grpId="0" build="p"/>
-    </p:bldLst>
-  </p:timing>
-</p:sld>
-</file>
-
-<file path=ppt/slides/slide40.xml><?xml version="1.0" encoding="utf-8"?>
+<file path=ppt/slides/slide41.xml><?xml version="1.0" encoding="utf-8"?>
 <p:sld xmlns:a="http://schemas.openxmlformats.org/drawingml/2006/main" xmlns:r="http://schemas.openxmlformats.org/officeDocument/2006/relationships" xmlns:p="http://schemas.openxmlformats.org/presentationml/2006/main">
   <p:cSld>
     <p:spTree>
@@ -41607,7 +41904,7 @@
               <a:pPr>
                 <a:defRPr/>
               </a:pPr>
-              <a:t>40</a:t>
+              <a:t>41</a:t>
             </a:fld>
             <a:endParaRPr lang="de-DE"/>
           </a:p>
@@ -41660,7 +41957,7 @@
 </p:sld>
 </file>
 
-<file path=ppt/slides/slide41.xml><?xml version="1.0" encoding="utf-8"?>
+<file path=ppt/slides/slide42.xml><?xml version="1.0" encoding="utf-8"?>
 <p:sld xmlns:a="http://schemas.openxmlformats.org/drawingml/2006/main" xmlns:r="http://schemas.openxmlformats.org/officeDocument/2006/relationships" xmlns:p="http://schemas.openxmlformats.org/presentationml/2006/main">
   <p:cSld>
     <p:spTree>
@@ -43091,7 +43388,7 @@
               <a:pPr>
                 <a:defRPr/>
               </a:pPr>
-              <a:t>41</a:t>
+              <a:t>42</a:t>
             </a:fld>
             <a:endParaRPr lang="de-DE"/>
           </a:p>
@@ -43112,7 +43409,7 @@
 </p:sld>
 </file>
 
-<file path=ppt/slides/slide42.xml><?xml version="1.0" encoding="utf-8"?>
+<file path=ppt/slides/slide43.xml><?xml version="1.0" encoding="utf-8"?>
 <p:sld xmlns:a="http://schemas.openxmlformats.org/drawingml/2006/main" xmlns:r="http://schemas.openxmlformats.org/officeDocument/2006/relationships" xmlns:p="http://schemas.openxmlformats.org/presentationml/2006/main">
   <p:cSld>
     <p:spTree>
@@ -43253,7 +43550,7 @@
               <a:pPr>
                 <a:defRPr/>
               </a:pPr>
-              <a:t>42</a:t>
+              <a:t>43</a:t>
             </a:fld>
             <a:endParaRPr lang="de-DE" dirty="0"/>
           </a:p>
@@ -43310,7 +43607,7 @@
 </p:sld>
 </file>
 
-<file path=ppt/slides/slide43.xml><?xml version="1.0" encoding="utf-8"?>
+<file path=ppt/slides/slide44.xml><?xml version="1.0" encoding="utf-8"?>
 <p:sld xmlns:a="http://schemas.openxmlformats.org/drawingml/2006/main" xmlns:r="http://schemas.openxmlformats.org/officeDocument/2006/relationships" xmlns:p="http://schemas.openxmlformats.org/presentationml/2006/main">
   <p:cSld>
     <p:spTree>
@@ -43414,7 +43711,7 @@
               <a:pPr>
                 <a:defRPr/>
               </a:pPr>
-              <a:t>43</a:t>
+              <a:t>44</a:t>
             </a:fld>
             <a:endParaRPr lang="de-DE"/>
           </a:p>
@@ -43657,7 +43954,7 @@
 </p:sld>
 </file>
 
-<file path=ppt/slides/slide44.xml><?xml version="1.0" encoding="utf-8"?>
+<file path=ppt/slides/slide45.xml><?xml version="1.0" encoding="utf-8"?>
 <p:sld xmlns:a="http://schemas.openxmlformats.org/drawingml/2006/main" xmlns:r="http://schemas.openxmlformats.org/officeDocument/2006/relationships" xmlns:p="http://schemas.openxmlformats.org/presentationml/2006/main">
   <p:cSld>
     <p:spTree>
@@ -43927,7 +44224,7 @@
               <a:pPr>
                 <a:defRPr/>
               </a:pPr>
-              <a:t>44</a:t>
+              <a:t>45</a:t>
             </a:fld>
             <a:endParaRPr lang="de-DE"/>
           </a:p>
@@ -44307,7 +44604,7 @@
 </p:sld>
 </file>
 
-<file path=ppt/slides/slide45.xml><?xml version="1.0" encoding="utf-8"?>
+<file path=ppt/slides/slide46.xml><?xml version="1.0" encoding="utf-8"?>
 <p:sld xmlns:a="http://schemas.openxmlformats.org/drawingml/2006/main" xmlns:r="http://schemas.openxmlformats.org/officeDocument/2006/relationships" xmlns:p="http://schemas.openxmlformats.org/presentationml/2006/main">
   <p:cSld>
     <p:spTree>
@@ -44458,7 +44755,7 @@
               <a:pPr>
                 <a:defRPr/>
               </a:pPr>
-              <a:t>45</a:t>
+              <a:t>46</a:t>
             </a:fld>
             <a:endParaRPr lang="de-DE"/>
           </a:p>
@@ -44807,7 +45104,7 @@
 </p:sld>
 </file>
 
-<file path=ppt/slides/slide46.xml><?xml version="1.0" encoding="utf-8"?>
+<file path=ppt/slides/slide47.xml><?xml version="1.0" encoding="utf-8"?>
 <p:sld xmlns:a="http://schemas.openxmlformats.org/drawingml/2006/main" xmlns:r="http://schemas.openxmlformats.org/officeDocument/2006/relationships" xmlns:p="http://schemas.openxmlformats.org/presentationml/2006/main">
   <p:cSld>
     <p:spTree>
@@ -45241,7 +45538,7 @@
               <a:pPr>
                 <a:defRPr/>
               </a:pPr>
-              <a:t>46</a:t>
+              <a:t>47</a:t>
             </a:fld>
             <a:endParaRPr lang="de-DE"/>
           </a:p>
@@ -45724,7 +46021,7 @@
 </p:sld>
 </file>
 
-<file path=ppt/slides/slide47.xml><?xml version="1.0" encoding="utf-8"?>
+<file path=ppt/slides/slide48.xml><?xml version="1.0" encoding="utf-8"?>
 <p:sld xmlns:a="http://schemas.openxmlformats.org/drawingml/2006/main" xmlns:r="http://schemas.openxmlformats.org/officeDocument/2006/relationships" xmlns:p="http://schemas.openxmlformats.org/presentationml/2006/main">
   <p:cSld>
     <p:spTree>
@@ -46139,7 +46436,7 @@
               <a:pPr>
                 <a:defRPr/>
               </a:pPr>
-              <a:t>47</a:t>
+              <a:t>48</a:t>
             </a:fld>
             <a:endParaRPr lang="de-DE"/>
           </a:p>
@@ -46462,7 +46759,7 @@
 </p:sld>
 </file>
 
-<file path=ppt/slides/slide48.xml><?xml version="1.0" encoding="utf-8"?>
+<file path=ppt/slides/slide49.xml><?xml version="1.0" encoding="utf-8"?>
 <p:sld xmlns:a="http://schemas.openxmlformats.org/drawingml/2006/main" xmlns:r="http://schemas.openxmlformats.org/officeDocument/2006/relationships" xmlns:p="http://schemas.openxmlformats.org/presentationml/2006/main">
   <p:cSld>
     <p:spTree>
@@ -46600,7 +46897,7 @@
               <a:pPr>
                 <a:defRPr/>
               </a:pPr>
-              <a:t>48</a:t>
+              <a:t>49</a:t>
             </a:fld>
             <a:endParaRPr lang="de-DE"/>
           </a:p>
@@ -47696,151 +47993,6 @@
 </p:sld>
 </file>
 
-<file path=ppt/slides/slide49.xml><?xml version="1.0" encoding="utf-8"?>
-<p:sld xmlns:a="http://schemas.openxmlformats.org/drawingml/2006/main" xmlns:r="http://schemas.openxmlformats.org/officeDocument/2006/relationships" xmlns:p="http://schemas.openxmlformats.org/presentationml/2006/main">
-  <p:cSld>
-    <p:spTree>
-      <p:nvGrpSpPr>
-        <p:cNvPr id="1" name=""/>
-        <p:cNvGrpSpPr/>
-        <p:nvPr/>
-      </p:nvGrpSpPr>
-      <p:grpSpPr>
-        <a:xfrm>
-          <a:off x="0" y="0"/>
-          <a:ext cx="0" cy="0"/>
-          <a:chOff x="0" y="0"/>
-          <a:chExt cx="0" cy="0"/>
-        </a:xfrm>
-      </p:grpSpPr>
-      <p:sp>
-        <p:nvSpPr>
-          <p:cNvPr id="99329" name="Titel 1"/>
-          <p:cNvSpPr>
-            <a:spLocks noGrp="1"/>
-          </p:cNvSpPr>
-          <p:nvPr>
-            <p:ph type="title"/>
-          </p:nvPr>
-        </p:nvSpPr>
-        <p:spPr/>
-        <p:txBody>
-          <a:bodyPr/>
-          <a:lstStyle/>
-          <a:p>
-            <a:r>
-              <a:rPr lang="de-DE"/>
-              <a:t>Code schreiben</a:t>
-            </a:r>
-            <a:endParaRPr lang="en-US"/>
-          </a:p>
-        </p:txBody>
-      </p:sp>
-      <p:sp>
-        <p:nvSpPr>
-          <p:cNvPr id="3" name="Inhaltsplatzhalter 2"/>
-          <p:cNvSpPr>
-            <a:spLocks noGrp="1"/>
-          </p:cNvSpPr>
-          <p:nvPr>
-            <p:ph idx="1"/>
-          </p:nvPr>
-        </p:nvSpPr>
-        <p:spPr/>
-        <p:txBody>
-          <a:bodyPr/>
-          <a:lstStyle/>
-          <a:p>
-            <a:r>
-              <a:rPr lang="de-DE" dirty="0"/>
-              <a:t>Code so schreiben, dass auch ohne </a:t>
-            </a:r>
-            <a:r>
-              <a:rPr lang="de-DE" dirty="0" smtClean="0"/>
-              <a:t>Kommentare ersichtlich </a:t>
-            </a:r>
-            <a:r>
-              <a:rPr lang="de-DE" dirty="0"/>
-              <a:t>ist, was passiert</a:t>
-            </a:r>
-          </a:p>
-          <a:p>
-            <a:r>
-              <a:rPr lang="de-DE" dirty="0"/>
-              <a:t>Halten Sie sich an die Konventionen (z.B. </a:t>
-            </a:r>
-            <a:r>
-              <a:rPr lang="de-DE" dirty="0" err="1"/>
-              <a:t>camelCase</a:t>
-            </a:r>
-            <a:r>
-              <a:rPr lang="de-DE" dirty="0"/>
-              <a:t>)</a:t>
-            </a:r>
-          </a:p>
-          <a:p>
-            <a:r>
-              <a:rPr lang="de-DE" dirty="0"/>
-              <a:t>Methoden- und Klassenkommentare</a:t>
-            </a:r>
-          </a:p>
-          <a:p>
-            <a:r>
-              <a:rPr lang="de-DE" dirty="0"/>
-              <a:t>Kommentare zur Unterstützung </a:t>
-            </a:r>
-            <a:r>
-              <a:rPr lang="de-DE" dirty="0" smtClean="0"/>
-              <a:t>benutzen</a:t>
-            </a:r>
-            <a:endParaRPr lang="de-DE" dirty="0"/>
-          </a:p>
-        </p:txBody>
-      </p:sp>
-      <p:sp>
-        <p:nvSpPr>
-          <p:cNvPr id="2" name="Foliennummernplatzhalter 1"/>
-          <p:cNvSpPr>
-            <a:spLocks noGrp="1"/>
-          </p:cNvSpPr>
-          <p:nvPr>
-            <p:ph type="sldNum" sz="quarter" idx="12"/>
-          </p:nvPr>
-        </p:nvSpPr>
-        <p:spPr/>
-        <p:txBody>
-          <a:bodyPr/>
-          <a:lstStyle/>
-          <a:p>
-            <a:pPr>
-              <a:defRPr/>
-            </a:pPr>
-            <a:fld id="{DF7E2E00-E49B-4C2D-84B9-AB5A304A917C}" type="slidenum">
-              <a:rPr lang="de-DE" smtClean="0"/>
-              <a:pPr>
-                <a:defRPr/>
-              </a:pPr>
-              <a:t>49</a:t>
-            </a:fld>
-            <a:endParaRPr lang="de-DE"/>
-          </a:p>
-        </p:txBody>
-      </p:sp>
-    </p:spTree>
-  </p:cSld>
-  <p:clrMapOvr>
-    <a:masterClrMapping/>
-  </p:clrMapOvr>
-  <p:timing>
-    <p:tnLst>
-      <p:par>
-        <p:cTn id="1" dur="indefinite" restart="never" nodeType="tmRoot"/>
-      </p:par>
-    </p:tnLst>
-  </p:timing>
-</p:sld>
-</file>
-
 <file path=ppt/slides/slide5.xml><?xml version="1.0" encoding="utf-8"?>
 <p:sld xmlns:a="http://schemas.openxmlformats.org/drawingml/2006/main" xmlns:r="http://schemas.openxmlformats.org/officeDocument/2006/relationships" xmlns:p="http://schemas.openxmlformats.org/presentationml/2006/main" show="0">
   <p:cSld>
@@ -48111,6 +48263,151 @@
       </p:grpSpPr>
       <p:sp>
         <p:nvSpPr>
+          <p:cNvPr id="99329" name="Titel 1"/>
+          <p:cNvSpPr>
+            <a:spLocks noGrp="1"/>
+          </p:cNvSpPr>
+          <p:nvPr>
+            <p:ph type="title"/>
+          </p:nvPr>
+        </p:nvSpPr>
+        <p:spPr/>
+        <p:txBody>
+          <a:bodyPr/>
+          <a:lstStyle/>
+          <a:p>
+            <a:r>
+              <a:rPr lang="de-DE"/>
+              <a:t>Code schreiben</a:t>
+            </a:r>
+            <a:endParaRPr lang="en-US"/>
+          </a:p>
+        </p:txBody>
+      </p:sp>
+      <p:sp>
+        <p:nvSpPr>
+          <p:cNvPr id="3" name="Inhaltsplatzhalter 2"/>
+          <p:cNvSpPr>
+            <a:spLocks noGrp="1"/>
+          </p:cNvSpPr>
+          <p:nvPr>
+            <p:ph idx="1"/>
+          </p:nvPr>
+        </p:nvSpPr>
+        <p:spPr/>
+        <p:txBody>
+          <a:bodyPr/>
+          <a:lstStyle/>
+          <a:p>
+            <a:r>
+              <a:rPr lang="de-DE" dirty="0"/>
+              <a:t>Code so schreiben, dass auch ohne </a:t>
+            </a:r>
+            <a:r>
+              <a:rPr lang="de-DE" dirty="0" smtClean="0"/>
+              <a:t>Kommentare ersichtlich </a:t>
+            </a:r>
+            <a:r>
+              <a:rPr lang="de-DE" dirty="0"/>
+              <a:t>ist, was passiert</a:t>
+            </a:r>
+          </a:p>
+          <a:p>
+            <a:r>
+              <a:rPr lang="de-DE" dirty="0"/>
+              <a:t>Halten Sie sich an die Konventionen (z.B. </a:t>
+            </a:r>
+            <a:r>
+              <a:rPr lang="de-DE" dirty="0" err="1"/>
+              <a:t>camelCase</a:t>
+            </a:r>
+            <a:r>
+              <a:rPr lang="de-DE" dirty="0"/>
+              <a:t>)</a:t>
+            </a:r>
+          </a:p>
+          <a:p>
+            <a:r>
+              <a:rPr lang="de-DE" dirty="0"/>
+              <a:t>Methoden- und Klassenkommentare</a:t>
+            </a:r>
+          </a:p>
+          <a:p>
+            <a:r>
+              <a:rPr lang="de-DE" dirty="0"/>
+              <a:t>Kommentare zur Unterstützung </a:t>
+            </a:r>
+            <a:r>
+              <a:rPr lang="de-DE" dirty="0" smtClean="0"/>
+              <a:t>benutzen</a:t>
+            </a:r>
+            <a:endParaRPr lang="de-DE" dirty="0"/>
+          </a:p>
+        </p:txBody>
+      </p:sp>
+      <p:sp>
+        <p:nvSpPr>
+          <p:cNvPr id="2" name="Foliennummernplatzhalter 1"/>
+          <p:cNvSpPr>
+            <a:spLocks noGrp="1"/>
+          </p:cNvSpPr>
+          <p:nvPr>
+            <p:ph type="sldNum" sz="quarter" idx="12"/>
+          </p:nvPr>
+        </p:nvSpPr>
+        <p:spPr/>
+        <p:txBody>
+          <a:bodyPr/>
+          <a:lstStyle/>
+          <a:p>
+            <a:pPr>
+              <a:defRPr/>
+            </a:pPr>
+            <a:fld id="{DF7E2E00-E49B-4C2D-84B9-AB5A304A917C}" type="slidenum">
+              <a:rPr lang="de-DE" smtClean="0"/>
+              <a:pPr>
+                <a:defRPr/>
+              </a:pPr>
+              <a:t>50</a:t>
+            </a:fld>
+            <a:endParaRPr lang="de-DE"/>
+          </a:p>
+        </p:txBody>
+      </p:sp>
+    </p:spTree>
+  </p:cSld>
+  <p:clrMapOvr>
+    <a:masterClrMapping/>
+  </p:clrMapOvr>
+  <p:timing>
+    <p:tnLst>
+      <p:par>
+        <p:cTn id="1" dur="indefinite" restart="never" nodeType="tmRoot"/>
+      </p:par>
+    </p:tnLst>
+  </p:timing>
+</p:sld>
+</file>
+
+<file path=ppt/slides/slide51.xml><?xml version="1.0" encoding="utf-8"?>
+<p:sld xmlns:a="http://schemas.openxmlformats.org/drawingml/2006/main" xmlns:r="http://schemas.openxmlformats.org/officeDocument/2006/relationships" xmlns:p="http://schemas.openxmlformats.org/presentationml/2006/main">
+  <p:cSld>
+    <p:spTree>
+      <p:nvGrpSpPr>
+        <p:cNvPr id="1" name=""/>
+        <p:cNvGrpSpPr/>
+        <p:nvPr/>
+      </p:nvGrpSpPr>
+      <p:grpSpPr>
+        <a:xfrm>
+          <a:off x="0" y="0"/>
+          <a:ext cx="0" cy="0"/>
+          <a:chOff x="0" y="0"/>
+          <a:chExt cx="0" cy="0"/>
+        </a:xfrm>
+      </p:grpSpPr>
+      <p:sp>
+        <p:nvSpPr>
           <p:cNvPr id="2" name="Rechteck 1"/>
           <p:cNvSpPr/>
           <p:nvPr/>
@@ -48233,7 +48530,7 @@
               <a:pPr>
                 <a:defRPr/>
               </a:pPr>
-              <a:t>50</a:t>
+              <a:t>51</a:t>
             </a:fld>
             <a:endParaRPr lang="de-DE" dirty="0"/>
           </a:p>
@@ -48283,7 +48580,7 @@
 </p:sld>
 </file>
 
-<file path=ppt/slides/slide51.xml><?xml version="1.0" encoding="utf-8"?>
+<file path=ppt/slides/slide52.xml><?xml version="1.0" encoding="utf-8"?>
 <p:sld xmlns:a="http://schemas.openxmlformats.org/drawingml/2006/main" xmlns:r="http://schemas.openxmlformats.org/officeDocument/2006/relationships" xmlns:p="http://schemas.openxmlformats.org/presentationml/2006/main">
   <p:cSld>
     <p:spTree>
@@ -48434,7 +48731,7 @@
               <a:pPr>
                 <a:defRPr/>
               </a:pPr>
-              <a:t>51</a:t>
+              <a:t>52</a:t>
             </a:fld>
             <a:endParaRPr lang="de-DE"/>
           </a:p>
@@ -48448,7 +48745,7 @@
 </p:sld>
 </file>
 
-<file path=ppt/slides/slide52.xml><?xml version="1.0" encoding="utf-8"?>
+<file path=ppt/slides/slide53.xml><?xml version="1.0" encoding="utf-8"?>
 <p:sld xmlns:a="http://schemas.openxmlformats.org/drawingml/2006/main" xmlns:r="http://schemas.openxmlformats.org/officeDocument/2006/relationships" xmlns:p="http://schemas.openxmlformats.org/presentationml/2006/main">
   <p:cSld>
     <p:spTree>
@@ -48546,7 +48843,7 @@
               <a:pPr>
                 <a:defRPr/>
               </a:pPr>
-              <a:t>52</a:t>
+              <a:t>53</a:t>
             </a:fld>
             <a:endParaRPr lang="de-DE"/>
           </a:p>
@@ -48560,7 +48857,7 @@
 </p:sld>
 </file>
 
-<file path=ppt/slides/slide53.xml><?xml version="1.0" encoding="utf-8"?>
+<file path=ppt/slides/slide54.xml><?xml version="1.0" encoding="utf-8"?>
 <p:sld xmlns:a="http://schemas.openxmlformats.org/drawingml/2006/main" xmlns:r="http://schemas.openxmlformats.org/officeDocument/2006/relationships" xmlns:p="http://schemas.openxmlformats.org/presentationml/2006/main">
   <p:cSld>
     <p:spTree>
@@ -48689,7 +48986,7 @@
               <a:pPr>
                 <a:defRPr/>
               </a:pPr>
-              <a:t>53</a:t>
+              <a:t>54</a:t>
             </a:fld>
             <a:endParaRPr lang="de-DE" dirty="0"/>
           </a:p>
